--- a/poster_presentation.pptx
+++ b/poster_presentation.pptx
@@ -1097,7 +1097,7 @@
         <a:lstStyle/>
         <a:p>
           <a:r>
-            <a:rPr lang="en-US"/>
+            <a:rPr lang="en-US" dirty="0"/>
             <a:t>Scikit-Learn</a:t>
           </a:r>
         </a:p>
@@ -1349,6 +1349,47 @@
         </a:p>
       </dgm:t>
     </dgm:pt>
+    <dgm:pt modelId="{AB82D471-ABE9-4F49-9EC3-DF601C26FCE8}">
+      <dgm:prSet/>
+      <dgm:spPr/>
+      <dgm:t>
+        <a:bodyPr/>
+        <a:lstStyle/>
+        <a:p>
+          <a:r>
+            <a:rPr lang="en-US" dirty="0"/>
+            <a:t>Challenges?</a:t>
+          </a:r>
+        </a:p>
+      </dgm:t>
+    </dgm:pt>
+    <dgm:pt modelId="{FF2B41B9-4ED0-8F49-85E8-9C1DCCC389F7}" type="parTrans" cxnId="{087F9C70-09A4-F24A-A3B0-D4F4FC03C468}">
+      <dgm:prSet/>
+      <dgm:spPr/>
+    </dgm:pt>
+    <dgm:pt modelId="{E46911DE-93B0-9542-B52D-4CB84A3A4AFD}" type="sibTrans" cxnId="{087F9C70-09A4-F24A-A3B0-D4F4FC03C468}">
+      <dgm:prSet/>
+      <dgm:spPr/>
+    </dgm:pt>
+    <dgm:pt modelId="{F4E82C26-E1CA-884D-9138-E371A99FD63E}">
+      <dgm:prSet/>
+      <dgm:spPr/>
+      <dgm:t>
+        <a:bodyPr/>
+        <a:lstStyle/>
+        <a:p>
+          <a:endParaRPr lang="en-US" dirty="0"/>
+        </a:p>
+      </dgm:t>
+    </dgm:pt>
+    <dgm:pt modelId="{164ABD23-5A1E-A84B-B8EE-BBF4362E23F0}" type="parTrans" cxnId="{9ED05413-FECD-B046-91F6-0E9FCDE5B8C8}">
+      <dgm:prSet/>
+      <dgm:spPr/>
+    </dgm:pt>
+    <dgm:pt modelId="{8E406DEA-BB0E-AF4C-A420-730447A9E260}" type="sibTrans" cxnId="{9ED05413-FECD-B046-91F6-0E9FCDE5B8C8}">
+      <dgm:prSet/>
+      <dgm:spPr/>
+    </dgm:pt>
     <dgm:pt modelId="{835FED83-9FC2-ED4C-9DF9-F7D7B98CB5CD}" type="pres">
       <dgm:prSet presAssocID="{76FF96F1-9DFF-4453-93AE-DD82D6EB4771}" presName="linear" presStyleCnt="0">
         <dgm:presLayoutVars>
@@ -1457,6 +1498,7 @@
   </dgm:ptLst>
   <dgm:cxnLst>
     <dgm:cxn modelId="{DA3EA00F-2F5C-D44F-8FB9-9415C4E20230}" type="presOf" srcId="{C8540F91-0668-49B9-B479-F04B10E1DF95}" destId="{09A9B138-6381-484B-B4BC-B3F96532BE35}" srcOrd="0" destOrd="0" presId="urn:microsoft.com/office/officeart/2005/8/layout/list1"/>
+    <dgm:cxn modelId="{9ED05413-FECD-B046-91F6-0E9FCDE5B8C8}" srcId="{29CD3065-CDC4-4056-9E92-5156F83E5622}" destId="{F4E82C26-E1CA-884D-9138-E371A99FD63E}" srcOrd="3" destOrd="0" parTransId="{164ABD23-5A1E-A84B-B8EE-BBF4362E23F0}" sibTransId="{8E406DEA-BB0E-AF4C-A420-730447A9E260}"/>
     <dgm:cxn modelId="{70AC0D14-93E3-D44F-A6C3-B5AE62C259DC}" type="presOf" srcId="{E1DDC687-3C28-4C02-BA3D-6A22BD3DB62C}" destId="{09A9B138-6381-484B-B4BC-B3F96532BE35}" srcOrd="0" destOrd="3" presId="urn:microsoft.com/office/officeart/2005/8/layout/list1"/>
     <dgm:cxn modelId="{28C7AC18-9B1A-DD45-BF86-9DF9FA705A41}" type="presOf" srcId="{288D3B35-A5C7-48D0-8431-CD4339212D5A}" destId="{7C1BA19B-3650-E646-95FA-87CCACB11A51}" srcOrd="0" destOrd="1" presId="urn:microsoft.com/office/officeart/2005/8/layout/list1"/>
     <dgm:cxn modelId="{C0B0D625-9FBE-7848-9024-5AB029129CF5}" type="presOf" srcId="{38C42DB4-6CEF-4840-AE91-35E133C95188}" destId="{B9D98A5E-7633-B741-8C59-B4FE7279E178}" srcOrd="1" destOrd="0" presId="urn:microsoft.com/office/officeart/2005/8/layout/list1"/>
@@ -1472,11 +1514,14 @@
     <dgm:cxn modelId="{D7FBC151-CDA8-4B86-B154-0AD017A33899}" srcId="{C8540F91-0668-49B9-B479-F04B10E1DF95}" destId="{526ECCED-CF48-4DFA-A402-6A76C59038EB}" srcOrd="0" destOrd="0" parTransId="{4F7826F6-5BE5-4F00-9BDB-D78416A63674}" sibTransId="{82AB33DA-22CD-4D48-9D64-83B69A8A3D2A}"/>
     <dgm:cxn modelId="{1D2D195D-6546-4258-A5D1-F559D3D0F17A}" srcId="{76FF96F1-9DFF-4453-93AE-DD82D6EB4771}" destId="{07A9CDD8-1887-448F-B962-4CFE27A31E0D}" srcOrd="2" destOrd="0" parTransId="{F2572431-AA1D-4824-A67E-9B5D3BAC5D77}" sibTransId="{02D9874D-B74A-4910-8758-E198B905A41B}"/>
     <dgm:cxn modelId="{12866269-FDB3-2B40-A719-DAA56B1FB03E}" type="presOf" srcId="{CB8740D3-A458-4DC5-8DFB-569295586727}" destId="{E8DC46C9-1DCF-AD47-9547-B82D363C4A07}" srcOrd="0" destOrd="1" presId="urn:microsoft.com/office/officeart/2005/8/layout/list1"/>
+    <dgm:cxn modelId="{087F9C70-09A4-F24A-A3B0-D4F4FC03C468}" srcId="{29CD3065-CDC4-4056-9E92-5156F83E5622}" destId="{AB82D471-ABE9-4F49-9EC3-DF601C26FCE8}" srcOrd="4" destOrd="0" parTransId="{FF2B41B9-4ED0-8F49-85E8-9C1DCCC389F7}" sibTransId="{E46911DE-93B0-9542-B52D-4CB84A3A4AFD}"/>
+    <dgm:cxn modelId="{79752477-C2F6-4E47-BE3A-9924E75A2A19}" type="presOf" srcId="{F4E82C26-E1CA-884D-9138-E371A99FD63E}" destId="{7C1BA19B-3650-E646-95FA-87CCACB11A51}" srcOrd="0" destOrd="3" presId="urn:microsoft.com/office/officeart/2005/8/layout/list1"/>
     <dgm:cxn modelId="{CF889177-0660-D44E-B7DC-DCE2F064458B}" type="presOf" srcId="{07A9CDD8-1887-448F-B962-4CFE27A31E0D}" destId="{59B98B5B-8BD0-084A-9134-97F3AC42B375}" srcOrd="0" destOrd="0" presId="urn:microsoft.com/office/officeart/2005/8/layout/list1"/>
     <dgm:cxn modelId="{7B574682-E8FA-984A-A398-6A7A663893D6}" type="presOf" srcId="{76FF96F1-9DFF-4453-93AE-DD82D6EB4771}" destId="{835FED83-9FC2-ED4C-9DF9-F7D7B98CB5CD}" srcOrd="0" destOrd="0" presId="urn:microsoft.com/office/officeart/2005/8/layout/list1"/>
     <dgm:cxn modelId="{8CEF8F85-6147-9242-AD3A-602769DF8A8C}" type="presOf" srcId="{05576166-09EC-4A8B-9BB5-EADE41A2069F}" destId="{7C1BA19B-3650-E646-95FA-87CCACB11A51}" srcOrd="0" destOrd="2" presId="urn:microsoft.com/office/officeart/2005/8/layout/list1"/>
     <dgm:cxn modelId="{AF777091-71B0-4A4D-885F-0950AA38F159}" srcId="{38C42DB4-6CEF-4840-AE91-35E133C95188}" destId="{B196DCC7-3BF0-48E7-97D6-A3D441CD56FC}" srcOrd="0" destOrd="0" parTransId="{50CDB3BB-DAF4-474C-8FE2-5AA88E0ED092}" sibTransId="{F10754FE-E8FD-4A22-9C4C-B9DE75A44D86}"/>
     <dgm:cxn modelId="{8C250495-9BE4-48BA-AF74-766247E7C477}" srcId="{76FF96F1-9DFF-4453-93AE-DD82D6EB4771}" destId="{38C42DB4-6CEF-4840-AE91-35E133C95188}" srcOrd="0" destOrd="0" parTransId="{77781205-693E-46E9-B48C-E3AE1933F88D}" sibTransId="{C375B353-E454-4D7F-80C4-EB76B1F102CF}"/>
+    <dgm:cxn modelId="{74795E97-770C-6346-864A-BEE28687DDE8}" type="presOf" srcId="{AB82D471-ABE9-4F49-9EC3-DF601C26FCE8}" destId="{7C1BA19B-3650-E646-95FA-87CCACB11A51}" srcOrd="0" destOrd="4" presId="urn:microsoft.com/office/officeart/2005/8/layout/list1"/>
     <dgm:cxn modelId="{A0CCD69F-58FB-1D45-8B56-F24159E2AF3F}" type="presOf" srcId="{E784C009-1F66-4DB8-9A60-E9678E6FAC9D}" destId="{09A9B138-6381-484B-B4BC-B3F96532BE35}" srcOrd="0" destOrd="2" presId="urn:microsoft.com/office/officeart/2005/8/layout/list1"/>
     <dgm:cxn modelId="{EFF6F4A5-CA81-477B-82C4-DEC571B16251}" srcId="{38C42DB4-6CEF-4840-AE91-35E133C95188}" destId="{CB8740D3-A458-4DC5-8DFB-569295586727}" srcOrd="1" destOrd="0" parTransId="{28D9BE3B-8A5B-4F44-A82F-CE6A5FFDEF09}" sibTransId="{DDE67A95-5312-44DD-B0DD-0EE64BE337ED}"/>
     <dgm:cxn modelId="{A512EBAA-2890-496B-9009-A9DC986DDC19}" srcId="{07A9CDD8-1887-448F-B962-4CFE27A31E0D}" destId="{C8540F91-0668-49B9-B479-F04B10E1DF95}" srcOrd="0" destOrd="0" parTransId="{B1B2DD85-2452-4382-BB58-2097E57989C9}" sibTransId="{C8CD020C-2B06-4133-9D57-5B44D48354E6}"/>
@@ -1529,7 +1574,7 @@
       </dsp:nvSpPr>
       <dsp:spPr>
         <a:xfrm>
-          <a:off x="0" y="1499591"/>
+          <a:off x="0" y="1284603"/>
           <a:ext cx="6843843" cy="757575"/>
         </a:xfrm>
         <a:prstGeom prst="rect">
@@ -1612,7 +1657,7 @@
         </a:p>
       </dsp:txBody>
       <dsp:txXfrm>
-        <a:off x="0" y="1499591"/>
+        <a:off x="0" y="1284603"/>
         <a:ext cx="6843843" cy="757575"/>
       </dsp:txXfrm>
     </dsp:sp>
@@ -1623,7 +1668,7 @@
       </dsp:nvSpPr>
       <dsp:spPr>
         <a:xfrm>
-          <a:off x="342192" y="1307711"/>
+          <a:off x="342192" y="1092723"/>
           <a:ext cx="4790690" cy="383760"/>
         </a:xfrm>
         <a:prstGeom prst="roundRect">
@@ -1689,7 +1734,7 @@
         </a:p>
       </dsp:txBody>
       <dsp:txXfrm>
-        <a:off x="360926" y="1326445"/>
+        <a:off x="360926" y="1111457"/>
         <a:ext cx="4753222" cy="346292"/>
       </dsp:txXfrm>
     </dsp:sp>
@@ -1700,8 +1745,8 @@
       </dsp:nvSpPr>
       <dsp:spPr>
         <a:xfrm>
-          <a:off x="0" y="2519246"/>
-          <a:ext cx="6843843" cy="962325"/>
+          <a:off x="0" y="2304258"/>
+          <a:ext cx="6843843" cy="1392300"/>
         </a:xfrm>
         <a:prstGeom prst="rect">
           <a:avLst/>
@@ -1795,14 +1840,47 @@
             <a:buChar char="•"/>
           </a:pPr>
           <a:r>
-            <a:rPr lang="en-US" sz="1300" kern="1200"/>
+            <a:rPr lang="en-US" sz="1300" kern="1200" dirty="0"/>
             <a:t>Scikit-Learn</a:t>
+          </a:r>
+        </a:p>
+        <a:p>
+          <a:pPr marL="114300" lvl="1" indent="-114300" algn="l" defTabSz="577850">
+            <a:lnSpc>
+              <a:spcPct val="90000"/>
+            </a:lnSpc>
+            <a:spcBef>
+              <a:spcPct val="0"/>
+            </a:spcBef>
+            <a:spcAft>
+              <a:spcPct val="15000"/>
+            </a:spcAft>
+            <a:buChar char="•"/>
+          </a:pPr>
+          <a:endParaRPr lang="en-US" sz="1300" kern="1200" dirty="0"/>
+        </a:p>
+        <a:p>
+          <a:pPr marL="114300" lvl="1" indent="-114300" algn="l" defTabSz="577850">
+            <a:lnSpc>
+              <a:spcPct val="90000"/>
+            </a:lnSpc>
+            <a:spcBef>
+              <a:spcPct val="0"/>
+            </a:spcBef>
+            <a:spcAft>
+              <a:spcPct val="15000"/>
+            </a:spcAft>
+            <a:buChar char="•"/>
+          </a:pPr>
+          <a:r>
+            <a:rPr lang="en-US" sz="1300" kern="1200" dirty="0"/>
+            <a:t>Challenges?</a:t>
           </a:r>
         </a:p>
       </dsp:txBody>
       <dsp:txXfrm>
-        <a:off x="0" y="2519246"/>
-        <a:ext cx="6843843" cy="962325"/>
+        <a:off x="0" y="2304258"/>
+        <a:ext cx="6843843" cy="1392300"/>
       </dsp:txXfrm>
     </dsp:sp>
     <dsp:sp modelId="{AFBA01A5-8A08-7D40-9AC1-969C97549F7A}">
@@ -1812,7 +1890,7 @@
       </dsp:nvSpPr>
       <dsp:spPr>
         <a:xfrm>
-          <a:off x="342192" y="2327366"/>
+          <a:off x="342192" y="2112378"/>
           <a:ext cx="4790690" cy="383760"/>
         </a:xfrm>
         <a:prstGeom prst="roundRect">
@@ -1878,7 +1956,7 @@
         </a:p>
       </dsp:txBody>
       <dsp:txXfrm>
-        <a:off x="360926" y="2346100"/>
+        <a:off x="360926" y="2131112"/>
         <a:ext cx="4753222" cy="346292"/>
       </dsp:txXfrm>
     </dsp:sp>
@@ -1889,7 +1967,7 @@
       </dsp:nvSpPr>
       <dsp:spPr>
         <a:xfrm>
-          <a:off x="0" y="3743651"/>
+          <a:off x="0" y="3958639"/>
           <a:ext cx="6843843" cy="1392300"/>
         </a:xfrm>
         <a:prstGeom prst="rect">
@@ -2034,7 +2112,7 @@
         </a:p>
       </dsp:txBody>
       <dsp:txXfrm>
-        <a:off x="0" y="3743651"/>
+        <a:off x="0" y="3958639"/>
         <a:ext cx="6843843" cy="1392300"/>
       </dsp:txXfrm>
     </dsp:sp>
@@ -2045,7 +2123,7 @@
       </dsp:nvSpPr>
       <dsp:spPr>
         <a:xfrm>
-          <a:off x="342192" y="3551771"/>
+          <a:off x="342192" y="3766759"/>
           <a:ext cx="4790690" cy="383760"/>
         </a:xfrm>
         <a:prstGeom prst="roundRect">
@@ -2111,7 +2189,7 @@
         </a:p>
       </dsp:txBody>
       <dsp:txXfrm>
-        <a:off x="360926" y="3570505"/>
+        <a:off x="360926" y="3785493"/>
         <a:ext cx="4753222" cy="346292"/>
       </dsp:txXfrm>
     </dsp:sp>
@@ -19077,12 +19155,8 @@
           <a:lstStyle/>
           <a:p>
             <a:r>
-              <a:rPr lang="en-US"/>
-              <a:t>Matthew </a:t>
-            </a:r>
-            <a:r>
               <a:rPr lang="en-US" dirty="0"/>
-              <a:t>Wolff et al.</a:t>
+              <a:t>Matthew Wolff et al.</a:t>
             </a:r>
           </a:p>
           <a:p>
@@ -19118,7 +19192,7 @@
     <p:bg>
       <p:bgPr>
         <a:solidFill>
-          <a:schemeClr val="bg1"/>
+          <a:schemeClr val="bg2"/>
         </a:solidFill>
         <a:effectLst/>
       </p:bgPr>
@@ -19137,12 +19211,12 @@
           <a:chExt cx="0" cy="0"/>
         </a:xfrm>
       </p:grpSpPr>
-      <p:sp useBgFill="1">
+      <p:sp>
         <p:nvSpPr>
-          <p:cNvPr id="42" name="Rectangle 9">
+          <p:cNvPr id="72" name="Rectangle 71">
             <a:extLst>
               <a:ext uri="{FF2B5EF4-FFF2-40B4-BE49-F238E27FC236}">
-                <a16:creationId xmlns:a16="http://schemas.microsoft.com/office/drawing/2014/main" id="{398E8958-A0BD-4366-8F61-3A496C51CD60}"/>
+                <a16:creationId xmlns:a16="http://schemas.microsoft.com/office/drawing/2014/main" id="{A3BAF07C-C39E-42EB-BB22-8D46691D9735}"/>
               </a:ext>
               <a:ext uri="{C183D7F6-B498-43B3-948B-1728B52AA6E4}">
                 <adec:decorative xmlns:adec="http://schemas.microsoft.com/office/drawing/2017/decorative" val="1"/>
@@ -19162,12 +19236,15 @@
         </p:nvSpPr>
         <p:spPr>
           <a:xfrm>
-            <a:off x="0" y="0"/>
-            <a:ext cx="12191695" cy="6858000"/>
+            <a:off x="-1" y="0"/>
+            <a:ext cx="12193061" cy="6858000"/>
           </a:xfrm>
           <a:prstGeom prst="rect">
             <a:avLst/>
           </a:prstGeom>
+          <a:solidFill>
+            <a:schemeClr val="bg2"/>
+          </a:solidFill>
           <a:ln>
             <a:noFill/>
           </a:ln>
@@ -19199,2440 +19276,10 @@
       </p:sp>
       <p:grpSp>
         <p:nvGrpSpPr>
-          <p:cNvPr id="43" name="Group 11">
+          <p:cNvPr id="74" name="Group 73">
             <a:extLst>
               <a:ext uri="{FF2B5EF4-FFF2-40B4-BE49-F238E27FC236}">
-                <a16:creationId xmlns:a16="http://schemas.microsoft.com/office/drawing/2014/main" id="{D445862C-E73D-4EFB-9DD5-8A5E3473E113}"/>
-              </a:ext>
-              <a:ext uri="{C183D7F6-B498-43B3-948B-1728B52AA6E4}">
-                <adec:decorative xmlns:adec="http://schemas.microsoft.com/office/drawing/2017/decorative" val="1"/>
-              </a:ext>
-            </a:extLst>
-          </p:cNvPr>
-          <p:cNvGrpSpPr>
-            <a:grpSpLocks noGrp="1" noUngrp="1" noRot="1" noChangeAspect="1" noMove="1" noResize="1"/>
-          </p:cNvGrpSpPr>
-          <p:nvPr>
-            <p:extLst>
-              <p:ext uri="{386F3935-93C4-4BCD-93E2-E3B085C9AB24}">
-                <p16:designElem xmlns:p16="http://schemas.microsoft.com/office/powerpoint/2015/main" val="1"/>
-              </p:ext>
-            </p:extLst>
-          </p:nvPr>
-        </p:nvGrpSpPr>
-        <p:grpSpPr>
-          <a:xfrm>
-            <a:off x="-417513" y="0"/>
-            <a:ext cx="12584114" cy="6853238"/>
-            <a:chOff x="-417513" y="0"/>
-            <a:chExt cx="12584114" cy="6853238"/>
-          </a:xfrm>
-        </p:grpSpPr>
-        <p:sp>
-          <p:nvSpPr>
-            <p:cNvPr id="44" name="Freeform 5">
-              <a:extLst>
-                <a:ext uri="{FF2B5EF4-FFF2-40B4-BE49-F238E27FC236}">
-                  <a16:creationId xmlns:a16="http://schemas.microsoft.com/office/drawing/2014/main" id="{D2676ED1-2492-46B6-88D6-C9ED257B7549}"/>
-                </a:ext>
-                <a:ext uri="{C183D7F6-B498-43B3-948B-1728B52AA6E4}">
-                  <adec:decorative xmlns:adec="http://schemas.microsoft.com/office/drawing/2017/decorative" val="1"/>
-                </a:ext>
-              </a:extLst>
-            </p:cNvPr>
-            <p:cNvSpPr>
-              <a:spLocks/>
-            </p:cNvSpPr>
-            <p:nvPr>
-              <p:extLst>
-                <p:ext uri="{386F3935-93C4-4BCD-93E2-E3B085C9AB24}">
-                  <p16:designElem xmlns:p16="http://schemas.microsoft.com/office/powerpoint/2015/main" val="1"/>
-                </p:ext>
-              </p:extLst>
-            </p:nvPr>
-          </p:nvSpPr>
-          <p:spPr bwMode="auto">
-            <a:xfrm>
-              <a:off x="1306513" y="0"/>
-              <a:ext cx="3862388" cy="6843713"/>
-            </a:xfrm>
-            <a:custGeom>
-              <a:avLst/>
-              <a:gdLst>
-                <a:gd name="T0" fmla="*/ 813 w 813"/>
-                <a:gd name="T1" fmla="*/ 0 h 1440"/>
-                <a:gd name="T2" fmla="*/ 435 w 813"/>
-                <a:gd name="T3" fmla="*/ 1440 h 1440"/>
-              </a:gdLst>
-              <a:ahLst/>
-              <a:cxnLst>
-                <a:cxn ang="0">
-                  <a:pos x="T0" y="T1"/>
-                </a:cxn>
-                <a:cxn ang="0">
-                  <a:pos x="T2" y="T3"/>
-                </a:cxn>
-              </a:cxnLst>
-              <a:rect l="0" t="0" r="r" b="b"/>
-              <a:pathLst>
-                <a:path w="813" h="1440">
-                  <a:moveTo>
-                    <a:pt x="813" y="0"/>
-                  </a:moveTo>
-                  <a:cubicBezTo>
-                    <a:pt x="331" y="221"/>
-                    <a:pt x="0" y="1039"/>
-                    <a:pt x="435" y="1440"/>
-                  </a:cubicBezTo>
-                </a:path>
-              </a:pathLst>
-            </a:custGeom>
-            <a:noFill/>
-            <a:ln w="9525" cap="flat">
-              <a:solidFill>
-                <a:schemeClr val="tx1">
-                  <a:alpha val="20000"/>
-                </a:schemeClr>
-              </a:solidFill>
-              <a:prstDash val="solid"/>
-              <a:miter lim="800000"/>
-              <a:headEnd/>
-              <a:tailEnd/>
-            </a:ln>
-            <a:extLst>
-              <a:ext uri="{909E8E84-426E-40DD-AFC4-6F175D3DCCD1}">
-                <a14:hiddenFill xmlns:a14="http://schemas.microsoft.com/office/drawing/2010/main">
-                  <a:solidFill>
-                    <a:srgbClr val="FFFFFF"/>
-                  </a:solidFill>
-                </a14:hiddenFill>
-              </a:ext>
-            </a:extLst>
-          </p:spPr>
-          <p:txBody>
-            <a:bodyPr vert="horz" wrap="square" lIns="91440" tIns="45720" rIns="91440" bIns="45720" numCol="1" anchor="t" anchorCtr="0" compatLnSpc="1">
-              <a:prstTxWarp prst="textNoShape">
-                <a:avLst/>
-              </a:prstTxWarp>
-            </a:bodyPr>
-            <a:lstStyle/>
-            <a:p>
-              <a:endParaRPr lang="en-US"/>
-            </a:p>
-          </p:txBody>
-        </p:sp>
-        <p:sp>
-          <p:nvSpPr>
-            <p:cNvPr id="45" name="Freeform 6">
-              <a:extLst>
-                <a:ext uri="{FF2B5EF4-FFF2-40B4-BE49-F238E27FC236}">
-                  <a16:creationId xmlns:a16="http://schemas.microsoft.com/office/drawing/2014/main" id="{58A42DCC-C6BA-4B68-9FC4-FEE653997B00}"/>
-                </a:ext>
-                <a:ext uri="{C183D7F6-B498-43B3-948B-1728B52AA6E4}">
-                  <adec:decorative xmlns:adec="http://schemas.microsoft.com/office/drawing/2017/decorative" val="1"/>
-                </a:ext>
-              </a:extLst>
-            </p:cNvPr>
-            <p:cNvSpPr>
-              <a:spLocks/>
-            </p:cNvSpPr>
-            <p:nvPr>
-              <p:extLst>
-                <p:ext uri="{386F3935-93C4-4BCD-93E2-E3B085C9AB24}">
-                  <p16:designElem xmlns:p16="http://schemas.microsoft.com/office/powerpoint/2015/main" val="1"/>
-                </p:ext>
-              </p:extLst>
-            </p:nvPr>
-          </p:nvSpPr>
-          <p:spPr bwMode="auto">
-            <a:xfrm>
-              <a:off x="10626725" y="9525"/>
-              <a:ext cx="1539875" cy="555625"/>
-            </a:xfrm>
-            <a:custGeom>
-              <a:avLst/>
-              <a:gdLst>
-                <a:gd name="T0" fmla="*/ 324 w 324"/>
-                <a:gd name="T1" fmla="*/ 117 h 117"/>
-                <a:gd name="T2" fmla="*/ 0 w 324"/>
-                <a:gd name="T3" fmla="*/ 0 h 117"/>
-              </a:gdLst>
-              <a:ahLst/>
-              <a:cxnLst>
-                <a:cxn ang="0">
-                  <a:pos x="T0" y="T1"/>
-                </a:cxn>
-                <a:cxn ang="0">
-                  <a:pos x="T2" y="T3"/>
-                </a:cxn>
-              </a:cxnLst>
-              <a:rect l="0" t="0" r="r" b="b"/>
-              <a:pathLst>
-                <a:path w="324" h="117">
-                  <a:moveTo>
-                    <a:pt x="324" y="117"/>
-                  </a:moveTo>
-                  <a:cubicBezTo>
-                    <a:pt x="223" y="64"/>
-                    <a:pt x="107" y="28"/>
-                    <a:pt x="0" y="0"/>
-                  </a:cubicBezTo>
-                </a:path>
-              </a:pathLst>
-            </a:custGeom>
-            <a:noFill/>
-            <a:ln w="9525" cap="flat">
-              <a:solidFill>
-                <a:schemeClr val="tx1">
-                  <a:alpha val="20000"/>
-                </a:schemeClr>
-              </a:solidFill>
-              <a:prstDash val="solid"/>
-              <a:miter lim="800000"/>
-              <a:headEnd/>
-              <a:tailEnd/>
-            </a:ln>
-            <a:extLst>
-              <a:ext uri="{909E8E84-426E-40DD-AFC4-6F175D3DCCD1}">
-                <a14:hiddenFill xmlns:a14="http://schemas.microsoft.com/office/drawing/2010/main">
-                  <a:solidFill>
-                    <a:srgbClr val="FFFFFF"/>
-                  </a:solidFill>
-                </a14:hiddenFill>
-              </a:ext>
-            </a:extLst>
-          </p:spPr>
-          <p:txBody>
-            <a:bodyPr vert="horz" wrap="square" lIns="91440" tIns="45720" rIns="91440" bIns="45720" numCol="1" anchor="t" anchorCtr="0" compatLnSpc="1">
-              <a:prstTxWarp prst="textNoShape">
-                <a:avLst/>
-              </a:prstTxWarp>
-            </a:bodyPr>
-            <a:lstStyle/>
-            <a:p>
-              <a:endParaRPr lang="en-US"/>
-            </a:p>
-          </p:txBody>
-        </p:sp>
-        <p:sp>
-          <p:nvSpPr>
-            <p:cNvPr id="46" name="Freeform 7">
-              <a:extLst>
-                <a:ext uri="{FF2B5EF4-FFF2-40B4-BE49-F238E27FC236}">
-                  <a16:creationId xmlns:a16="http://schemas.microsoft.com/office/drawing/2014/main" id="{F81ED05C-778D-41F3-9C0E-6DE1D668A742}"/>
-                </a:ext>
-                <a:ext uri="{C183D7F6-B498-43B3-948B-1728B52AA6E4}">
-                  <adec:decorative xmlns:adec="http://schemas.microsoft.com/office/drawing/2017/decorative" val="1"/>
-                </a:ext>
-              </a:extLst>
-            </p:cNvPr>
-            <p:cNvSpPr>
-              <a:spLocks/>
-            </p:cNvSpPr>
-            <p:nvPr>
-              <p:extLst>
-                <p:ext uri="{386F3935-93C4-4BCD-93E2-E3B085C9AB24}">
-                  <p16:designElem xmlns:p16="http://schemas.microsoft.com/office/powerpoint/2015/main" val="1"/>
-                </p:ext>
-              </p:extLst>
-            </p:nvPr>
-          </p:nvSpPr>
-          <p:spPr bwMode="auto">
-            <a:xfrm>
-              <a:off x="10247313" y="5013325"/>
-              <a:ext cx="1919288" cy="1830388"/>
-            </a:xfrm>
-            <a:custGeom>
-              <a:avLst/>
-              <a:gdLst>
-                <a:gd name="T0" fmla="*/ 0 w 404"/>
-                <a:gd name="T1" fmla="*/ 385 h 385"/>
-                <a:gd name="T2" fmla="*/ 404 w 404"/>
-                <a:gd name="T3" fmla="*/ 0 h 385"/>
-              </a:gdLst>
-              <a:ahLst/>
-              <a:cxnLst>
-                <a:cxn ang="0">
-                  <a:pos x="T0" y="T1"/>
-                </a:cxn>
-                <a:cxn ang="0">
-                  <a:pos x="T2" y="T3"/>
-                </a:cxn>
-              </a:cxnLst>
-              <a:rect l="0" t="0" r="r" b="b"/>
-              <a:pathLst>
-                <a:path w="404" h="385">
-                  <a:moveTo>
-                    <a:pt x="0" y="385"/>
-                  </a:moveTo>
-                  <a:cubicBezTo>
-                    <a:pt x="146" y="272"/>
-                    <a:pt x="285" y="142"/>
-                    <a:pt x="404" y="0"/>
-                  </a:cubicBezTo>
-                </a:path>
-              </a:pathLst>
-            </a:custGeom>
-            <a:noFill/>
-            <a:ln w="9525" cap="flat">
-              <a:solidFill>
-                <a:schemeClr val="tx1">
-                  <a:alpha val="20000"/>
-                </a:schemeClr>
-              </a:solidFill>
-              <a:prstDash val="solid"/>
-              <a:miter lim="800000"/>
-              <a:headEnd/>
-              <a:tailEnd/>
-            </a:ln>
-            <a:extLst>
-              <a:ext uri="{909E8E84-426E-40DD-AFC4-6F175D3DCCD1}">
-                <a14:hiddenFill xmlns:a14="http://schemas.microsoft.com/office/drawing/2010/main">
-                  <a:solidFill>
-                    <a:srgbClr val="FFFFFF"/>
-                  </a:solidFill>
-                </a14:hiddenFill>
-              </a:ext>
-            </a:extLst>
-          </p:spPr>
-          <p:txBody>
-            <a:bodyPr vert="horz" wrap="square" lIns="91440" tIns="45720" rIns="91440" bIns="45720" numCol="1" anchor="t" anchorCtr="0" compatLnSpc="1">
-              <a:prstTxWarp prst="textNoShape">
-                <a:avLst/>
-              </a:prstTxWarp>
-            </a:bodyPr>
-            <a:lstStyle/>
-            <a:p>
-              <a:endParaRPr lang="en-US"/>
-            </a:p>
-          </p:txBody>
-        </p:sp>
-        <p:sp>
-          <p:nvSpPr>
-            <p:cNvPr id="47" name="Freeform 8">
-              <a:extLst>
-                <a:ext uri="{FF2B5EF4-FFF2-40B4-BE49-F238E27FC236}">
-                  <a16:creationId xmlns:a16="http://schemas.microsoft.com/office/drawing/2014/main" id="{EE063861-F6FC-4CC1-A77E-5993E5E2521A}"/>
-                </a:ext>
-                <a:ext uri="{C183D7F6-B498-43B3-948B-1728B52AA6E4}">
-                  <adec:decorative xmlns:adec="http://schemas.microsoft.com/office/drawing/2017/decorative" val="1"/>
-                </a:ext>
-              </a:extLst>
-            </p:cNvPr>
-            <p:cNvSpPr>
-              <a:spLocks/>
-            </p:cNvSpPr>
-            <p:nvPr>
-              <p:extLst>
-                <p:ext uri="{386F3935-93C4-4BCD-93E2-E3B085C9AB24}">
-                  <p16:designElem xmlns:p16="http://schemas.microsoft.com/office/powerpoint/2015/main" val="1"/>
-                </p:ext>
-              </p:extLst>
-            </p:nvPr>
-          </p:nvSpPr>
-          <p:spPr bwMode="auto">
-            <a:xfrm>
-              <a:off x="1120775" y="0"/>
-              <a:ext cx="3676650" cy="6843713"/>
-            </a:xfrm>
-            <a:custGeom>
-              <a:avLst/>
-              <a:gdLst>
-                <a:gd name="T0" fmla="*/ 774 w 774"/>
-                <a:gd name="T1" fmla="*/ 0 h 1440"/>
-                <a:gd name="T2" fmla="*/ 411 w 774"/>
-                <a:gd name="T3" fmla="*/ 1440 h 1440"/>
-              </a:gdLst>
-              <a:ahLst/>
-              <a:cxnLst>
-                <a:cxn ang="0">
-                  <a:pos x="T0" y="T1"/>
-                </a:cxn>
-                <a:cxn ang="0">
-                  <a:pos x="T2" y="T3"/>
-                </a:cxn>
-              </a:cxnLst>
-              <a:rect l="0" t="0" r="r" b="b"/>
-              <a:pathLst>
-                <a:path w="774" h="1440">
-                  <a:moveTo>
-                    <a:pt x="774" y="0"/>
-                  </a:moveTo>
-                  <a:cubicBezTo>
-                    <a:pt x="312" y="240"/>
-                    <a:pt x="0" y="1034"/>
-                    <a:pt x="411" y="1440"/>
-                  </a:cubicBezTo>
-                </a:path>
-              </a:pathLst>
-            </a:custGeom>
-            <a:noFill/>
-            <a:ln w="9525" cap="flat">
-              <a:solidFill>
-                <a:schemeClr val="tx1">
-                  <a:alpha val="20000"/>
-                </a:schemeClr>
-              </a:solidFill>
-              <a:prstDash val="dash"/>
-              <a:miter lim="800000"/>
-              <a:headEnd/>
-              <a:tailEnd/>
-            </a:ln>
-            <a:extLst>
-              <a:ext uri="{909E8E84-426E-40DD-AFC4-6F175D3DCCD1}">
-                <a14:hiddenFill xmlns:a14="http://schemas.microsoft.com/office/drawing/2010/main">
-                  <a:solidFill>
-                    <a:srgbClr val="FFFFFF"/>
-                  </a:solidFill>
-                </a14:hiddenFill>
-              </a:ext>
-            </a:extLst>
-          </p:spPr>
-          <p:txBody>
-            <a:bodyPr vert="horz" wrap="square" lIns="91440" tIns="45720" rIns="91440" bIns="45720" numCol="1" anchor="t" anchorCtr="0" compatLnSpc="1">
-              <a:prstTxWarp prst="textNoShape">
-                <a:avLst/>
-              </a:prstTxWarp>
-            </a:bodyPr>
-            <a:lstStyle/>
-            <a:p>
-              <a:endParaRPr lang="en-US"/>
-            </a:p>
-          </p:txBody>
-        </p:sp>
-        <p:sp>
-          <p:nvSpPr>
-            <p:cNvPr id="48" name="Freeform 9">
-              <a:extLst>
-                <a:ext uri="{FF2B5EF4-FFF2-40B4-BE49-F238E27FC236}">
-                  <a16:creationId xmlns:a16="http://schemas.microsoft.com/office/drawing/2014/main" id="{7E1DA2FC-6137-4EC4-B9F4-72264C39D412}"/>
-                </a:ext>
-                <a:ext uri="{C183D7F6-B498-43B3-948B-1728B52AA6E4}">
-                  <adec:decorative xmlns:adec="http://schemas.microsoft.com/office/drawing/2017/decorative" val="1"/>
-                </a:ext>
-              </a:extLst>
-            </p:cNvPr>
-            <p:cNvSpPr>
-              <a:spLocks/>
-            </p:cNvSpPr>
-            <p:nvPr>
-              <p:extLst>
-                <p:ext uri="{386F3935-93C4-4BCD-93E2-E3B085C9AB24}">
-                  <p16:designElem xmlns:p16="http://schemas.microsoft.com/office/powerpoint/2015/main" val="1"/>
-                </p:ext>
-              </p:extLst>
-            </p:nvPr>
-          </p:nvSpPr>
-          <p:spPr bwMode="auto">
-            <a:xfrm>
-              <a:off x="11202988" y="9525"/>
-              <a:ext cx="963613" cy="366713"/>
-            </a:xfrm>
-            <a:custGeom>
-              <a:avLst/>
-              <a:gdLst>
-                <a:gd name="T0" fmla="*/ 203 w 203"/>
-                <a:gd name="T1" fmla="*/ 77 h 77"/>
-                <a:gd name="T2" fmla="*/ 0 w 203"/>
-                <a:gd name="T3" fmla="*/ 0 h 77"/>
-              </a:gdLst>
-              <a:ahLst/>
-              <a:cxnLst>
-                <a:cxn ang="0">
-                  <a:pos x="T0" y="T1"/>
-                </a:cxn>
-                <a:cxn ang="0">
-                  <a:pos x="T2" y="T3"/>
-                </a:cxn>
-              </a:cxnLst>
-              <a:rect l="0" t="0" r="r" b="b"/>
-              <a:pathLst>
-                <a:path w="203" h="77">
-                  <a:moveTo>
-                    <a:pt x="203" y="77"/>
-                  </a:moveTo>
-                  <a:cubicBezTo>
-                    <a:pt x="138" y="46"/>
-                    <a:pt x="68" y="21"/>
-                    <a:pt x="0" y="0"/>
-                  </a:cubicBezTo>
-                </a:path>
-              </a:pathLst>
-            </a:custGeom>
-            <a:noFill/>
-            <a:ln w="9525" cap="flat">
-              <a:solidFill>
-                <a:schemeClr val="tx1">
-                  <a:alpha val="20000"/>
-                </a:schemeClr>
-              </a:solidFill>
-              <a:prstDash val="dash"/>
-              <a:miter lim="800000"/>
-              <a:headEnd/>
-              <a:tailEnd/>
-            </a:ln>
-            <a:extLst>
-              <a:ext uri="{909E8E84-426E-40DD-AFC4-6F175D3DCCD1}">
-                <a14:hiddenFill xmlns:a14="http://schemas.microsoft.com/office/drawing/2010/main">
-                  <a:solidFill>
-                    <a:srgbClr val="FFFFFF"/>
-                  </a:solidFill>
-                </a14:hiddenFill>
-              </a:ext>
-            </a:extLst>
-          </p:spPr>
-          <p:txBody>
-            <a:bodyPr vert="horz" wrap="square" lIns="91440" tIns="45720" rIns="91440" bIns="45720" numCol="1" anchor="t" anchorCtr="0" compatLnSpc="1">
-              <a:prstTxWarp prst="textNoShape">
-                <a:avLst/>
-              </a:prstTxWarp>
-            </a:bodyPr>
-            <a:lstStyle/>
-            <a:p>
-              <a:endParaRPr lang="en-US"/>
-            </a:p>
-          </p:txBody>
-        </p:sp>
-        <p:sp>
-          <p:nvSpPr>
-            <p:cNvPr id="49" name="Freeform 10">
-              <a:extLst>
-                <a:ext uri="{FF2B5EF4-FFF2-40B4-BE49-F238E27FC236}">
-                  <a16:creationId xmlns:a16="http://schemas.microsoft.com/office/drawing/2014/main" id="{BFE9E3A7-993F-401D-8B16-53BFC6FA2F88}"/>
-                </a:ext>
-                <a:ext uri="{C183D7F6-B498-43B3-948B-1728B52AA6E4}">
-                  <adec:decorative xmlns:adec="http://schemas.microsoft.com/office/drawing/2017/decorative" val="1"/>
-                </a:ext>
-              </a:extLst>
-            </p:cNvPr>
-            <p:cNvSpPr>
-              <a:spLocks/>
-            </p:cNvSpPr>
-            <p:nvPr>
-              <p:extLst>
-                <p:ext uri="{386F3935-93C4-4BCD-93E2-E3B085C9AB24}">
-                  <p16:designElem xmlns:p16="http://schemas.microsoft.com/office/powerpoint/2015/main" val="1"/>
-                </p:ext>
-              </p:extLst>
-            </p:nvPr>
-          </p:nvSpPr>
-          <p:spPr bwMode="auto">
-            <a:xfrm>
-              <a:off x="10494963" y="5275263"/>
-              <a:ext cx="1666875" cy="1577975"/>
-            </a:xfrm>
-            <a:custGeom>
-              <a:avLst/>
-              <a:gdLst>
-                <a:gd name="T0" fmla="*/ 0 w 351"/>
-                <a:gd name="T1" fmla="*/ 332 h 332"/>
-                <a:gd name="T2" fmla="*/ 351 w 351"/>
-                <a:gd name="T3" fmla="*/ 0 h 332"/>
-              </a:gdLst>
-              <a:ahLst/>
-              <a:cxnLst>
-                <a:cxn ang="0">
-                  <a:pos x="T0" y="T1"/>
-                </a:cxn>
-                <a:cxn ang="0">
-                  <a:pos x="T2" y="T3"/>
-                </a:cxn>
-              </a:cxnLst>
-              <a:rect l="0" t="0" r="r" b="b"/>
-              <a:pathLst>
-                <a:path w="351" h="332">
-                  <a:moveTo>
-                    <a:pt x="0" y="332"/>
-                  </a:moveTo>
-                  <a:cubicBezTo>
-                    <a:pt x="125" y="232"/>
-                    <a:pt x="245" y="121"/>
-                    <a:pt x="351" y="0"/>
-                  </a:cubicBezTo>
-                </a:path>
-              </a:pathLst>
-            </a:custGeom>
-            <a:noFill/>
-            <a:ln w="9525" cap="flat">
-              <a:solidFill>
-                <a:schemeClr val="tx1">
-                  <a:alpha val="20000"/>
-                </a:schemeClr>
-              </a:solidFill>
-              <a:prstDash val="dash"/>
-              <a:miter lim="800000"/>
-              <a:headEnd/>
-              <a:tailEnd/>
-            </a:ln>
-            <a:extLst>
-              <a:ext uri="{909E8E84-426E-40DD-AFC4-6F175D3DCCD1}">
-                <a14:hiddenFill xmlns:a14="http://schemas.microsoft.com/office/drawing/2010/main">
-                  <a:solidFill>
-                    <a:srgbClr val="FFFFFF"/>
-                  </a:solidFill>
-                </a14:hiddenFill>
-              </a:ext>
-            </a:extLst>
-          </p:spPr>
-          <p:txBody>
-            <a:bodyPr vert="horz" wrap="square" lIns="91440" tIns="45720" rIns="91440" bIns="45720" numCol="1" anchor="t" anchorCtr="0" compatLnSpc="1">
-              <a:prstTxWarp prst="textNoShape">
-                <a:avLst/>
-              </a:prstTxWarp>
-            </a:bodyPr>
-            <a:lstStyle/>
-            <a:p>
-              <a:endParaRPr lang="en-US"/>
-            </a:p>
-          </p:txBody>
-        </p:sp>
-        <p:sp>
-          <p:nvSpPr>
-            <p:cNvPr id="50" name="Freeform 11">
-              <a:extLst>
-                <a:ext uri="{FF2B5EF4-FFF2-40B4-BE49-F238E27FC236}">
-                  <a16:creationId xmlns:a16="http://schemas.microsoft.com/office/drawing/2014/main" id="{23757125-5D70-4D7A-B223-2FFC51F5B37A}"/>
-                </a:ext>
-                <a:ext uri="{C183D7F6-B498-43B3-948B-1728B52AA6E4}">
-                  <adec:decorative xmlns:adec="http://schemas.microsoft.com/office/drawing/2017/decorative" val="1"/>
-                </a:ext>
-              </a:extLst>
-            </p:cNvPr>
-            <p:cNvSpPr>
-              <a:spLocks/>
-            </p:cNvSpPr>
-            <p:nvPr>
-              <p:extLst>
-                <p:ext uri="{386F3935-93C4-4BCD-93E2-E3B085C9AB24}">
-                  <p16:designElem xmlns:p16="http://schemas.microsoft.com/office/powerpoint/2015/main" val="1"/>
-                </p:ext>
-              </p:extLst>
-            </p:nvPr>
-          </p:nvSpPr>
-          <p:spPr bwMode="auto">
-            <a:xfrm>
-              <a:off x="1001713" y="0"/>
-              <a:ext cx="3621088" cy="6843713"/>
-            </a:xfrm>
-            <a:custGeom>
-              <a:avLst/>
-              <a:gdLst>
-                <a:gd name="T0" fmla="*/ 762 w 762"/>
-                <a:gd name="T1" fmla="*/ 0 h 1440"/>
-                <a:gd name="T2" fmla="*/ 403 w 762"/>
-                <a:gd name="T3" fmla="*/ 1440 h 1440"/>
-              </a:gdLst>
-              <a:ahLst/>
-              <a:cxnLst>
-                <a:cxn ang="0">
-                  <a:pos x="T0" y="T1"/>
-                </a:cxn>
-                <a:cxn ang="0">
-                  <a:pos x="T2" y="T3"/>
-                </a:cxn>
-              </a:cxnLst>
-              <a:rect l="0" t="0" r="r" b="b"/>
-              <a:pathLst>
-                <a:path w="762" h="1440">
-                  <a:moveTo>
-                    <a:pt x="762" y="0"/>
-                  </a:moveTo>
-                  <a:cubicBezTo>
-                    <a:pt x="308" y="245"/>
-                    <a:pt x="0" y="1033"/>
-                    <a:pt x="403" y="1440"/>
-                  </a:cubicBezTo>
-                </a:path>
-              </a:pathLst>
-            </a:custGeom>
-            <a:noFill/>
-            <a:ln w="9525" cap="flat">
-              <a:solidFill>
-                <a:schemeClr val="tx1">
-                  <a:alpha val="20000"/>
-                </a:schemeClr>
-              </a:solidFill>
-              <a:prstDash val="solid"/>
-              <a:miter lim="800000"/>
-              <a:headEnd/>
-              <a:tailEnd/>
-            </a:ln>
-            <a:extLst>
-              <a:ext uri="{909E8E84-426E-40DD-AFC4-6F175D3DCCD1}">
-                <a14:hiddenFill xmlns:a14="http://schemas.microsoft.com/office/drawing/2010/main">
-                  <a:solidFill>
-                    <a:srgbClr val="FFFFFF"/>
-                  </a:solidFill>
-                </a14:hiddenFill>
-              </a:ext>
-            </a:extLst>
-          </p:spPr>
-          <p:txBody>
-            <a:bodyPr vert="horz" wrap="square" lIns="91440" tIns="45720" rIns="91440" bIns="45720" numCol="1" anchor="t" anchorCtr="0" compatLnSpc="1">
-              <a:prstTxWarp prst="textNoShape">
-                <a:avLst/>
-              </a:prstTxWarp>
-            </a:bodyPr>
-            <a:lstStyle/>
-            <a:p>
-              <a:endParaRPr lang="en-US"/>
-            </a:p>
-          </p:txBody>
-        </p:sp>
-        <p:sp>
-          <p:nvSpPr>
-            <p:cNvPr id="51" name="Freeform 12">
-              <a:extLst>
-                <a:ext uri="{FF2B5EF4-FFF2-40B4-BE49-F238E27FC236}">
-                  <a16:creationId xmlns:a16="http://schemas.microsoft.com/office/drawing/2014/main" id="{03C4207E-9457-436F-B9A0-C3CAEBF816CF}"/>
-                </a:ext>
-                <a:ext uri="{C183D7F6-B498-43B3-948B-1728B52AA6E4}">
-                  <adec:decorative xmlns:adec="http://schemas.microsoft.com/office/drawing/2017/decorative" val="1"/>
-                </a:ext>
-              </a:extLst>
-            </p:cNvPr>
-            <p:cNvSpPr>
-              <a:spLocks/>
-            </p:cNvSpPr>
-            <p:nvPr>
-              <p:extLst>
-                <p:ext uri="{386F3935-93C4-4BCD-93E2-E3B085C9AB24}">
-                  <p16:designElem xmlns:p16="http://schemas.microsoft.com/office/powerpoint/2015/main" val="1"/>
-                </p:ext>
-              </p:extLst>
-            </p:nvPr>
-          </p:nvSpPr>
-          <p:spPr bwMode="auto">
-            <a:xfrm>
-              <a:off x="11501438" y="9525"/>
-              <a:ext cx="665163" cy="257175"/>
-            </a:xfrm>
-            <a:custGeom>
-              <a:avLst/>
-              <a:gdLst>
-                <a:gd name="T0" fmla="*/ 140 w 140"/>
-                <a:gd name="T1" fmla="*/ 54 h 54"/>
-                <a:gd name="T2" fmla="*/ 0 w 140"/>
-                <a:gd name="T3" fmla="*/ 0 h 54"/>
-              </a:gdLst>
-              <a:ahLst/>
-              <a:cxnLst>
-                <a:cxn ang="0">
-                  <a:pos x="T0" y="T1"/>
-                </a:cxn>
-                <a:cxn ang="0">
-                  <a:pos x="T2" y="T3"/>
-                </a:cxn>
-              </a:cxnLst>
-              <a:rect l="0" t="0" r="r" b="b"/>
-              <a:pathLst>
-                <a:path w="140" h="54">
-                  <a:moveTo>
-                    <a:pt x="140" y="54"/>
-                  </a:moveTo>
-                  <a:cubicBezTo>
-                    <a:pt x="95" y="34"/>
-                    <a:pt x="48" y="16"/>
-                    <a:pt x="0" y="0"/>
-                  </a:cubicBezTo>
-                </a:path>
-              </a:pathLst>
-            </a:custGeom>
-            <a:noFill/>
-            <a:ln w="9525" cap="flat">
-              <a:solidFill>
-                <a:schemeClr val="tx1">
-                  <a:alpha val="20000"/>
-                </a:schemeClr>
-              </a:solidFill>
-              <a:prstDash val="solid"/>
-              <a:miter lim="800000"/>
-              <a:headEnd/>
-              <a:tailEnd/>
-            </a:ln>
-            <a:extLst>
-              <a:ext uri="{909E8E84-426E-40DD-AFC4-6F175D3DCCD1}">
-                <a14:hiddenFill xmlns:a14="http://schemas.microsoft.com/office/drawing/2010/main">
-                  <a:solidFill>
-                    <a:srgbClr val="FFFFFF"/>
-                  </a:solidFill>
-                </a14:hiddenFill>
-              </a:ext>
-            </a:extLst>
-          </p:spPr>
-          <p:txBody>
-            <a:bodyPr vert="horz" wrap="square" lIns="91440" tIns="45720" rIns="91440" bIns="45720" numCol="1" anchor="t" anchorCtr="0" compatLnSpc="1">
-              <a:prstTxWarp prst="textNoShape">
-                <a:avLst/>
-              </a:prstTxWarp>
-            </a:bodyPr>
-            <a:lstStyle/>
-            <a:p>
-              <a:endParaRPr lang="en-US"/>
-            </a:p>
-          </p:txBody>
-        </p:sp>
-        <p:sp>
-          <p:nvSpPr>
-            <p:cNvPr id="52" name="Freeform 13">
-              <a:extLst>
-                <a:ext uri="{FF2B5EF4-FFF2-40B4-BE49-F238E27FC236}">
-                  <a16:creationId xmlns:a16="http://schemas.microsoft.com/office/drawing/2014/main" id="{64EE9697-E49F-4E62-8318-9E2DBC6E7C93}"/>
-                </a:ext>
-                <a:ext uri="{C183D7F6-B498-43B3-948B-1728B52AA6E4}">
-                  <adec:decorative xmlns:adec="http://schemas.microsoft.com/office/drawing/2017/decorative" val="1"/>
-                </a:ext>
-              </a:extLst>
-            </p:cNvPr>
-            <p:cNvSpPr>
-              <a:spLocks/>
-            </p:cNvSpPr>
-            <p:nvPr>
-              <p:extLst>
-                <p:ext uri="{386F3935-93C4-4BCD-93E2-E3B085C9AB24}">
-                  <p16:designElem xmlns:p16="http://schemas.microsoft.com/office/powerpoint/2015/main" val="1"/>
-                </p:ext>
-              </p:extLst>
-            </p:nvPr>
-          </p:nvSpPr>
-          <p:spPr bwMode="auto">
-            <a:xfrm>
-              <a:off x="10641013" y="5408613"/>
-              <a:ext cx="1525588" cy="1435100"/>
-            </a:xfrm>
-            <a:custGeom>
-              <a:avLst/>
-              <a:gdLst>
-                <a:gd name="T0" fmla="*/ 0 w 321"/>
-                <a:gd name="T1" fmla="*/ 302 h 302"/>
-                <a:gd name="T2" fmla="*/ 321 w 321"/>
-                <a:gd name="T3" fmla="*/ 0 h 302"/>
-              </a:gdLst>
-              <a:ahLst/>
-              <a:cxnLst>
-                <a:cxn ang="0">
-                  <a:pos x="T0" y="T1"/>
-                </a:cxn>
-                <a:cxn ang="0">
-                  <a:pos x="T2" y="T3"/>
-                </a:cxn>
-              </a:cxnLst>
-              <a:rect l="0" t="0" r="r" b="b"/>
-              <a:pathLst>
-                <a:path w="321" h="302">
-                  <a:moveTo>
-                    <a:pt x="0" y="302"/>
-                  </a:moveTo>
-                  <a:cubicBezTo>
-                    <a:pt x="114" y="210"/>
-                    <a:pt x="223" y="109"/>
-                    <a:pt x="321" y="0"/>
-                  </a:cubicBezTo>
-                </a:path>
-              </a:pathLst>
-            </a:custGeom>
-            <a:noFill/>
-            <a:ln w="9525" cap="flat">
-              <a:solidFill>
-                <a:schemeClr val="tx1">
-                  <a:alpha val="20000"/>
-                </a:schemeClr>
-              </a:solidFill>
-              <a:prstDash val="solid"/>
-              <a:miter lim="800000"/>
-              <a:headEnd/>
-              <a:tailEnd/>
-            </a:ln>
-            <a:extLst>
-              <a:ext uri="{909E8E84-426E-40DD-AFC4-6F175D3DCCD1}">
-                <a14:hiddenFill xmlns:a14="http://schemas.microsoft.com/office/drawing/2010/main">
-                  <a:solidFill>
-                    <a:srgbClr val="FFFFFF"/>
-                  </a:solidFill>
-                </a14:hiddenFill>
-              </a:ext>
-            </a:extLst>
-          </p:spPr>
-          <p:txBody>
-            <a:bodyPr vert="horz" wrap="square" lIns="91440" tIns="45720" rIns="91440" bIns="45720" numCol="1" anchor="t" anchorCtr="0" compatLnSpc="1">
-              <a:prstTxWarp prst="textNoShape">
-                <a:avLst/>
-              </a:prstTxWarp>
-            </a:bodyPr>
-            <a:lstStyle/>
-            <a:p>
-              <a:endParaRPr lang="en-US"/>
-            </a:p>
-          </p:txBody>
-        </p:sp>
-        <p:sp>
-          <p:nvSpPr>
-            <p:cNvPr id="53" name="Freeform 14">
-              <a:extLst>
-                <a:ext uri="{FF2B5EF4-FFF2-40B4-BE49-F238E27FC236}">
-                  <a16:creationId xmlns:a16="http://schemas.microsoft.com/office/drawing/2014/main" id="{0800120F-70F4-4696-BAFB-BBC0BC57647E}"/>
-                </a:ext>
-                <a:ext uri="{C183D7F6-B498-43B3-948B-1728B52AA6E4}">
-                  <adec:decorative xmlns:adec="http://schemas.microsoft.com/office/drawing/2017/decorative" val="1"/>
-                </a:ext>
-              </a:extLst>
-            </p:cNvPr>
-            <p:cNvSpPr>
-              <a:spLocks/>
-            </p:cNvSpPr>
-            <p:nvPr>
-              <p:extLst>
-                <p:ext uri="{386F3935-93C4-4BCD-93E2-E3B085C9AB24}">
-                  <p16:designElem xmlns:p16="http://schemas.microsoft.com/office/powerpoint/2015/main" val="1"/>
-                </p:ext>
-              </p:extLst>
-            </p:nvPr>
-          </p:nvSpPr>
-          <p:spPr bwMode="auto">
-            <a:xfrm>
-              <a:off x="1001713" y="0"/>
-              <a:ext cx="3244850" cy="6843713"/>
-            </a:xfrm>
-            <a:custGeom>
-              <a:avLst/>
-              <a:gdLst>
-                <a:gd name="T0" fmla="*/ 683 w 683"/>
-                <a:gd name="T1" fmla="*/ 0 h 1440"/>
-                <a:gd name="T2" fmla="*/ 355 w 683"/>
-                <a:gd name="T3" fmla="*/ 1440 h 1440"/>
-              </a:gdLst>
-              <a:ahLst/>
-              <a:cxnLst>
-                <a:cxn ang="0">
-                  <a:pos x="T0" y="T1"/>
-                </a:cxn>
-                <a:cxn ang="0">
-                  <a:pos x="T2" y="T3"/>
-                </a:cxn>
-              </a:cxnLst>
-              <a:rect l="0" t="0" r="r" b="b"/>
-              <a:pathLst>
-                <a:path w="683" h="1440">
-                  <a:moveTo>
-                    <a:pt x="683" y="0"/>
-                  </a:moveTo>
-                  <a:cubicBezTo>
-                    <a:pt x="258" y="256"/>
-                    <a:pt x="0" y="1041"/>
-                    <a:pt x="355" y="1440"/>
-                  </a:cubicBezTo>
-                </a:path>
-              </a:pathLst>
-            </a:custGeom>
-            <a:noFill/>
-            <a:ln w="9525" cap="flat">
-              <a:solidFill>
-                <a:schemeClr val="tx1">
-                  <a:alpha val="20000"/>
-                </a:schemeClr>
-              </a:solidFill>
-              <a:prstDash val="solid"/>
-              <a:miter lim="800000"/>
-              <a:headEnd/>
-              <a:tailEnd/>
-            </a:ln>
-            <a:extLst>
-              <a:ext uri="{909E8E84-426E-40DD-AFC4-6F175D3DCCD1}">
-                <a14:hiddenFill xmlns:a14="http://schemas.microsoft.com/office/drawing/2010/main">
-                  <a:solidFill>
-                    <a:srgbClr val="FFFFFF"/>
-                  </a:solidFill>
-                </a14:hiddenFill>
-              </a:ext>
-            </a:extLst>
-          </p:spPr>
-          <p:txBody>
-            <a:bodyPr vert="horz" wrap="square" lIns="91440" tIns="45720" rIns="91440" bIns="45720" numCol="1" anchor="t" anchorCtr="0" compatLnSpc="1">
-              <a:prstTxWarp prst="textNoShape">
-                <a:avLst/>
-              </a:prstTxWarp>
-            </a:bodyPr>
-            <a:lstStyle/>
-            <a:p>
-              <a:endParaRPr lang="en-US"/>
-            </a:p>
-          </p:txBody>
-        </p:sp>
-        <p:sp>
-          <p:nvSpPr>
-            <p:cNvPr id="54" name="Freeform 15">
-              <a:extLst>
-                <a:ext uri="{FF2B5EF4-FFF2-40B4-BE49-F238E27FC236}">
-                  <a16:creationId xmlns:a16="http://schemas.microsoft.com/office/drawing/2014/main" id="{8D1E1ADB-5BAA-49F4-BE24-044E9410435A}"/>
-                </a:ext>
-                <a:ext uri="{C183D7F6-B498-43B3-948B-1728B52AA6E4}">
-                  <adec:decorative xmlns:adec="http://schemas.microsoft.com/office/drawing/2017/decorative" val="1"/>
-                </a:ext>
-              </a:extLst>
-            </p:cNvPr>
-            <p:cNvSpPr>
-              <a:spLocks/>
-            </p:cNvSpPr>
-            <p:nvPr>
-              <p:extLst>
-                <p:ext uri="{386F3935-93C4-4BCD-93E2-E3B085C9AB24}">
-                  <p16:designElem xmlns:p16="http://schemas.microsoft.com/office/powerpoint/2015/main" val="1"/>
-                </p:ext>
-              </p:extLst>
-            </p:nvPr>
-          </p:nvSpPr>
-          <p:spPr bwMode="auto">
-            <a:xfrm>
-              <a:off x="10802938" y="5518150"/>
-              <a:ext cx="1363663" cy="1325563"/>
-            </a:xfrm>
-            <a:custGeom>
-              <a:avLst/>
-              <a:gdLst>
-                <a:gd name="T0" fmla="*/ 0 w 287"/>
-                <a:gd name="T1" fmla="*/ 279 h 279"/>
-                <a:gd name="T2" fmla="*/ 287 w 287"/>
-                <a:gd name="T3" fmla="*/ 0 h 279"/>
-              </a:gdLst>
-              <a:ahLst/>
-              <a:cxnLst>
-                <a:cxn ang="0">
-                  <a:pos x="T0" y="T1"/>
-                </a:cxn>
-                <a:cxn ang="0">
-                  <a:pos x="T2" y="T3"/>
-                </a:cxn>
-              </a:cxnLst>
-              <a:rect l="0" t="0" r="r" b="b"/>
-              <a:pathLst>
-                <a:path w="287" h="279">
-                  <a:moveTo>
-                    <a:pt x="0" y="279"/>
-                  </a:moveTo>
-                  <a:cubicBezTo>
-                    <a:pt x="101" y="193"/>
-                    <a:pt x="198" y="100"/>
-                    <a:pt x="287" y="0"/>
-                  </a:cubicBezTo>
-                </a:path>
-              </a:pathLst>
-            </a:custGeom>
-            <a:noFill/>
-            <a:ln w="9525" cap="flat">
-              <a:solidFill>
-                <a:schemeClr val="tx1">
-                  <a:alpha val="20000"/>
-                </a:schemeClr>
-              </a:solidFill>
-              <a:prstDash val="solid"/>
-              <a:miter lim="800000"/>
-              <a:headEnd/>
-              <a:tailEnd/>
-            </a:ln>
-            <a:extLst>
-              <a:ext uri="{909E8E84-426E-40DD-AFC4-6F175D3DCCD1}">
-                <a14:hiddenFill xmlns:a14="http://schemas.microsoft.com/office/drawing/2010/main">
-                  <a:solidFill>
-                    <a:srgbClr val="FFFFFF"/>
-                  </a:solidFill>
-                </a14:hiddenFill>
-              </a:ext>
-            </a:extLst>
-          </p:spPr>
-          <p:txBody>
-            <a:bodyPr vert="horz" wrap="square" lIns="91440" tIns="45720" rIns="91440" bIns="45720" numCol="1" anchor="t" anchorCtr="0" compatLnSpc="1">
-              <a:prstTxWarp prst="textNoShape">
-                <a:avLst/>
-              </a:prstTxWarp>
-            </a:bodyPr>
-            <a:lstStyle/>
-            <a:p>
-              <a:endParaRPr lang="en-US"/>
-            </a:p>
-          </p:txBody>
-        </p:sp>
-        <p:sp>
-          <p:nvSpPr>
-            <p:cNvPr id="55" name="Freeform 16">
-              <a:extLst>
-                <a:ext uri="{FF2B5EF4-FFF2-40B4-BE49-F238E27FC236}">
-                  <a16:creationId xmlns:a16="http://schemas.microsoft.com/office/drawing/2014/main" id="{9D410413-BDE6-4A4E-930A-0ACBBF8CD237}"/>
-                </a:ext>
-                <a:ext uri="{C183D7F6-B498-43B3-948B-1728B52AA6E4}">
-                  <adec:decorative xmlns:adec="http://schemas.microsoft.com/office/drawing/2017/decorative" val="1"/>
-                </a:ext>
-              </a:extLst>
-            </p:cNvPr>
-            <p:cNvSpPr>
-              <a:spLocks/>
-            </p:cNvSpPr>
-            <p:nvPr>
-              <p:extLst>
-                <p:ext uri="{386F3935-93C4-4BCD-93E2-E3B085C9AB24}">
-                  <p16:designElem xmlns:p16="http://schemas.microsoft.com/office/powerpoint/2015/main" val="1"/>
-                </p:ext>
-              </p:extLst>
-            </p:nvPr>
-          </p:nvSpPr>
-          <p:spPr bwMode="auto">
-            <a:xfrm>
-              <a:off x="889000" y="0"/>
-              <a:ext cx="3230563" cy="6843713"/>
-            </a:xfrm>
-            <a:custGeom>
-              <a:avLst/>
-              <a:gdLst>
-                <a:gd name="T0" fmla="*/ 680 w 680"/>
-                <a:gd name="T1" fmla="*/ 0 h 1440"/>
-                <a:gd name="T2" fmla="*/ 337 w 680"/>
-                <a:gd name="T3" fmla="*/ 1440 h 1440"/>
-              </a:gdLst>
-              <a:ahLst/>
-              <a:cxnLst>
-                <a:cxn ang="0">
-                  <a:pos x="T0" y="T1"/>
-                </a:cxn>
-                <a:cxn ang="0">
-                  <a:pos x="T2" y="T3"/>
-                </a:cxn>
-              </a:cxnLst>
-              <a:rect l="0" t="0" r="r" b="b"/>
-              <a:pathLst>
-                <a:path w="680" h="1440">
-                  <a:moveTo>
-                    <a:pt x="680" y="0"/>
-                  </a:moveTo>
-                  <a:cubicBezTo>
-                    <a:pt x="257" y="265"/>
-                    <a:pt x="0" y="1026"/>
-                    <a:pt x="337" y="1440"/>
-                  </a:cubicBezTo>
-                </a:path>
-              </a:pathLst>
-            </a:custGeom>
-            <a:noFill/>
-            <a:ln w="9525" cap="flat">
-              <a:solidFill>
-                <a:schemeClr val="tx1">
-                  <a:alpha val="20000"/>
-                </a:schemeClr>
-              </a:solidFill>
-              <a:prstDash val="solid"/>
-              <a:miter lim="800000"/>
-              <a:headEnd/>
-              <a:tailEnd/>
-            </a:ln>
-            <a:extLst>
-              <a:ext uri="{909E8E84-426E-40DD-AFC4-6F175D3DCCD1}">
-                <a14:hiddenFill xmlns:a14="http://schemas.microsoft.com/office/drawing/2010/main">
-                  <a:solidFill>
-                    <a:srgbClr val="FFFFFF"/>
-                  </a:solidFill>
-                </a14:hiddenFill>
-              </a:ext>
-            </a:extLst>
-          </p:spPr>
-          <p:txBody>
-            <a:bodyPr vert="horz" wrap="square" lIns="91440" tIns="45720" rIns="91440" bIns="45720" numCol="1" anchor="t" anchorCtr="0" compatLnSpc="1">
-              <a:prstTxWarp prst="textNoShape">
-                <a:avLst/>
-              </a:prstTxWarp>
-            </a:bodyPr>
-            <a:lstStyle/>
-            <a:p>
-              <a:endParaRPr lang="en-US"/>
-            </a:p>
-          </p:txBody>
-        </p:sp>
-        <p:sp>
-          <p:nvSpPr>
-            <p:cNvPr id="56" name="Freeform 17">
-              <a:extLst>
-                <a:ext uri="{FF2B5EF4-FFF2-40B4-BE49-F238E27FC236}">
-                  <a16:creationId xmlns:a16="http://schemas.microsoft.com/office/drawing/2014/main" id="{0EBF657D-5B37-4F84-8833-C569EAB90419}"/>
-                </a:ext>
-                <a:ext uri="{C183D7F6-B498-43B3-948B-1728B52AA6E4}">
-                  <adec:decorative xmlns:adec="http://schemas.microsoft.com/office/drawing/2017/decorative" val="1"/>
-                </a:ext>
-              </a:extLst>
-            </p:cNvPr>
-            <p:cNvSpPr>
-              <a:spLocks/>
-            </p:cNvSpPr>
-            <p:nvPr>
-              <p:extLst>
-                <p:ext uri="{386F3935-93C4-4BCD-93E2-E3B085C9AB24}">
-                  <p16:designElem xmlns:p16="http://schemas.microsoft.com/office/powerpoint/2015/main" val="1"/>
-                </p:ext>
-              </p:extLst>
-            </p:nvPr>
-          </p:nvSpPr>
-          <p:spPr bwMode="auto">
-            <a:xfrm>
-              <a:off x="10979150" y="5694363"/>
-              <a:ext cx="1187450" cy="1149350"/>
-            </a:xfrm>
-            <a:custGeom>
-              <a:avLst/>
-              <a:gdLst>
-                <a:gd name="T0" fmla="*/ 0 w 250"/>
-                <a:gd name="T1" fmla="*/ 242 h 242"/>
-                <a:gd name="T2" fmla="*/ 250 w 250"/>
-                <a:gd name="T3" fmla="*/ 0 h 242"/>
-              </a:gdLst>
-              <a:ahLst/>
-              <a:cxnLst>
-                <a:cxn ang="0">
-                  <a:pos x="T0" y="T1"/>
-                </a:cxn>
-                <a:cxn ang="0">
-                  <a:pos x="T2" y="T3"/>
-                </a:cxn>
-              </a:cxnLst>
-              <a:rect l="0" t="0" r="r" b="b"/>
-              <a:pathLst>
-                <a:path w="250" h="242">
-                  <a:moveTo>
-                    <a:pt x="0" y="242"/>
-                  </a:moveTo>
-                  <a:cubicBezTo>
-                    <a:pt x="88" y="166"/>
-                    <a:pt x="172" y="85"/>
-                    <a:pt x="250" y="0"/>
-                  </a:cubicBezTo>
-                </a:path>
-              </a:pathLst>
-            </a:custGeom>
-            <a:noFill/>
-            <a:ln w="9525" cap="flat">
-              <a:solidFill>
-                <a:schemeClr val="tx1">
-                  <a:alpha val="20000"/>
-                </a:schemeClr>
-              </a:solidFill>
-              <a:prstDash val="solid"/>
-              <a:miter lim="800000"/>
-              <a:headEnd/>
-              <a:tailEnd/>
-            </a:ln>
-            <a:extLst>
-              <a:ext uri="{909E8E84-426E-40DD-AFC4-6F175D3DCCD1}">
-                <a14:hiddenFill xmlns:a14="http://schemas.microsoft.com/office/drawing/2010/main">
-                  <a:solidFill>
-                    <a:srgbClr val="FFFFFF"/>
-                  </a:solidFill>
-                </a14:hiddenFill>
-              </a:ext>
-            </a:extLst>
-          </p:spPr>
-          <p:txBody>
-            <a:bodyPr vert="horz" wrap="square" lIns="91440" tIns="45720" rIns="91440" bIns="45720" numCol="1" anchor="t" anchorCtr="0" compatLnSpc="1">
-              <a:prstTxWarp prst="textNoShape">
-                <a:avLst/>
-              </a:prstTxWarp>
-            </a:bodyPr>
-            <a:lstStyle/>
-            <a:p>
-              <a:endParaRPr lang="en-US"/>
-            </a:p>
-          </p:txBody>
-        </p:sp>
-        <p:sp>
-          <p:nvSpPr>
-            <p:cNvPr id="57" name="Freeform 18">
-              <a:extLst>
-                <a:ext uri="{FF2B5EF4-FFF2-40B4-BE49-F238E27FC236}">
-                  <a16:creationId xmlns:a16="http://schemas.microsoft.com/office/drawing/2014/main" id="{A2DBF00E-BE35-44EC-A95B-8B2EE92335B0}"/>
-                </a:ext>
-                <a:ext uri="{C183D7F6-B498-43B3-948B-1728B52AA6E4}">
-                  <adec:decorative xmlns:adec="http://schemas.microsoft.com/office/drawing/2017/decorative" val="1"/>
-                </a:ext>
-              </a:extLst>
-            </p:cNvPr>
-            <p:cNvSpPr>
-              <a:spLocks/>
-            </p:cNvSpPr>
-            <p:nvPr>
-              <p:extLst>
-                <p:ext uri="{386F3935-93C4-4BCD-93E2-E3B085C9AB24}">
-                  <p16:designElem xmlns:p16="http://schemas.microsoft.com/office/powerpoint/2015/main" val="1"/>
-                </p:ext>
-              </p:extLst>
-            </p:nvPr>
-          </p:nvSpPr>
-          <p:spPr bwMode="auto">
-            <a:xfrm>
-              <a:off x="484188" y="0"/>
-              <a:ext cx="3421063" cy="6843713"/>
-            </a:xfrm>
-            <a:custGeom>
-              <a:avLst/>
-              <a:gdLst>
-                <a:gd name="T0" fmla="*/ 720 w 720"/>
-                <a:gd name="T1" fmla="*/ 0 h 1440"/>
-                <a:gd name="T2" fmla="*/ 362 w 720"/>
-                <a:gd name="T3" fmla="*/ 1440 h 1440"/>
-              </a:gdLst>
-              <a:ahLst/>
-              <a:cxnLst>
-                <a:cxn ang="0">
-                  <a:pos x="T0" y="T1"/>
-                </a:cxn>
-                <a:cxn ang="0">
-                  <a:pos x="T2" y="T3"/>
-                </a:cxn>
-              </a:cxnLst>
-              <a:rect l="0" t="0" r="r" b="b"/>
-              <a:pathLst>
-                <a:path w="720" h="1440">
-                  <a:moveTo>
-                    <a:pt x="720" y="0"/>
-                  </a:moveTo>
-                  <a:cubicBezTo>
-                    <a:pt x="316" y="282"/>
-                    <a:pt x="0" y="1018"/>
-                    <a:pt x="362" y="1440"/>
-                  </a:cubicBezTo>
-                </a:path>
-              </a:pathLst>
-            </a:custGeom>
-            <a:noFill/>
-            <a:ln w="9525" cap="flat">
-              <a:solidFill>
-                <a:schemeClr val="tx1">
-                  <a:alpha val="20000"/>
-                </a:schemeClr>
-              </a:solidFill>
-              <a:prstDash val="solid"/>
-              <a:miter lim="800000"/>
-              <a:headEnd/>
-              <a:tailEnd/>
-            </a:ln>
-            <a:extLst>
-              <a:ext uri="{909E8E84-426E-40DD-AFC4-6F175D3DCCD1}">
-                <a14:hiddenFill xmlns:a14="http://schemas.microsoft.com/office/drawing/2010/main">
-                  <a:solidFill>
-                    <a:srgbClr val="FFFFFF"/>
-                  </a:solidFill>
-                </a14:hiddenFill>
-              </a:ext>
-            </a:extLst>
-          </p:spPr>
-          <p:txBody>
-            <a:bodyPr vert="horz" wrap="square" lIns="91440" tIns="45720" rIns="91440" bIns="45720" numCol="1" anchor="t" anchorCtr="0" compatLnSpc="1">
-              <a:prstTxWarp prst="textNoShape">
-                <a:avLst/>
-              </a:prstTxWarp>
-            </a:bodyPr>
-            <a:lstStyle/>
-            <a:p>
-              <a:endParaRPr lang="en-US"/>
-            </a:p>
-          </p:txBody>
-        </p:sp>
-        <p:sp>
-          <p:nvSpPr>
-            <p:cNvPr id="58" name="Freeform 19">
-              <a:extLst>
-                <a:ext uri="{FF2B5EF4-FFF2-40B4-BE49-F238E27FC236}">
-                  <a16:creationId xmlns:a16="http://schemas.microsoft.com/office/drawing/2014/main" id="{BA2C8141-5135-467E-B940-D3836B16E90E}"/>
-                </a:ext>
-                <a:ext uri="{C183D7F6-B498-43B3-948B-1728B52AA6E4}">
-                  <adec:decorative xmlns:adec="http://schemas.microsoft.com/office/drawing/2017/decorative" val="1"/>
-                </a:ext>
-              </a:extLst>
-            </p:cNvPr>
-            <p:cNvSpPr>
-              <a:spLocks/>
-            </p:cNvSpPr>
-            <p:nvPr>
-              <p:extLst>
-                <p:ext uri="{386F3935-93C4-4BCD-93E2-E3B085C9AB24}">
-                  <p16:designElem xmlns:p16="http://schemas.microsoft.com/office/powerpoint/2015/main" val="1"/>
-                </p:ext>
-              </p:extLst>
-            </p:nvPr>
-          </p:nvSpPr>
-          <p:spPr bwMode="auto">
-            <a:xfrm>
-              <a:off x="11287125" y="6049963"/>
-              <a:ext cx="879475" cy="793750"/>
-            </a:xfrm>
-            <a:custGeom>
-              <a:avLst/>
-              <a:gdLst>
-                <a:gd name="T0" fmla="*/ 0 w 185"/>
-                <a:gd name="T1" fmla="*/ 167 h 167"/>
-                <a:gd name="T2" fmla="*/ 185 w 185"/>
-                <a:gd name="T3" fmla="*/ 0 h 167"/>
-              </a:gdLst>
-              <a:ahLst/>
-              <a:cxnLst>
-                <a:cxn ang="0">
-                  <a:pos x="T0" y="T1"/>
-                </a:cxn>
-                <a:cxn ang="0">
-                  <a:pos x="T2" y="T3"/>
-                </a:cxn>
-              </a:cxnLst>
-              <a:rect l="0" t="0" r="r" b="b"/>
-              <a:pathLst>
-                <a:path w="185" h="167">
-                  <a:moveTo>
-                    <a:pt x="0" y="167"/>
-                  </a:moveTo>
-                  <a:cubicBezTo>
-                    <a:pt x="63" y="114"/>
-                    <a:pt x="125" y="58"/>
-                    <a:pt x="185" y="0"/>
-                  </a:cubicBezTo>
-                </a:path>
-              </a:pathLst>
-            </a:custGeom>
-            <a:noFill/>
-            <a:ln w="9525" cap="flat">
-              <a:solidFill>
-                <a:schemeClr val="tx1">
-                  <a:alpha val="20000"/>
-                </a:schemeClr>
-              </a:solidFill>
-              <a:prstDash val="solid"/>
-              <a:miter lim="800000"/>
-              <a:headEnd/>
-              <a:tailEnd/>
-            </a:ln>
-            <a:extLst>
-              <a:ext uri="{909E8E84-426E-40DD-AFC4-6F175D3DCCD1}">
-                <a14:hiddenFill xmlns:a14="http://schemas.microsoft.com/office/drawing/2010/main">
-                  <a:solidFill>
-                    <a:srgbClr val="FFFFFF"/>
-                  </a:solidFill>
-                </a14:hiddenFill>
-              </a:ext>
-            </a:extLst>
-          </p:spPr>
-          <p:txBody>
-            <a:bodyPr vert="horz" wrap="square" lIns="91440" tIns="45720" rIns="91440" bIns="45720" numCol="1" anchor="t" anchorCtr="0" compatLnSpc="1">
-              <a:prstTxWarp prst="textNoShape">
-                <a:avLst/>
-              </a:prstTxWarp>
-            </a:bodyPr>
-            <a:lstStyle/>
-            <a:p>
-              <a:endParaRPr lang="en-US"/>
-            </a:p>
-          </p:txBody>
-        </p:sp>
-        <p:sp>
-          <p:nvSpPr>
-            <p:cNvPr id="59" name="Freeform 20">
-              <a:extLst>
-                <a:ext uri="{FF2B5EF4-FFF2-40B4-BE49-F238E27FC236}">
-                  <a16:creationId xmlns:a16="http://schemas.microsoft.com/office/drawing/2014/main" id="{44991C1A-45E7-45C6-8816-BFEDFFCCB754}"/>
-                </a:ext>
-                <a:ext uri="{C183D7F6-B498-43B3-948B-1728B52AA6E4}">
-                  <adec:decorative xmlns:adec="http://schemas.microsoft.com/office/drawing/2017/decorative" val="1"/>
-                </a:ext>
-              </a:extLst>
-            </p:cNvPr>
-            <p:cNvSpPr>
-              <a:spLocks/>
-            </p:cNvSpPr>
-            <p:nvPr>
-              <p:extLst>
-                <p:ext uri="{386F3935-93C4-4BCD-93E2-E3B085C9AB24}">
-                  <p16:designElem xmlns:p16="http://schemas.microsoft.com/office/powerpoint/2015/main" val="1"/>
-                </p:ext>
-              </p:extLst>
-            </p:nvPr>
-          </p:nvSpPr>
-          <p:spPr bwMode="auto">
-            <a:xfrm>
-              <a:off x="598488" y="0"/>
-              <a:ext cx="2717800" cy="6843713"/>
-            </a:xfrm>
-            <a:custGeom>
-              <a:avLst/>
-              <a:gdLst>
-                <a:gd name="T0" fmla="*/ 572 w 572"/>
-                <a:gd name="T1" fmla="*/ 0 h 1440"/>
-                <a:gd name="T2" fmla="*/ 164 w 572"/>
-                <a:gd name="T3" fmla="*/ 1440 h 1440"/>
-              </a:gdLst>
-              <a:ahLst/>
-              <a:cxnLst>
-                <a:cxn ang="0">
-                  <a:pos x="T0" y="T1"/>
-                </a:cxn>
-                <a:cxn ang="0">
-                  <a:pos x="T2" y="T3"/>
-                </a:cxn>
-              </a:cxnLst>
-              <a:rect l="0" t="0" r="r" b="b"/>
-              <a:pathLst>
-                <a:path w="572" h="1440">
-                  <a:moveTo>
-                    <a:pt x="572" y="0"/>
-                  </a:moveTo>
-                  <a:cubicBezTo>
-                    <a:pt x="213" y="320"/>
-                    <a:pt x="0" y="979"/>
-                    <a:pt x="164" y="1440"/>
-                  </a:cubicBezTo>
-                </a:path>
-              </a:pathLst>
-            </a:custGeom>
-            <a:noFill/>
-            <a:ln w="12700" cap="flat">
-              <a:solidFill>
-                <a:schemeClr val="tx1">
-                  <a:alpha val="20000"/>
-                </a:schemeClr>
-              </a:solidFill>
-              <a:prstDash val="dashDot"/>
-              <a:miter lim="800000"/>
-              <a:headEnd/>
-              <a:tailEnd/>
-            </a:ln>
-            <a:extLst>
-              <a:ext uri="{909E8E84-426E-40DD-AFC4-6F175D3DCCD1}">
-                <a14:hiddenFill xmlns:a14="http://schemas.microsoft.com/office/drawing/2010/main">
-                  <a:solidFill>
-                    <a:srgbClr val="FFFFFF"/>
-                  </a:solidFill>
-                </a14:hiddenFill>
-              </a:ext>
-            </a:extLst>
-          </p:spPr>
-          <p:txBody>
-            <a:bodyPr vert="horz" wrap="square" lIns="91440" tIns="45720" rIns="91440" bIns="45720" numCol="1" anchor="t" anchorCtr="0" compatLnSpc="1">
-              <a:prstTxWarp prst="textNoShape">
-                <a:avLst/>
-              </a:prstTxWarp>
-            </a:bodyPr>
-            <a:lstStyle/>
-            <a:p>
-              <a:endParaRPr lang="en-US"/>
-            </a:p>
-          </p:txBody>
-        </p:sp>
-        <p:sp>
-          <p:nvSpPr>
-            <p:cNvPr id="60" name="Freeform 21">
-              <a:extLst>
-                <a:ext uri="{FF2B5EF4-FFF2-40B4-BE49-F238E27FC236}">
-                  <a16:creationId xmlns:a16="http://schemas.microsoft.com/office/drawing/2014/main" id="{B88BEC13-903F-4318-B5AB-DC23ED2ED589}"/>
-                </a:ext>
-                <a:ext uri="{C183D7F6-B498-43B3-948B-1728B52AA6E4}">
-                  <adec:decorative xmlns:adec="http://schemas.microsoft.com/office/drawing/2017/decorative" val="1"/>
-                </a:ext>
-              </a:extLst>
-            </p:cNvPr>
-            <p:cNvSpPr>
-              <a:spLocks/>
-            </p:cNvSpPr>
-            <p:nvPr>
-              <p:extLst>
-                <p:ext uri="{386F3935-93C4-4BCD-93E2-E3B085C9AB24}">
-                  <p16:designElem xmlns:p16="http://schemas.microsoft.com/office/powerpoint/2015/main" val="1"/>
-                </p:ext>
-              </p:extLst>
-            </p:nvPr>
-          </p:nvSpPr>
-          <p:spPr bwMode="auto">
-            <a:xfrm>
-              <a:off x="261938" y="0"/>
-              <a:ext cx="2944813" cy="6843713"/>
-            </a:xfrm>
-            <a:custGeom>
-              <a:avLst/>
-              <a:gdLst>
-                <a:gd name="T0" fmla="*/ 620 w 620"/>
-                <a:gd name="T1" fmla="*/ 0 h 1440"/>
-                <a:gd name="T2" fmla="*/ 186 w 620"/>
-                <a:gd name="T3" fmla="*/ 1440 h 1440"/>
-              </a:gdLst>
-              <a:ahLst/>
-              <a:cxnLst>
-                <a:cxn ang="0">
-                  <a:pos x="T0" y="T1"/>
-                </a:cxn>
-                <a:cxn ang="0">
-                  <a:pos x="T2" y="T3"/>
-                </a:cxn>
-              </a:cxnLst>
-              <a:rect l="0" t="0" r="r" b="b"/>
-              <a:pathLst>
-                <a:path w="620" h="1440">
-                  <a:moveTo>
-                    <a:pt x="620" y="0"/>
-                  </a:moveTo>
-                  <a:cubicBezTo>
-                    <a:pt x="248" y="325"/>
-                    <a:pt x="0" y="960"/>
-                    <a:pt x="186" y="1440"/>
-                  </a:cubicBezTo>
-                </a:path>
-              </a:pathLst>
-            </a:custGeom>
-            <a:noFill/>
-            <a:ln w="9525" cap="flat">
-              <a:solidFill>
-                <a:schemeClr val="tx1">
-                  <a:alpha val="20000"/>
-                </a:schemeClr>
-              </a:solidFill>
-              <a:prstDash val="lgDash"/>
-              <a:miter lim="800000"/>
-              <a:headEnd/>
-              <a:tailEnd/>
-            </a:ln>
-            <a:extLst>
-              <a:ext uri="{909E8E84-426E-40DD-AFC4-6F175D3DCCD1}">
-                <a14:hiddenFill xmlns:a14="http://schemas.microsoft.com/office/drawing/2010/main">
-                  <a:solidFill>
-                    <a:srgbClr val="FFFFFF"/>
-                  </a:solidFill>
-                </a14:hiddenFill>
-              </a:ext>
-            </a:extLst>
-          </p:spPr>
-          <p:txBody>
-            <a:bodyPr vert="horz" wrap="square" lIns="91440" tIns="45720" rIns="91440" bIns="45720" numCol="1" anchor="t" anchorCtr="0" compatLnSpc="1">
-              <a:prstTxWarp prst="textNoShape">
-                <a:avLst/>
-              </a:prstTxWarp>
-            </a:bodyPr>
-            <a:lstStyle/>
-            <a:p>
-              <a:endParaRPr lang="en-US"/>
-            </a:p>
-          </p:txBody>
-        </p:sp>
-        <p:sp>
-          <p:nvSpPr>
-            <p:cNvPr id="61" name="Freeform 22">
-              <a:extLst>
-                <a:ext uri="{FF2B5EF4-FFF2-40B4-BE49-F238E27FC236}">
-                  <a16:creationId xmlns:a16="http://schemas.microsoft.com/office/drawing/2014/main" id="{41E259CE-D2C5-4FBC-9FAE-5AB0BBD0E483}"/>
-                </a:ext>
-                <a:ext uri="{C183D7F6-B498-43B3-948B-1728B52AA6E4}">
-                  <adec:decorative xmlns:adec="http://schemas.microsoft.com/office/drawing/2017/decorative" val="1"/>
-                </a:ext>
-              </a:extLst>
-            </p:cNvPr>
-            <p:cNvSpPr>
-              <a:spLocks/>
-            </p:cNvSpPr>
-            <p:nvPr>
-              <p:extLst>
-                <p:ext uri="{386F3935-93C4-4BCD-93E2-E3B085C9AB24}">
-                  <p16:designElem xmlns:p16="http://schemas.microsoft.com/office/powerpoint/2015/main" val="1"/>
-                </p:ext>
-              </p:extLst>
-            </p:nvPr>
-          </p:nvSpPr>
-          <p:spPr bwMode="auto">
-            <a:xfrm>
-              <a:off x="-417513" y="0"/>
-              <a:ext cx="2403475" cy="6843713"/>
-            </a:xfrm>
-            <a:custGeom>
-              <a:avLst/>
-              <a:gdLst>
-                <a:gd name="T0" fmla="*/ 506 w 506"/>
-                <a:gd name="T1" fmla="*/ 0 h 1440"/>
-                <a:gd name="T2" fmla="*/ 171 w 506"/>
-                <a:gd name="T3" fmla="*/ 1440 h 1440"/>
-              </a:gdLst>
-              <a:ahLst/>
-              <a:cxnLst>
-                <a:cxn ang="0">
-                  <a:pos x="T0" y="T1"/>
-                </a:cxn>
-                <a:cxn ang="0">
-                  <a:pos x="T2" y="T3"/>
-                </a:cxn>
-              </a:cxnLst>
-              <a:rect l="0" t="0" r="r" b="b"/>
-              <a:pathLst>
-                <a:path w="506" h="1440">
-                  <a:moveTo>
-                    <a:pt x="506" y="0"/>
-                  </a:moveTo>
-                  <a:cubicBezTo>
-                    <a:pt x="109" y="356"/>
-                    <a:pt x="0" y="943"/>
-                    <a:pt x="171" y="1440"/>
-                  </a:cubicBezTo>
-                </a:path>
-              </a:pathLst>
-            </a:custGeom>
-            <a:noFill/>
-            <a:ln w="9525" cap="flat">
-              <a:solidFill>
-                <a:schemeClr val="tx1">
-                  <a:alpha val="20000"/>
-                </a:schemeClr>
-              </a:solidFill>
-              <a:prstDash val="solid"/>
-              <a:miter lim="800000"/>
-              <a:headEnd/>
-              <a:tailEnd/>
-            </a:ln>
-            <a:extLst>
-              <a:ext uri="{909E8E84-426E-40DD-AFC4-6F175D3DCCD1}">
-                <a14:hiddenFill xmlns:a14="http://schemas.microsoft.com/office/drawing/2010/main">
-                  <a:solidFill>
-                    <a:srgbClr val="FFFFFF"/>
-                  </a:solidFill>
-                </a14:hiddenFill>
-              </a:ext>
-            </a:extLst>
-          </p:spPr>
-          <p:txBody>
-            <a:bodyPr vert="horz" wrap="square" lIns="91440" tIns="45720" rIns="91440" bIns="45720" numCol="1" anchor="t" anchorCtr="0" compatLnSpc="1">
-              <a:prstTxWarp prst="textNoShape">
-                <a:avLst/>
-              </a:prstTxWarp>
-            </a:bodyPr>
-            <a:lstStyle/>
-            <a:p>
-              <a:endParaRPr lang="en-US"/>
-            </a:p>
-          </p:txBody>
-        </p:sp>
-        <p:sp>
-          <p:nvSpPr>
-            <p:cNvPr id="62" name="Freeform 23">
-              <a:extLst>
-                <a:ext uri="{FF2B5EF4-FFF2-40B4-BE49-F238E27FC236}">
-                  <a16:creationId xmlns:a16="http://schemas.microsoft.com/office/drawing/2014/main" id="{495CB679-05D8-44D1-8218-C52552952186}"/>
-                </a:ext>
-                <a:ext uri="{C183D7F6-B498-43B3-948B-1728B52AA6E4}">
-                  <adec:decorative xmlns:adec="http://schemas.microsoft.com/office/drawing/2017/decorative" val="1"/>
-                </a:ext>
-              </a:extLst>
-            </p:cNvPr>
-            <p:cNvSpPr>
-              <a:spLocks/>
-            </p:cNvSpPr>
-            <p:nvPr>
-              <p:extLst>
-                <p:ext uri="{386F3935-93C4-4BCD-93E2-E3B085C9AB24}">
-                  <p16:designElem xmlns:p16="http://schemas.microsoft.com/office/powerpoint/2015/main" val="1"/>
-                </p:ext>
-              </p:extLst>
-            </p:nvPr>
-          </p:nvSpPr>
-          <p:spPr bwMode="auto">
-            <a:xfrm>
-              <a:off x="14288" y="9525"/>
-              <a:ext cx="1771650" cy="3198813"/>
-            </a:xfrm>
-            <a:custGeom>
-              <a:avLst/>
-              <a:gdLst>
-                <a:gd name="T0" fmla="*/ 373 w 373"/>
-                <a:gd name="T1" fmla="*/ 0 h 673"/>
-                <a:gd name="T2" fmla="*/ 0 w 373"/>
-                <a:gd name="T3" fmla="*/ 673 h 673"/>
-              </a:gdLst>
-              <a:ahLst/>
-              <a:cxnLst>
-                <a:cxn ang="0">
-                  <a:pos x="T0" y="T1"/>
-                </a:cxn>
-                <a:cxn ang="0">
-                  <a:pos x="T2" y="T3"/>
-                </a:cxn>
-              </a:cxnLst>
-              <a:rect l="0" t="0" r="r" b="b"/>
-              <a:pathLst>
-                <a:path w="373" h="673">
-                  <a:moveTo>
-                    <a:pt x="373" y="0"/>
-                  </a:moveTo>
-                  <a:cubicBezTo>
-                    <a:pt x="175" y="183"/>
-                    <a:pt x="51" y="409"/>
-                    <a:pt x="0" y="673"/>
-                  </a:cubicBezTo>
-                </a:path>
-              </a:pathLst>
-            </a:custGeom>
-            <a:noFill/>
-            <a:ln w="9525" cap="flat">
-              <a:solidFill>
-                <a:schemeClr val="tx1">
-                  <a:alpha val="20000"/>
-                </a:schemeClr>
-              </a:solidFill>
-              <a:prstDash val="solid"/>
-              <a:miter lim="800000"/>
-              <a:headEnd/>
-              <a:tailEnd/>
-            </a:ln>
-            <a:extLst>
-              <a:ext uri="{909E8E84-426E-40DD-AFC4-6F175D3DCCD1}">
-                <a14:hiddenFill xmlns:a14="http://schemas.microsoft.com/office/drawing/2010/main">
-                  <a:solidFill>
-                    <a:srgbClr val="FFFFFF"/>
-                  </a:solidFill>
-                </a14:hiddenFill>
-              </a:ext>
-            </a:extLst>
-          </p:spPr>
-          <p:txBody>
-            <a:bodyPr vert="horz" wrap="square" lIns="91440" tIns="45720" rIns="91440" bIns="45720" numCol="1" anchor="t" anchorCtr="0" compatLnSpc="1">
-              <a:prstTxWarp prst="textNoShape">
-                <a:avLst/>
-              </a:prstTxWarp>
-            </a:bodyPr>
-            <a:lstStyle/>
-            <a:p>
-              <a:endParaRPr lang="en-US"/>
-            </a:p>
-          </p:txBody>
-        </p:sp>
-        <p:sp>
-          <p:nvSpPr>
-            <p:cNvPr id="63" name="Freeform 24">
-              <a:extLst>
-                <a:ext uri="{FF2B5EF4-FFF2-40B4-BE49-F238E27FC236}">
-                  <a16:creationId xmlns:a16="http://schemas.microsoft.com/office/drawing/2014/main" id="{DFCC6878-2DB4-4497-B668-E75220A20351}"/>
-                </a:ext>
-                <a:ext uri="{C183D7F6-B498-43B3-948B-1728B52AA6E4}">
-                  <adec:decorative xmlns:adec="http://schemas.microsoft.com/office/drawing/2017/decorative" val="1"/>
-                </a:ext>
-              </a:extLst>
-            </p:cNvPr>
-            <p:cNvSpPr>
-              <a:spLocks/>
-            </p:cNvSpPr>
-            <p:nvPr>
-              <p:extLst>
-                <p:ext uri="{386F3935-93C4-4BCD-93E2-E3B085C9AB24}">
-                  <p16:designElem xmlns:p16="http://schemas.microsoft.com/office/powerpoint/2015/main" val="1"/>
-                </p:ext>
-              </p:extLst>
-            </p:nvPr>
-          </p:nvSpPr>
-          <p:spPr bwMode="auto">
-            <a:xfrm>
-              <a:off x="4763" y="6016625"/>
-              <a:ext cx="214313" cy="827088"/>
-            </a:xfrm>
-            <a:custGeom>
-              <a:avLst/>
-              <a:gdLst>
-                <a:gd name="T0" fmla="*/ 0 w 45"/>
-                <a:gd name="T1" fmla="*/ 0 h 174"/>
-                <a:gd name="T2" fmla="*/ 45 w 45"/>
-                <a:gd name="T3" fmla="*/ 174 h 174"/>
-              </a:gdLst>
-              <a:ahLst/>
-              <a:cxnLst>
-                <a:cxn ang="0">
-                  <a:pos x="T0" y="T1"/>
-                </a:cxn>
-                <a:cxn ang="0">
-                  <a:pos x="T2" y="T3"/>
-                </a:cxn>
-              </a:cxnLst>
-              <a:rect l="0" t="0" r="r" b="b"/>
-              <a:pathLst>
-                <a:path w="45" h="174">
-                  <a:moveTo>
-                    <a:pt x="0" y="0"/>
-                  </a:moveTo>
-                  <a:cubicBezTo>
-                    <a:pt x="11" y="59"/>
-                    <a:pt x="26" y="118"/>
-                    <a:pt x="45" y="174"/>
-                  </a:cubicBezTo>
-                </a:path>
-              </a:pathLst>
-            </a:custGeom>
-            <a:noFill/>
-            <a:ln w="9525" cap="flat">
-              <a:solidFill>
-                <a:schemeClr val="tx1">
-                  <a:alpha val="20000"/>
-                </a:schemeClr>
-              </a:solidFill>
-              <a:prstDash val="solid"/>
-              <a:miter lim="800000"/>
-              <a:headEnd/>
-              <a:tailEnd/>
-            </a:ln>
-            <a:extLst>
-              <a:ext uri="{909E8E84-426E-40DD-AFC4-6F175D3DCCD1}">
-                <a14:hiddenFill xmlns:a14="http://schemas.microsoft.com/office/drawing/2010/main">
-                  <a:solidFill>
-                    <a:srgbClr val="FFFFFF"/>
-                  </a:solidFill>
-                </a14:hiddenFill>
-              </a:ext>
-            </a:extLst>
-          </p:spPr>
-          <p:txBody>
-            <a:bodyPr vert="horz" wrap="square" lIns="91440" tIns="45720" rIns="91440" bIns="45720" numCol="1" anchor="t" anchorCtr="0" compatLnSpc="1">
-              <a:prstTxWarp prst="textNoShape">
-                <a:avLst/>
-              </a:prstTxWarp>
-            </a:bodyPr>
-            <a:lstStyle/>
-            <a:p>
-              <a:endParaRPr lang="en-US"/>
-            </a:p>
-          </p:txBody>
-        </p:sp>
-        <p:sp>
-          <p:nvSpPr>
-            <p:cNvPr id="64" name="Freeform 25">
-              <a:extLst>
-                <a:ext uri="{FF2B5EF4-FFF2-40B4-BE49-F238E27FC236}">
-                  <a16:creationId xmlns:a16="http://schemas.microsoft.com/office/drawing/2014/main" id="{36254A6B-DCFA-42AD-906C-C43E2CAEAF1F}"/>
-                </a:ext>
-                <a:ext uri="{C183D7F6-B498-43B3-948B-1728B52AA6E4}">
-                  <adec:decorative xmlns:adec="http://schemas.microsoft.com/office/drawing/2017/decorative" val="1"/>
-                </a:ext>
-              </a:extLst>
-            </p:cNvPr>
-            <p:cNvSpPr>
-              <a:spLocks/>
-            </p:cNvSpPr>
-            <p:nvPr>
-              <p:extLst>
-                <p:ext uri="{386F3935-93C4-4BCD-93E2-E3B085C9AB24}">
-                  <p16:designElem xmlns:p16="http://schemas.microsoft.com/office/powerpoint/2015/main" val="1"/>
-                </p:ext>
-              </p:extLst>
-            </p:nvPr>
-          </p:nvSpPr>
-          <p:spPr bwMode="auto">
-            <a:xfrm>
-              <a:off x="14288" y="0"/>
-              <a:ext cx="1562100" cy="2228850"/>
-            </a:xfrm>
-            <a:custGeom>
-              <a:avLst/>
-              <a:gdLst>
-                <a:gd name="T0" fmla="*/ 329 w 329"/>
-                <a:gd name="T1" fmla="*/ 0 h 469"/>
-                <a:gd name="T2" fmla="*/ 0 w 329"/>
-                <a:gd name="T3" fmla="*/ 469 h 469"/>
-              </a:gdLst>
-              <a:ahLst/>
-              <a:cxnLst>
-                <a:cxn ang="0">
-                  <a:pos x="T0" y="T1"/>
-                </a:cxn>
-                <a:cxn ang="0">
-                  <a:pos x="T2" y="T3"/>
-                </a:cxn>
-              </a:cxnLst>
-              <a:rect l="0" t="0" r="r" b="b"/>
-              <a:pathLst>
-                <a:path w="329" h="469">
-                  <a:moveTo>
-                    <a:pt x="329" y="0"/>
-                  </a:moveTo>
-                  <a:cubicBezTo>
-                    <a:pt x="189" y="133"/>
-                    <a:pt x="69" y="288"/>
-                    <a:pt x="0" y="469"/>
-                  </a:cubicBezTo>
-                </a:path>
-              </a:pathLst>
-            </a:custGeom>
-            <a:noFill/>
-            <a:ln w="9525" cap="flat">
-              <a:solidFill>
-                <a:schemeClr val="tx1">
-                  <a:alpha val="20000"/>
-                </a:schemeClr>
-              </a:solidFill>
-              <a:prstDash val="solid"/>
-              <a:miter lim="800000"/>
-              <a:headEnd/>
-              <a:tailEnd/>
-            </a:ln>
-            <a:extLst>
-              <a:ext uri="{909E8E84-426E-40DD-AFC4-6F175D3DCCD1}">
-                <a14:hiddenFill xmlns:a14="http://schemas.microsoft.com/office/drawing/2010/main">
-                  <a:solidFill>
-                    <a:srgbClr val="FFFFFF"/>
-                  </a:solidFill>
-                </a14:hiddenFill>
-              </a:ext>
-            </a:extLst>
-          </p:spPr>
-          <p:txBody>
-            <a:bodyPr vert="horz" wrap="square" lIns="91440" tIns="45720" rIns="91440" bIns="45720" numCol="1" anchor="t" anchorCtr="0" compatLnSpc="1">
-              <a:prstTxWarp prst="textNoShape">
-                <a:avLst/>
-              </a:prstTxWarp>
-            </a:bodyPr>
-            <a:lstStyle/>
-            <a:p>
-              <a:endParaRPr lang="en-US"/>
-            </a:p>
-          </p:txBody>
-        </p:sp>
-      </p:grpSp>
-      <p:sp>
-        <p:nvSpPr>
-          <p:cNvPr id="65" name="Rectangle 34">
-            <a:extLst>
-              <a:ext uri="{FF2B5EF4-FFF2-40B4-BE49-F238E27FC236}">
-                <a16:creationId xmlns:a16="http://schemas.microsoft.com/office/drawing/2014/main" id="{1429180E-866D-447C-A170-484000E48972}"/>
-              </a:ext>
-              <a:ext uri="{C183D7F6-B498-43B3-948B-1728B52AA6E4}">
-                <adec:decorative xmlns:adec="http://schemas.microsoft.com/office/drawing/2017/decorative" val="1"/>
-              </a:ext>
-            </a:extLst>
-          </p:cNvPr>
-          <p:cNvSpPr>
-            <a:spLocks noGrp="1" noRot="1" noChangeAspect="1" noMove="1" noResize="1" noEditPoints="1" noAdjustHandles="1" noChangeArrowheads="1" noChangeShapeType="1" noTextEdit="1"/>
-          </p:cNvSpPr>
-          <p:nvPr>
-            <p:extLst>
-              <p:ext uri="{386F3935-93C4-4BCD-93E2-E3B085C9AB24}">
-                <p16:designElem xmlns:p16="http://schemas.microsoft.com/office/powerpoint/2015/main" val="1"/>
-              </p:ext>
-            </p:extLst>
-          </p:nvPr>
-        </p:nvSpPr>
-        <p:spPr>
-          <a:xfrm>
-            <a:off x="791682" y="1047102"/>
-            <a:ext cx="5936885" cy="502920"/>
-          </a:xfrm>
-          <a:prstGeom prst="rect">
-            <a:avLst/>
-          </a:prstGeom>
-          <a:solidFill>
-            <a:schemeClr val="accent1"/>
-          </a:solidFill>
-          <a:ln>
-            <a:noFill/>
-          </a:ln>
-        </p:spPr>
-        <p:style>
-          <a:lnRef idx="2">
-            <a:schemeClr val="accent1">
-              <a:shade val="50000"/>
-            </a:schemeClr>
-          </a:lnRef>
-          <a:fillRef idx="1">
-            <a:schemeClr val="accent1"/>
-          </a:fillRef>
-          <a:effectRef idx="0">
-            <a:schemeClr val="accent1"/>
-          </a:effectRef>
-          <a:fontRef idx="minor">
-            <a:schemeClr val="lt1"/>
-          </a:fontRef>
-        </p:style>
-        <p:txBody>
-          <a:bodyPr rtlCol="0" anchor="ctr"/>
-          <a:lstStyle/>
-          <a:p>
-            <a:pPr algn="ctr"/>
-            <a:endParaRPr lang="en-US"/>
-          </a:p>
-        </p:txBody>
-      </p:sp>
-      <p:sp>
-        <p:nvSpPr>
-          <p:cNvPr id="66" name="Isosceles Triangle 22">
-            <a:extLst>
-              <a:ext uri="{FF2B5EF4-FFF2-40B4-BE49-F238E27FC236}">
-                <a16:creationId xmlns:a16="http://schemas.microsoft.com/office/drawing/2014/main" id="{FEE51AA4-287D-4CB8-8CD4-D6986106F43C}"/>
-              </a:ext>
-              <a:ext uri="{C183D7F6-B498-43B3-948B-1728B52AA6E4}">
-                <adec:decorative xmlns:adec="http://schemas.microsoft.com/office/drawing/2017/decorative" val="1"/>
-              </a:ext>
-            </a:extLst>
-          </p:cNvPr>
-          <p:cNvSpPr>
-            <a:spLocks noGrp="1" noRot="1" noChangeAspect="1" noMove="1" noResize="1" noEditPoints="1" noAdjustHandles="1" noChangeArrowheads="1" noChangeShapeType="1" noTextEdit="1"/>
-          </p:cNvSpPr>
-          <p:nvPr>
-            <p:extLst>
-              <p:ext uri="{386F3935-93C4-4BCD-93E2-E3B085C9AB24}">
-                <p16:designElem xmlns:p16="http://schemas.microsoft.com/office/powerpoint/2015/main" val="1"/>
-              </p:ext>
-            </p:extLst>
-          </p:nvPr>
-        </p:nvSpPr>
-        <p:spPr>
-          <a:xfrm rot="10800000">
-            <a:off x="3602131" y="5546507"/>
-            <a:ext cx="315988" cy="272403"/>
-          </a:xfrm>
-          <a:prstGeom prst="triangle">
-            <a:avLst/>
-          </a:prstGeom>
-          <a:solidFill>
-            <a:schemeClr val="accent1"/>
-          </a:solidFill>
-          <a:ln>
-            <a:noFill/>
-          </a:ln>
-        </p:spPr>
-        <p:style>
-          <a:lnRef idx="2">
-            <a:schemeClr val="accent1">
-              <a:shade val="50000"/>
-            </a:schemeClr>
-          </a:lnRef>
-          <a:fillRef idx="1">
-            <a:schemeClr val="accent1"/>
-          </a:fillRef>
-          <a:effectRef idx="0">
-            <a:schemeClr val="accent1"/>
-          </a:effectRef>
-          <a:fontRef idx="minor">
-            <a:schemeClr val="lt1"/>
-          </a:fontRef>
-        </p:style>
-        <p:txBody>
-          <a:bodyPr rtlCol="0" anchor="ctr"/>
-          <a:lstStyle/>
-          <a:p>
-            <a:pPr algn="ctr"/>
-            <a:endParaRPr lang="en-US"/>
-          </a:p>
-        </p:txBody>
-      </p:sp>
-      <p:sp>
-        <p:nvSpPr>
-          <p:cNvPr id="67" name="Rectangle 38">
-            <a:extLst>
-              <a:ext uri="{FF2B5EF4-FFF2-40B4-BE49-F238E27FC236}">
-                <a16:creationId xmlns:a16="http://schemas.microsoft.com/office/drawing/2014/main" id="{0177ACA7-E71A-4888-9EBD-074801D881CC}"/>
-              </a:ext>
-              <a:ext uri="{C183D7F6-B498-43B3-948B-1728B52AA6E4}">
-                <adec:decorative xmlns:adec="http://schemas.microsoft.com/office/drawing/2017/decorative" val="1"/>
-              </a:ext>
-            </a:extLst>
-          </p:cNvPr>
-          <p:cNvSpPr>
-            <a:spLocks noGrp="1" noRot="1" noChangeAspect="1" noMove="1" noResize="1" noEditPoints="1" noAdjustHandles="1" noChangeArrowheads="1" noChangeShapeType="1" noTextEdit="1"/>
-          </p:cNvSpPr>
-          <p:nvPr>
-            <p:extLst>
-              <p:ext uri="{386F3935-93C4-4BCD-93E2-E3B085C9AB24}">
-                <p16:designElem xmlns:p16="http://schemas.microsoft.com/office/powerpoint/2015/main" val="1"/>
-              </p:ext>
-            </p:extLst>
-          </p:nvPr>
-        </p:nvSpPr>
-        <p:spPr>
-          <a:xfrm>
-            <a:off x="791682" y="1634393"/>
-            <a:ext cx="5935796" cy="3917307"/>
-          </a:xfrm>
-          <a:prstGeom prst="rect">
-            <a:avLst/>
-          </a:prstGeom>
-          <a:solidFill>
-            <a:schemeClr val="accent1"/>
-          </a:solidFill>
-          <a:ln>
-            <a:noFill/>
-          </a:ln>
-        </p:spPr>
-        <p:style>
-          <a:lnRef idx="2">
-            <a:schemeClr val="accent1">
-              <a:shade val="50000"/>
-            </a:schemeClr>
-          </a:lnRef>
-          <a:fillRef idx="1">
-            <a:schemeClr val="accent1"/>
-          </a:fillRef>
-          <a:effectRef idx="0">
-            <a:schemeClr val="accent1"/>
-          </a:effectRef>
-          <a:fontRef idx="minor">
-            <a:schemeClr val="lt1"/>
-          </a:fontRef>
-        </p:style>
-        <p:txBody>
-          <a:bodyPr rtlCol="0" anchor="ctr"/>
-          <a:lstStyle/>
-          <a:p>
-            <a:pPr algn="ctr"/>
-            <a:endParaRPr lang="en-US"/>
-          </a:p>
-        </p:txBody>
-      </p:sp>
-      <p:sp>
-        <p:nvSpPr>
-          <p:cNvPr id="2" name="Title 1">
-            <a:extLst>
-              <a:ext uri="{FF2B5EF4-FFF2-40B4-BE49-F238E27FC236}">
-                <a16:creationId xmlns:a16="http://schemas.microsoft.com/office/drawing/2014/main" id="{0053095A-A7A0-D543-BAB8-5AEF96C21ACA}"/>
-              </a:ext>
-            </a:extLst>
-          </p:cNvPr>
-          <p:cNvSpPr>
-            <a:spLocks noGrp="1"/>
-          </p:cNvSpPr>
-          <p:nvPr>
-            <p:ph type="title"/>
-          </p:nvPr>
-        </p:nvSpPr>
-        <p:spPr>
-          <a:xfrm>
-            <a:off x="873978" y="1718735"/>
-            <a:ext cx="5767566" cy="1072378"/>
-          </a:xfrm>
-        </p:spPr>
-        <p:txBody>
-          <a:bodyPr anchor="ctr">
-            <a:normAutofit/>
-          </a:bodyPr>
-          <a:lstStyle/>
-          <a:p>
-            <a:r>
-              <a:rPr lang="en-US" sz="3600"/>
-              <a:t>Motivation</a:t>
-            </a:r>
-          </a:p>
-        </p:txBody>
-      </p:sp>
-      <p:sp>
-        <p:nvSpPr>
-          <p:cNvPr id="3" name="Content Placeholder 2">
-            <a:extLst>
-              <a:ext uri="{FF2B5EF4-FFF2-40B4-BE49-F238E27FC236}">
-                <a16:creationId xmlns:a16="http://schemas.microsoft.com/office/drawing/2014/main" id="{892DB13C-7B2D-3648-840C-5C78526CB4D8}"/>
-              </a:ext>
-            </a:extLst>
-          </p:cNvPr>
-          <p:cNvSpPr>
-            <a:spLocks noGrp="1"/>
-          </p:cNvSpPr>
-          <p:nvPr>
-            <p:ph idx="1"/>
-          </p:nvPr>
-        </p:nvSpPr>
-        <p:spPr>
-          <a:xfrm>
-            <a:off x="873102" y="2789239"/>
-            <a:ext cx="5768442" cy="2683606"/>
-          </a:xfrm>
-        </p:spPr>
-        <p:txBody>
-          <a:bodyPr>
-            <a:normAutofit/>
-          </a:bodyPr>
-          <a:lstStyle/>
-          <a:p>
-            <a:r>
-              <a:rPr lang="en-US" sz="1600" dirty="0">
-                <a:solidFill>
-                  <a:srgbClr val="FFFFFE"/>
-                </a:solidFill>
-              </a:rPr>
-              <a:t>We extend a 2010 paper:</a:t>
-            </a:r>
-          </a:p>
-          <a:p>
-            <a:pPr lvl="1"/>
-            <a:r>
-              <a:rPr lang="en-US" dirty="0">
-                <a:solidFill>
-                  <a:schemeClr val="tx1">
-                    <a:lumMod val="95000"/>
-                    <a:lumOff val="5000"/>
-                  </a:schemeClr>
-                </a:solidFill>
-                <a:hlinkClick r:id="rId2">
-                  <a:extLst>
-                    <a:ext uri="{A12FA001-AC4F-418D-AE19-62706E023703}">
-                      <ahyp:hlinkClr xmlns:ahyp="http://schemas.microsoft.com/office/drawing/2018/hyperlinkcolor" val="tx"/>
-                    </a:ext>
-                  </a:extLst>
-                </a:hlinkClick>
-              </a:rPr>
-              <a:t>Using Manifold Embedding for Assessing and Predicting Protein Interactions from High-Throughput Experimental Data</a:t>
-            </a:r>
-            <a:endParaRPr lang="en-US" dirty="0">
-              <a:solidFill>
-                <a:schemeClr val="tx1">
-                  <a:lumMod val="95000"/>
-                  <a:lumOff val="5000"/>
-                </a:schemeClr>
-              </a:solidFill>
-            </a:endParaRPr>
-          </a:p>
-          <a:p>
-            <a:pPr lvl="1"/>
-            <a:r>
-              <a:rPr lang="en-US" dirty="0">
-                <a:solidFill>
-                  <a:srgbClr val="FFFFFE"/>
-                </a:solidFill>
-              </a:rPr>
-              <a:t>Leverage the ever-increasing volume of high-throughput protein interaction data to develop embeddings of protein-protein interaction networks and predict new interactions</a:t>
-            </a:r>
-          </a:p>
-          <a:p>
-            <a:endParaRPr lang="en-US" sz="1600" dirty="0">
-              <a:solidFill>
-                <a:srgbClr val="FFFFFE"/>
-              </a:solidFill>
-            </a:endParaRPr>
-          </a:p>
-        </p:txBody>
-      </p:sp>
-      <p:sp>
-        <p:nvSpPr>
-          <p:cNvPr id="41" name="Rectangle 40">
-            <a:extLst>
-              <a:ext uri="{FF2B5EF4-FFF2-40B4-BE49-F238E27FC236}">
-                <a16:creationId xmlns:a16="http://schemas.microsoft.com/office/drawing/2014/main" id="{B2DF6337-9683-4A06-B3D5-CB22C7F4F2BE}"/>
-              </a:ext>
-              <a:ext uri="{C183D7F6-B498-43B3-948B-1728B52AA6E4}">
-                <adec:decorative xmlns:adec="http://schemas.microsoft.com/office/drawing/2017/decorative" val="1"/>
-              </a:ext>
-            </a:extLst>
-          </p:cNvPr>
-          <p:cNvSpPr>
-            <a:spLocks noGrp="1" noRot="1" noChangeAspect="1" noMove="1" noResize="1" noEditPoints="1" noAdjustHandles="1" noChangeArrowheads="1" noChangeShapeType="1" noTextEdit="1"/>
-          </p:cNvSpPr>
-          <p:nvPr>
-            <p:extLst>
-              <p:ext uri="{386F3935-93C4-4BCD-93E2-E3B085C9AB24}">
-                <p16:designElem xmlns:p16="http://schemas.microsoft.com/office/powerpoint/2015/main" val="1"/>
-              </p:ext>
-            </p:extLst>
-          </p:nvPr>
-        </p:nvSpPr>
-        <p:spPr>
-          <a:xfrm>
-            <a:off x="7549862" y="-6706"/>
-            <a:ext cx="4642138" cy="6871125"/>
-          </a:xfrm>
-          <a:prstGeom prst="rect">
-            <a:avLst/>
-          </a:prstGeom>
-          <a:solidFill>
-            <a:schemeClr val="bg1"/>
-          </a:solidFill>
-          <a:ln w="9525">
-            <a:solidFill>
-              <a:schemeClr val="tx1">
-                <a:alpha val="20000"/>
-              </a:schemeClr>
-            </a:solidFill>
-          </a:ln>
-        </p:spPr>
-        <p:style>
-          <a:lnRef idx="2">
-            <a:schemeClr val="accent1">
-              <a:shade val="50000"/>
-            </a:schemeClr>
-          </a:lnRef>
-          <a:fillRef idx="1">
-            <a:schemeClr val="accent1"/>
-          </a:fillRef>
-          <a:effectRef idx="0">
-            <a:schemeClr val="accent1"/>
-          </a:effectRef>
-          <a:fontRef idx="minor">
-            <a:schemeClr val="lt1"/>
-          </a:fontRef>
-        </p:style>
-        <p:txBody>
-          <a:bodyPr rtlCol="0" anchor="ctr"/>
-          <a:lstStyle/>
-          <a:p>
-            <a:pPr algn="ctr"/>
-            <a:endParaRPr lang="en-US"/>
-          </a:p>
-        </p:txBody>
-      </p:sp>
-      <p:pic>
-        <p:nvPicPr>
-          <p:cNvPr id="5" name="Picture 4" descr="Graphical user interface&#10;&#10;Description automatically generated">
-            <a:extLst>
-              <a:ext uri="{FF2B5EF4-FFF2-40B4-BE49-F238E27FC236}">
-                <a16:creationId xmlns:a16="http://schemas.microsoft.com/office/drawing/2014/main" id="{D4CB9915-5364-0148-9E7B-885BE91F5CE6}"/>
-              </a:ext>
-            </a:extLst>
-          </p:cNvPr>
-          <p:cNvPicPr>
-            <a:picLocks noChangeAspect="1"/>
-          </p:cNvPicPr>
-          <p:nvPr/>
-        </p:nvPicPr>
-        <p:blipFill>
-          <a:blip r:embed="rId3"/>
-          <a:stretch>
-            <a:fillRect/>
-          </a:stretch>
-        </p:blipFill>
-        <p:spPr>
-          <a:xfrm>
-            <a:off x="7876652" y="764311"/>
-            <a:ext cx="3990545" cy="5338521"/>
-          </a:xfrm>
-          <a:prstGeom prst="rect">
-            <a:avLst/>
-          </a:prstGeom>
-        </p:spPr>
-      </p:pic>
-    </p:spTree>
-    <p:extLst>
-      <p:ext uri="{BB962C8B-B14F-4D97-AF65-F5344CB8AC3E}">
-        <p14:creationId xmlns:p14="http://schemas.microsoft.com/office/powerpoint/2010/main" val="223015260"/>
-      </p:ext>
-    </p:extLst>
-  </p:cSld>
-  <p:clrMapOvr>
-    <a:masterClrMapping/>
-  </p:clrMapOvr>
-</p:sld>
-</file>
-
-<file path=ppt/slides/slide3.xml><?xml version="1.0" encoding="utf-8"?>
-<p:sld xmlns:a="http://schemas.openxmlformats.org/drawingml/2006/main" xmlns:r="http://schemas.openxmlformats.org/officeDocument/2006/relationships" xmlns:p="http://schemas.openxmlformats.org/presentationml/2006/main">
-  <p:cSld>
-    <p:bg>
-      <p:bgPr>
-        <a:solidFill>
-          <a:schemeClr val="bg1"/>
-        </a:solidFill>
-        <a:effectLst/>
-      </p:bgPr>
-    </p:bg>
-    <p:spTree>
-      <p:nvGrpSpPr>
-        <p:cNvPr id="1" name=""/>
-        <p:cNvGrpSpPr/>
-        <p:nvPr/>
-      </p:nvGrpSpPr>
-      <p:grpSpPr>
-        <a:xfrm>
-          <a:off x="0" y="0"/>
-          <a:ext cx="0" cy="0"/>
-          <a:chOff x="0" y="0"/>
-          <a:chExt cx="0" cy="0"/>
-        </a:xfrm>
-      </p:grpSpPr>
-      <p:grpSp>
-        <p:nvGrpSpPr>
-          <p:cNvPr id="12" name="Group 11">
-            <a:extLst>
-              <a:ext uri="{FF2B5EF4-FFF2-40B4-BE49-F238E27FC236}">
-                <a16:creationId xmlns:a16="http://schemas.microsoft.com/office/drawing/2014/main" id="{9A517D76-CE12-47A5-BD95-9A8F05070B27}"/>
+                <a16:creationId xmlns:a16="http://schemas.microsoft.com/office/drawing/2014/main" id="{D8E9CF54-0466-4261-9E62-0249E60E1886}"/>
               </a:ext>
               <a:ext uri="{C183D7F6-B498-43B3-948B-1728B52AA6E4}">
                 <adec:decorative xmlns:adec="http://schemas.microsoft.com/office/drawing/2017/decorative" val="1"/>
@@ -21660,1685 +19307,7 @@
         </p:grpSpPr>
         <p:sp>
           <p:nvSpPr>
-            <p:cNvPr id="13" name="Freeform 5">
-              <a:extLst>
-                <a:ext uri="{FF2B5EF4-FFF2-40B4-BE49-F238E27FC236}">
-                  <a16:creationId xmlns:a16="http://schemas.microsoft.com/office/drawing/2014/main" id="{A2F2F994-D93C-4552-B9AD-DA9E8C94BFBB}"/>
-                </a:ext>
-                <a:ext uri="{C183D7F6-B498-43B3-948B-1728B52AA6E4}">
-                  <adec:decorative xmlns:adec="http://schemas.microsoft.com/office/drawing/2017/decorative" val="1"/>
-                </a:ext>
-              </a:extLst>
-            </p:cNvPr>
-            <p:cNvSpPr/>
-            <p:nvPr>
-              <p:extLst>
-                <p:ext uri="{386F3935-93C4-4BCD-93E2-E3B085C9AB24}">
-                  <p16:designElem xmlns:p16="http://schemas.microsoft.com/office/powerpoint/2015/main" val="1"/>
-                </p:ext>
-              </p:extLst>
-            </p:nvPr>
-          </p:nvSpPr>
-          <p:spPr bwMode="auto">
-            <a:xfrm>
-              <a:off x="-329674" y="1298404"/>
-              <a:ext cx="9702800" cy="5573512"/>
-            </a:xfrm>
-            <a:custGeom>
-              <a:avLst/>
-              <a:gdLst/>
-              <a:ahLst/>
-              <a:cxnLst/>
-              <a:rect l="0" t="0" r="r" b="b"/>
-              <a:pathLst>
-                <a:path w="2038" h="1169">
-                  <a:moveTo>
-                    <a:pt x="1752" y="1169"/>
-                  </a:moveTo>
-                  <a:cubicBezTo>
-                    <a:pt x="2038" y="928"/>
-                    <a:pt x="1673" y="513"/>
-                    <a:pt x="1487" y="334"/>
-                  </a:cubicBezTo>
-                  <a:cubicBezTo>
-                    <a:pt x="1316" y="170"/>
-                    <a:pt x="1099" y="43"/>
-                    <a:pt x="860" y="22"/>
-                  </a:cubicBezTo>
-                  <a:cubicBezTo>
-                    <a:pt x="621" y="0"/>
-                    <a:pt x="341" y="128"/>
-                    <a:pt x="199" y="318"/>
-                  </a:cubicBezTo>
-                  <a:cubicBezTo>
-                    <a:pt x="0" y="586"/>
-                    <a:pt x="184" y="965"/>
-                    <a:pt x="399" y="1165"/>
-                  </a:cubicBezTo>
-                </a:path>
-              </a:pathLst>
-            </a:custGeom>
-            <a:noFill/>
-            <a:ln w="9525" cap="flat">
-              <a:solidFill>
-                <a:schemeClr val="tx1">
-                  <a:alpha val="20000"/>
-                </a:schemeClr>
-              </a:solidFill>
-              <a:prstDash val="solid"/>
-              <a:miter lim="800000"/>
-              <a:headEnd/>
-              <a:tailEnd/>
-            </a:ln>
-            <a:extLst>
-              <a:ext uri="{909E8E84-426E-40DD-AFC4-6F175D3DCCD1}">
-                <a14:hiddenFill xmlns:a14="http://schemas.microsoft.com/office/drawing/2010/main">
-                  <a:solidFill>
-                    <a:srgbClr val="FFFFFF"/>
-                  </a:solidFill>
-                </a14:hiddenFill>
-              </a:ext>
-            </a:extLst>
-          </p:spPr>
-        </p:sp>
-        <p:sp>
-          <p:nvSpPr>
-            <p:cNvPr id="14" name="Freeform 6">
-              <a:extLst>
-                <a:ext uri="{FF2B5EF4-FFF2-40B4-BE49-F238E27FC236}">
-                  <a16:creationId xmlns:a16="http://schemas.microsoft.com/office/drawing/2014/main" id="{502B8064-B713-4DB8-AC36-3E576B348AB2}"/>
-                </a:ext>
-                <a:ext uri="{C183D7F6-B498-43B3-948B-1728B52AA6E4}">
-                  <adec:decorative xmlns:adec="http://schemas.microsoft.com/office/drawing/2017/decorative" val="1"/>
-                </a:ext>
-              </a:extLst>
-            </p:cNvPr>
-            <p:cNvSpPr/>
-            <p:nvPr>
-              <p:extLst>
-                <p:ext uri="{386F3935-93C4-4BCD-93E2-E3B085C9AB24}">
-                  <p16:designElem xmlns:p16="http://schemas.microsoft.com/office/powerpoint/2015/main" val="1"/>
-                </p:ext>
-              </p:extLst>
-            </p:nvPr>
-          </p:nvSpPr>
-          <p:spPr bwMode="auto">
-            <a:xfrm>
-              <a:off x="670451" y="2018236"/>
-              <a:ext cx="7373938" cy="4848892"/>
-            </a:xfrm>
-            <a:custGeom>
-              <a:avLst/>
-              <a:gdLst/>
-              <a:ahLst/>
-              <a:cxnLst/>
-              <a:rect l="0" t="0" r="r" b="b"/>
-              <a:pathLst>
-                <a:path w="1549" h="1017">
-                  <a:moveTo>
-                    <a:pt x="1025" y="1016"/>
-                  </a:moveTo>
-                  <a:cubicBezTo>
-                    <a:pt x="1223" y="971"/>
-                    <a:pt x="1549" y="857"/>
-                    <a:pt x="1443" y="592"/>
-                  </a:cubicBezTo>
-                  <a:cubicBezTo>
-                    <a:pt x="1344" y="344"/>
-                    <a:pt x="1041" y="111"/>
-                    <a:pt x="782" y="53"/>
-                  </a:cubicBezTo>
-                  <a:cubicBezTo>
-                    <a:pt x="545" y="0"/>
-                    <a:pt x="275" y="117"/>
-                    <a:pt x="150" y="329"/>
-                  </a:cubicBezTo>
-                  <a:cubicBezTo>
-                    <a:pt x="0" y="584"/>
-                    <a:pt x="243" y="911"/>
-                    <a:pt x="477" y="1017"/>
-                  </a:cubicBezTo>
-                </a:path>
-              </a:pathLst>
-            </a:custGeom>
-            <a:noFill/>
-            <a:ln w="9525" cap="flat">
-              <a:solidFill>
-                <a:schemeClr val="tx1">
-                  <a:alpha val="20000"/>
-                </a:schemeClr>
-              </a:solidFill>
-              <a:prstDash val="solid"/>
-              <a:miter lim="800000"/>
-              <a:headEnd/>
-              <a:tailEnd/>
-            </a:ln>
-            <a:extLst>
-              <a:ext uri="{909E8E84-426E-40DD-AFC4-6F175D3DCCD1}">
-                <a14:hiddenFill xmlns:a14="http://schemas.microsoft.com/office/drawing/2010/main">
-                  <a:solidFill>
-                    <a:srgbClr val="FFFFFF"/>
-                  </a:solidFill>
-                </a14:hiddenFill>
-              </a:ext>
-            </a:extLst>
-          </p:spPr>
-        </p:sp>
-        <p:sp>
-          <p:nvSpPr>
-            <p:cNvPr id="15" name="Freeform 7">
-              <a:extLst>
-                <a:ext uri="{FF2B5EF4-FFF2-40B4-BE49-F238E27FC236}">
-                  <a16:creationId xmlns:a16="http://schemas.microsoft.com/office/drawing/2014/main" id="{1D700A84-AE55-4EDE-A656-62806F504E13}"/>
-                </a:ext>
-                <a:ext uri="{C183D7F6-B498-43B3-948B-1728B52AA6E4}">
-                  <adec:decorative xmlns:adec="http://schemas.microsoft.com/office/drawing/2017/decorative" val="1"/>
-                </a:ext>
-              </a:extLst>
-            </p:cNvPr>
-            <p:cNvSpPr/>
-            <p:nvPr>
-              <p:extLst>
-                <p:ext uri="{386F3935-93C4-4BCD-93E2-E3B085C9AB24}">
-                  <p16:designElem xmlns:p16="http://schemas.microsoft.com/office/powerpoint/2015/main" val="1"/>
-                </p:ext>
-              </p:extLst>
-            </p:nvPr>
-          </p:nvSpPr>
-          <p:spPr bwMode="auto">
-            <a:xfrm>
-              <a:off x="251351" y="1788400"/>
-              <a:ext cx="8035925" cy="5083516"/>
-            </a:xfrm>
-            <a:custGeom>
-              <a:avLst/>
-              <a:gdLst/>
-              <a:ahLst/>
-              <a:cxnLst/>
-              <a:rect l="0" t="0" r="r" b="b"/>
-              <a:pathLst>
-                <a:path w="1688" h="1066">
-                  <a:moveTo>
-                    <a:pt x="1302" y="1066"/>
-                  </a:moveTo>
-                  <a:cubicBezTo>
-                    <a:pt x="1416" y="1024"/>
-                    <a:pt x="1551" y="962"/>
-                    <a:pt x="1613" y="850"/>
-                  </a:cubicBezTo>
-                  <a:cubicBezTo>
-                    <a:pt x="1688" y="715"/>
-                    <a:pt x="1606" y="575"/>
-                    <a:pt x="1517" y="471"/>
-                  </a:cubicBezTo>
-                  <a:cubicBezTo>
-                    <a:pt x="1336" y="258"/>
-                    <a:pt x="1084" y="62"/>
-                    <a:pt x="798" y="28"/>
-                  </a:cubicBezTo>
-                  <a:cubicBezTo>
-                    <a:pt x="559" y="0"/>
-                    <a:pt x="317" y="138"/>
-                    <a:pt x="181" y="333"/>
-                  </a:cubicBezTo>
-                  <a:cubicBezTo>
-                    <a:pt x="0" y="592"/>
-                    <a:pt x="191" y="907"/>
-                    <a:pt x="420" y="1066"/>
-                  </a:cubicBezTo>
-                </a:path>
-              </a:pathLst>
-            </a:custGeom>
-            <a:noFill/>
-            <a:ln w="9525" cap="flat">
-              <a:solidFill>
-                <a:schemeClr val="tx1">
-                  <a:alpha val="20000"/>
-                </a:schemeClr>
-              </a:solidFill>
-              <a:prstDash val="dash"/>
-              <a:miter lim="800000"/>
-              <a:headEnd/>
-              <a:tailEnd/>
-            </a:ln>
-            <a:extLst>
-              <a:ext uri="{909E8E84-426E-40DD-AFC4-6F175D3DCCD1}">
-                <a14:hiddenFill xmlns:a14="http://schemas.microsoft.com/office/drawing/2010/main">
-                  <a:solidFill>
-                    <a:srgbClr val="FFFFFF"/>
-                  </a:solidFill>
-                </a14:hiddenFill>
-              </a:ext>
-            </a:extLst>
-          </p:spPr>
-        </p:sp>
-        <p:sp>
-          <p:nvSpPr>
-            <p:cNvPr id="16" name="Freeform 8">
-              <a:extLst>
-                <a:ext uri="{FF2B5EF4-FFF2-40B4-BE49-F238E27FC236}">
-                  <a16:creationId xmlns:a16="http://schemas.microsoft.com/office/drawing/2014/main" id="{E04FC3D0-B839-4900-B5C8-86C794457334}"/>
-                </a:ext>
-                <a:ext uri="{C183D7F6-B498-43B3-948B-1728B52AA6E4}">
-                  <adec:decorative xmlns:adec="http://schemas.microsoft.com/office/drawing/2017/decorative" val="1"/>
-                </a:ext>
-              </a:extLst>
-            </p:cNvPr>
-            <p:cNvSpPr/>
-            <p:nvPr>
-              <p:extLst>
-                <p:ext uri="{386F3935-93C4-4BCD-93E2-E3B085C9AB24}">
-                  <p16:designElem xmlns:p16="http://schemas.microsoft.com/office/powerpoint/2015/main" val="1"/>
-                </p:ext>
-              </p:extLst>
-            </p:nvPr>
-          </p:nvSpPr>
-          <p:spPr bwMode="auto">
-            <a:xfrm>
-              <a:off x="-1061" y="549842"/>
-              <a:ext cx="10334625" cy="6322075"/>
-            </a:xfrm>
-            <a:custGeom>
-              <a:avLst/>
-              <a:gdLst/>
-              <a:ahLst/>
-              <a:cxnLst/>
-              <a:rect l="0" t="0" r="r" b="b"/>
-              <a:pathLst>
-                <a:path w="2171" h="1326">
-                  <a:moveTo>
-                    <a:pt x="1873" y="1326"/>
-                  </a:moveTo>
-                  <a:cubicBezTo>
-                    <a:pt x="2171" y="1045"/>
-                    <a:pt x="1825" y="678"/>
-                    <a:pt x="1609" y="473"/>
-                  </a:cubicBezTo>
-                  <a:cubicBezTo>
-                    <a:pt x="1406" y="281"/>
-                    <a:pt x="1159" y="116"/>
-                    <a:pt x="880" y="63"/>
-                  </a:cubicBezTo>
-                  <a:cubicBezTo>
-                    <a:pt x="545" y="0"/>
-                    <a:pt x="214" y="161"/>
-                    <a:pt x="0" y="423"/>
-                  </a:cubicBezTo>
-                </a:path>
-              </a:pathLst>
-            </a:custGeom>
-            <a:noFill/>
-            <a:ln w="9525" cap="flat">
-              <a:solidFill>
-                <a:schemeClr val="tx1">
-                  <a:alpha val="20000"/>
-                </a:schemeClr>
-              </a:solidFill>
-              <a:prstDash val="solid"/>
-              <a:miter lim="800000"/>
-              <a:headEnd/>
-              <a:tailEnd/>
-            </a:ln>
-            <a:extLst>
-              <a:ext uri="{909E8E84-426E-40DD-AFC4-6F175D3DCCD1}">
-                <a14:hiddenFill xmlns:a14="http://schemas.microsoft.com/office/drawing/2010/main">
-                  <a:solidFill>
-                    <a:srgbClr val="FFFFFF"/>
-                  </a:solidFill>
-                </a14:hiddenFill>
-              </a:ext>
-            </a:extLst>
-          </p:spPr>
-        </p:sp>
-        <p:sp>
-          <p:nvSpPr>
-            <p:cNvPr id="17" name="Freeform 9">
-              <a:extLst>
-                <a:ext uri="{FF2B5EF4-FFF2-40B4-BE49-F238E27FC236}">
-                  <a16:creationId xmlns:a16="http://schemas.microsoft.com/office/drawing/2014/main" id="{731A8D63-72B9-496F-BB43-DDD90FC7E25F}"/>
-                </a:ext>
-                <a:ext uri="{C183D7F6-B498-43B3-948B-1728B52AA6E4}">
-                  <adec:decorative xmlns:adec="http://schemas.microsoft.com/office/drawing/2017/decorative" val="1"/>
-                </a:ext>
-              </a:extLst>
-            </p:cNvPr>
-            <p:cNvSpPr/>
-            <p:nvPr>
-              <p:extLst>
-                <p:ext uri="{386F3935-93C4-4BCD-93E2-E3B085C9AB24}">
-                  <p16:designElem xmlns:p16="http://schemas.microsoft.com/office/powerpoint/2015/main" val="1"/>
-                </p:ext>
-              </p:extLst>
-            </p:nvPr>
-          </p:nvSpPr>
-          <p:spPr bwMode="auto">
-            <a:xfrm>
-              <a:off x="3701" y="6186246"/>
-              <a:ext cx="504825" cy="681527"/>
-            </a:xfrm>
-            <a:custGeom>
-              <a:avLst/>
-              <a:gdLst/>
-              <a:ahLst/>
-              <a:cxnLst/>
-              <a:rect l="0" t="0" r="r" b="b"/>
-              <a:pathLst>
-                <a:path w="106" h="143">
-                  <a:moveTo>
-                    <a:pt x="0" y="0"/>
-                  </a:moveTo>
-                  <a:cubicBezTo>
-                    <a:pt x="35" y="54"/>
-                    <a:pt x="70" y="101"/>
-                    <a:pt x="106" y="143"/>
-                  </a:cubicBezTo>
-                </a:path>
-              </a:pathLst>
-            </a:custGeom>
-            <a:noFill/>
-            <a:ln w="4763" cap="flat">
-              <a:solidFill>
-                <a:schemeClr val="tx1">
-                  <a:alpha val="20000"/>
-                </a:schemeClr>
-              </a:solidFill>
-              <a:prstDash val="solid"/>
-              <a:miter lim="800000"/>
-              <a:headEnd/>
-              <a:tailEnd/>
-            </a:ln>
-            <a:extLst>
-              <a:ext uri="{909E8E84-426E-40DD-AFC4-6F175D3DCCD1}">
-                <a14:hiddenFill xmlns:a14="http://schemas.microsoft.com/office/drawing/2010/main">
-                  <a:solidFill>
-                    <a:srgbClr val="FFFFFF"/>
-                  </a:solidFill>
-                </a14:hiddenFill>
-              </a:ext>
-            </a:extLst>
-          </p:spPr>
-        </p:sp>
-        <p:sp>
-          <p:nvSpPr>
-            <p:cNvPr id="18" name="Freeform 10">
-              <a:extLst>
-                <a:ext uri="{FF2B5EF4-FFF2-40B4-BE49-F238E27FC236}">
-                  <a16:creationId xmlns:a16="http://schemas.microsoft.com/office/drawing/2014/main" id="{5B167ED7-B36F-4DDE-B273-7A309BD0F772}"/>
-                </a:ext>
-                <a:ext uri="{C183D7F6-B498-43B3-948B-1728B52AA6E4}">
-                  <adec:decorative xmlns:adec="http://schemas.microsoft.com/office/drawing/2017/decorative" val="1"/>
-                </a:ext>
-              </a:extLst>
-            </p:cNvPr>
-            <p:cNvSpPr/>
-            <p:nvPr>
-              <p:extLst>
-                <p:ext uri="{386F3935-93C4-4BCD-93E2-E3B085C9AB24}">
-                  <p16:designElem xmlns:p16="http://schemas.microsoft.com/office/powerpoint/2015/main" val="1"/>
-                </p:ext>
-              </p:extLst>
-            </p:nvPr>
-          </p:nvSpPr>
-          <p:spPr bwMode="auto">
-            <a:xfrm>
-              <a:off x="-1061" y="-51881"/>
-              <a:ext cx="11091863" cy="6923796"/>
-            </a:xfrm>
-            <a:custGeom>
-              <a:avLst/>
-              <a:gdLst/>
-              <a:ahLst/>
-              <a:cxnLst/>
-              <a:rect l="0" t="0" r="r" b="b"/>
-              <a:pathLst>
-                <a:path w="2330" h="1452">
-                  <a:moveTo>
-                    <a:pt x="2046" y="1452"/>
-                  </a:moveTo>
-                  <a:cubicBezTo>
-                    <a:pt x="2330" y="1153"/>
-                    <a:pt x="2049" y="821"/>
-                    <a:pt x="1813" y="601"/>
-                  </a:cubicBezTo>
-                  <a:cubicBezTo>
-                    <a:pt x="1569" y="375"/>
-                    <a:pt x="1282" y="179"/>
-                    <a:pt x="956" y="97"/>
-                  </a:cubicBezTo>
-                  <a:cubicBezTo>
-                    <a:pt x="572" y="0"/>
-                    <a:pt x="292" y="101"/>
-                    <a:pt x="0" y="366"/>
-                  </a:cubicBezTo>
-                </a:path>
-              </a:pathLst>
-            </a:custGeom>
-            <a:noFill/>
-            <a:ln w="9525" cap="flat">
-              <a:solidFill>
-                <a:schemeClr val="tx1">
-                  <a:alpha val="20000"/>
-                </a:schemeClr>
-              </a:solidFill>
-              <a:prstDash val="solid"/>
-              <a:miter lim="800000"/>
-              <a:headEnd/>
-              <a:tailEnd/>
-            </a:ln>
-            <a:extLst>
-              <a:ext uri="{909E8E84-426E-40DD-AFC4-6F175D3DCCD1}">
-                <a14:hiddenFill xmlns:a14="http://schemas.microsoft.com/office/drawing/2010/main">
-                  <a:solidFill>
-                    <a:srgbClr val="FFFFFF"/>
-                  </a:solidFill>
-                </a14:hiddenFill>
-              </a:ext>
-            </a:extLst>
-          </p:spPr>
-        </p:sp>
-        <p:sp>
-          <p:nvSpPr>
-            <p:cNvPr id="19" name="Freeform 11">
-              <a:extLst>
-                <a:ext uri="{FF2B5EF4-FFF2-40B4-BE49-F238E27FC236}">
-                  <a16:creationId xmlns:a16="http://schemas.microsoft.com/office/drawing/2014/main" id="{1178D32B-E32A-4691-84EB-5FE693D3B1FF}"/>
-                </a:ext>
-                <a:ext uri="{C183D7F6-B498-43B3-948B-1728B52AA6E4}">
-                  <adec:decorative xmlns:adec="http://schemas.microsoft.com/office/drawing/2017/decorative" val="1"/>
-                </a:ext>
-              </a:extLst>
-            </p:cNvPr>
-            <p:cNvSpPr/>
-            <p:nvPr>
-              <p:extLst>
-                <p:ext uri="{386F3935-93C4-4BCD-93E2-E3B085C9AB24}">
-                  <p16:designElem xmlns:p16="http://schemas.microsoft.com/office/powerpoint/2015/main" val="1"/>
-                </p:ext>
-              </p:extLst>
-            </p:nvPr>
-          </p:nvSpPr>
-          <p:spPr bwMode="auto">
-            <a:xfrm>
-              <a:off x="5426601" y="5579"/>
-              <a:ext cx="5788025" cy="6847184"/>
-            </a:xfrm>
-            <a:custGeom>
-              <a:avLst/>
-              <a:gdLst/>
-              <a:ahLst/>
-              <a:cxnLst/>
-              <a:rect l="0" t="0" r="r" b="b"/>
-              <a:pathLst>
-                <a:path w="1216" h="1436">
-                  <a:moveTo>
-                    <a:pt x="1094" y="1436"/>
-                  </a:moveTo>
-                  <a:cubicBezTo>
-                    <a:pt x="1216" y="1114"/>
-                    <a:pt x="904" y="770"/>
-                    <a:pt x="709" y="551"/>
-                  </a:cubicBezTo>
-                  <a:cubicBezTo>
-                    <a:pt x="509" y="327"/>
-                    <a:pt x="274" y="127"/>
-                    <a:pt x="0" y="0"/>
-                  </a:cubicBezTo>
-                </a:path>
-              </a:pathLst>
-            </a:custGeom>
-            <a:noFill/>
-            <a:ln w="9525" cap="flat">
-              <a:solidFill>
-                <a:schemeClr val="tx1">
-                  <a:alpha val="20000"/>
-                </a:schemeClr>
-              </a:solidFill>
-              <a:prstDash val="solid"/>
-              <a:miter lim="800000"/>
-              <a:headEnd/>
-              <a:tailEnd/>
-            </a:ln>
-            <a:extLst>
-              <a:ext uri="{909E8E84-426E-40DD-AFC4-6F175D3DCCD1}">
-                <a14:hiddenFill xmlns:a14="http://schemas.microsoft.com/office/drawing/2010/main">
-                  <a:solidFill>
-                    <a:srgbClr val="FFFFFF"/>
-                  </a:solidFill>
-                </a14:hiddenFill>
-              </a:ext>
-            </a:extLst>
-          </p:spPr>
-        </p:sp>
-        <p:sp>
-          <p:nvSpPr>
-            <p:cNvPr id="20" name="Freeform 12">
-              <a:extLst>
-                <a:ext uri="{FF2B5EF4-FFF2-40B4-BE49-F238E27FC236}">
-                  <a16:creationId xmlns:a16="http://schemas.microsoft.com/office/drawing/2014/main" id="{AB800FF0-63F8-4B30-96F4-E9601D0267E1}"/>
-                </a:ext>
-                <a:ext uri="{C183D7F6-B498-43B3-948B-1728B52AA6E4}">
-                  <adec:decorative xmlns:adec="http://schemas.microsoft.com/office/drawing/2017/decorative" val="1"/>
-                </a:ext>
-              </a:extLst>
-            </p:cNvPr>
-            <p:cNvSpPr/>
-            <p:nvPr>
-              <p:extLst>
-                <p:ext uri="{386F3935-93C4-4BCD-93E2-E3B085C9AB24}">
-                  <p16:designElem xmlns:p16="http://schemas.microsoft.com/office/powerpoint/2015/main" val="1"/>
-                </p:ext>
-              </p:extLst>
-            </p:nvPr>
-          </p:nvSpPr>
-          <p:spPr bwMode="auto">
-            <a:xfrm>
-              <a:off x="-1061" y="5579"/>
-              <a:ext cx="1057275" cy="614491"/>
-            </a:xfrm>
-            <a:custGeom>
-              <a:avLst/>
-              <a:gdLst/>
-              <a:ahLst/>
-              <a:cxnLst/>
-              <a:rect l="0" t="0" r="r" b="b"/>
-              <a:pathLst>
-                <a:path w="222" h="129">
-                  <a:moveTo>
-                    <a:pt x="222" y="0"/>
-                  </a:moveTo>
-                  <a:cubicBezTo>
-                    <a:pt x="152" y="35"/>
-                    <a:pt x="76" y="78"/>
-                    <a:pt x="0" y="129"/>
-                  </a:cubicBezTo>
-                </a:path>
-              </a:pathLst>
-            </a:custGeom>
-            <a:noFill/>
-            <a:ln w="9525" cap="flat">
-              <a:solidFill>
-                <a:schemeClr val="tx1">
-                  <a:alpha val="20000"/>
-                </a:schemeClr>
-              </a:solidFill>
-              <a:prstDash val="solid"/>
-              <a:miter lim="800000"/>
-              <a:headEnd/>
-              <a:tailEnd/>
-            </a:ln>
-            <a:extLst>
-              <a:ext uri="{909E8E84-426E-40DD-AFC4-6F175D3DCCD1}">
-                <a14:hiddenFill xmlns:a14="http://schemas.microsoft.com/office/drawing/2010/main">
-                  <a:solidFill>
-                    <a:srgbClr val="FFFFFF"/>
-                  </a:solidFill>
-                </a14:hiddenFill>
-              </a:ext>
-            </a:extLst>
-          </p:spPr>
-        </p:sp>
-        <p:sp>
-          <p:nvSpPr>
-            <p:cNvPr id="21" name="Freeform 13">
-              <a:extLst>
-                <a:ext uri="{FF2B5EF4-FFF2-40B4-BE49-F238E27FC236}">
-                  <a16:creationId xmlns:a16="http://schemas.microsoft.com/office/drawing/2014/main" id="{A4616F81-02F6-4A18-949C-FB6CBA2006AE}"/>
-                </a:ext>
-                <a:ext uri="{C183D7F6-B498-43B3-948B-1728B52AA6E4}">
-                  <adec:decorative xmlns:adec="http://schemas.microsoft.com/office/drawing/2017/decorative" val="1"/>
-                </a:ext>
-              </a:extLst>
-            </p:cNvPr>
-            <p:cNvSpPr/>
-            <p:nvPr>
-              <p:extLst>
-                <p:ext uri="{386F3935-93C4-4BCD-93E2-E3B085C9AB24}">
-                  <p16:designElem xmlns:p16="http://schemas.microsoft.com/office/powerpoint/2015/main" val="1"/>
-                </p:ext>
-              </p:extLst>
-            </p:nvPr>
-          </p:nvSpPr>
-          <p:spPr bwMode="auto">
-            <a:xfrm>
-              <a:off x="5821889" y="5579"/>
-              <a:ext cx="5588000" cy="6866337"/>
-            </a:xfrm>
-            <a:custGeom>
-              <a:avLst/>
-              <a:gdLst/>
-              <a:ahLst/>
-              <a:cxnLst/>
-              <a:rect l="0" t="0" r="r" b="b"/>
-              <a:pathLst>
-                <a:path w="1174" h="1440">
-                  <a:moveTo>
-                    <a:pt x="1067" y="1440"/>
-                  </a:moveTo>
-                  <a:cubicBezTo>
-                    <a:pt x="1174" y="1124"/>
-                    <a:pt x="887" y="797"/>
-                    <a:pt x="698" y="577"/>
-                  </a:cubicBezTo>
-                  <a:cubicBezTo>
-                    <a:pt x="500" y="348"/>
-                    <a:pt x="270" y="141"/>
-                    <a:pt x="0" y="0"/>
-                  </a:cubicBezTo>
-                </a:path>
-              </a:pathLst>
-            </a:custGeom>
-            <a:noFill/>
-            <a:ln w="9525" cap="flat">
-              <a:solidFill>
-                <a:schemeClr val="tx1">
-                  <a:alpha val="20000"/>
-                </a:schemeClr>
-              </a:solidFill>
-              <a:prstDash val="dash"/>
-              <a:miter lim="800000"/>
-              <a:headEnd/>
-              <a:tailEnd/>
-            </a:ln>
-            <a:extLst>
-              <a:ext uri="{909E8E84-426E-40DD-AFC4-6F175D3DCCD1}">
-                <a14:hiddenFill xmlns:a14="http://schemas.microsoft.com/office/drawing/2010/main">
-                  <a:solidFill>
-                    <a:srgbClr val="FFFFFF"/>
-                  </a:solidFill>
-                </a14:hiddenFill>
-              </a:ext>
-            </a:extLst>
-          </p:spPr>
-        </p:sp>
-        <p:sp>
-          <p:nvSpPr>
-            <p:cNvPr id="22" name="Freeform 14">
-              <a:extLst>
-                <a:ext uri="{FF2B5EF4-FFF2-40B4-BE49-F238E27FC236}">
-                  <a16:creationId xmlns:a16="http://schemas.microsoft.com/office/drawing/2014/main" id="{D31D2123-B363-42F3-8A04-43048C7BACC1}"/>
-                </a:ext>
-                <a:ext uri="{C183D7F6-B498-43B3-948B-1728B52AA6E4}">
-                  <adec:decorative xmlns:adec="http://schemas.microsoft.com/office/drawing/2017/decorative" val="1"/>
-                </a:ext>
-              </a:extLst>
-            </p:cNvPr>
-            <p:cNvSpPr/>
-            <p:nvPr>
-              <p:extLst>
-                <p:ext uri="{386F3935-93C4-4BCD-93E2-E3B085C9AB24}">
-                  <p16:designElem xmlns:p16="http://schemas.microsoft.com/office/powerpoint/2015/main" val="1"/>
-                </p:ext>
-              </p:extLst>
-            </p:nvPr>
-          </p:nvSpPr>
-          <p:spPr bwMode="auto">
-            <a:xfrm>
-              <a:off x="3701" y="790"/>
-              <a:ext cx="595313" cy="352734"/>
-            </a:xfrm>
-            <a:custGeom>
-              <a:avLst/>
-              <a:gdLst/>
-              <a:ahLst/>
-              <a:cxnLst/>
-              <a:rect l="0" t="0" r="r" b="b"/>
-              <a:pathLst>
-                <a:path w="125" h="74">
-                  <a:moveTo>
-                    <a:pt x="125" y="0"/>
-                  </a:moveTo>
-                  <a:cubicBezTo>
-                    <a:pt x="85" y="22"/>
-                    <a:pt x="43" y="47"/>
-                    <a:pt x="0" y="74"/>
-                  </a:cubicBezTo>
-                </a:path>
-              </a:pathLst>
-            </a:custGeom>
-            <a:noFill/>
-            <a:ln w="9525" cap="flat">
-              <a:solidFill>
-                <a:schemeClr val="tx1">
-                  <a:alpha val="20000"/>
-                </a:schemeClr>
-              </a:solidFill>
-              <a:prstDash val="dash"/>
-              <a:miter lim="800000"/>
-              <a:headEnd/>
-              <a:tailEnd/>
-            </a:ln>
-            <a:extLst>
-              <a:ext uri="{909E8E84-426E-40DD-AFC4-6F175D3DCCD1}">
-                <a14:hiddenFill xmlns:a14="http://schemas.microsoft.com/office/drawing/2010/main">
-                  <a:solidFill>
-                    <a:srgbClr val="FFFFFF"/>
-                  </a:solidFill>
-                </a14:hiddenFill>
-              </a:ext>
-            </a:extLst>
-          </p:spPr>
-        </p:sp>
-        <p:sp>
-          <p:nvSpPr>
-            <p:cNvPr id="23" name="Freeform 15">
-              <a:extLst>
-                <a:ext uri="{FF2B5EF4-FFF2-40B4-BE49-F238E27FC236}">
-                  <a16:creationId xmlns:a16="http://schemas.microsoft.com/office/drawing/2014/main" id="{C60973D3-0B9D-465C-8FD3-266BBA49EDD0}"/>
-                </a:ext>
-                <a:ext uri="{C183D7F6-B498-43B3-948B-1728B52AA6E4}">
-                  <adec:decorative xmlns:adec="http://schemas.microsoft.com/office/drawing/2017/decorative" val="1"/>
-                </a:ext>
-              </a:extLst>
-            </p:cNvPr>
-            <p:cNvSpPr/>
-            <p:nvPr>
-              <p:extLst>
-                <p:ext uri="{386F3935-93C4-4BCD-93E2-E3B085C9AB24}">
-                  <p16:designElem xmlns:p16="http://schemas.microsoft.com/office/powerpoint/2015/main" val="1"/>
-                </p:ext>
-              </p:extLst>
-            </p:nvPr>
-          </p:nvSpPr>
-          <p:spPr bwMode="auto">
-            <a:xfrm>
-              <a:off x="6012389" y="5579"/>
-              <a:ext cx="5497513" cy="6866337"/>
-            </a:xfrm>
-            <a:custGeom>
-              <a:avLst/>
-              <a:gdLst/>
-              <a:ahLst/>
-              <a:cxnLst/>
-              <a:rect l="0" t="0" r="r" b="b"/>
-              <a:pathLst>
-                <a:path w="1155" h="1440">
-                  <a:moveTo>
-                    <a:pt x="1056" y="1440"/>
-                  </a:moveTo>
-                  <a:cubicBezTo>
-                    <a:pt x="1155" y="1123"/>
-                    <a:pt x="875" y="801"/>
-                    <a:pt x="686" y="580"/>
-                  </a:cubicBezTo>
-                  <a:cubicBezTo>
-                    <a:pt x="491" y="352"/>
-                    <a:pt x="264" y="145"/>
-                    <a:pt x="0" y="0"/>
-                  </a:cubicBezTo>
-                </a:path>
-              </a:pathLst>
-            </a:custGeom>
-            <a:noFill/>
-            <a:ln w="12700" cap="flat">
-              <a:solidFill>
-                <a:schemeClr val="tx1">
-                  <a:alpha val="20000"/>
-                </a:schemeClr>
-              </a:solidFill>
-              <a:prstDash val="dashDot"/>
-              <a:miter lim="800000"/>
-              <a:headEnd/>
-              <a:tailEnd/>
-            </a:ln>
-            <a:extLst>
-              <a:ext uri="{909E8E84-426E-40DD-AFC4-6F175D3DCCD1}">
-                <a14:hiddenFill xmlns:a14="http://schemas.microsoft.com/office/drawing/2010/main">
-                  <a:solidFill>
-                    <a:srgbClr val="FFFFFF"/>
-                  </a:solidFill>
-                </a14:hiddenFill>
-              </a:ext>
-            </a:extLst>
-          </p:spPr>
-        </p:sp>
-        <p:sp>
-          <p:nvSpPr>
-            <p:cNvPr id="24" name="Freeform 16">
-              <a:extLst>
-                <a:ext uri="{FF2B5EF4-FFF2-40B4-BE49-F238E27FC236}">
-                  <a16:creationId xmlns:a16="http://schemas.microsoft.com/office/drawing/2014/main" id="{C6655AC3-A1D6-4A0B-861F-F94CB5F0D1A2}"/>
-                </a:ext>
-                <a:ext uri="{C183D7F6-B498-43B3-948B-1728B52AA6E4}">
-                  <adec:decorative xmlns:adec="http://schemas.microsoft.com/office/drawing/2017/decorative" val="1"/>
-                </a:ext>
-              </a:extLst>
-            </p:cNvPr>
-            <p:cNvSpPr/>
-            <p:nvPr>
-              <p:extLst>
-                <p:ext uri="{386F3935-93C4-4BCD-93E2-E3B085C9AB24}">
-                  <p16:designElem xmlns:p16="http://schemas.microsoft.com/office/powerpoint/2015/main" val="1"/>
-                </p:ext>
-              </p:extLst>
-            </p:nvPr>
-          </p:nvSpPr>
-          <p:spPr bwMode="auto">
-            <a:xfrm>
-              <a:off x="-1061" y="5579"/>
-              <a:ext cx="357188" cy="213875"/>
-            </a:xfrm>
-            <a:custGeom>
-              <a:avLst/>
-              <a:gdLst/>
-              <a:ahLst/>
-              <a:cxnLst/>
-              <a:rect l="0" t="0" r="r" b="b"/>
-              <a:pathLst>
-                <a:path w="75" h="45">
-                  <a:moveTo>
-                    <a:pt x="75" y="0"/>
-                  </a:moveTo>
-                  <a:cubicBezTo>
-                    <a:pt x="50" y="14"/>
-                    <a:pt x="25" y="29"/>
-                    <a:pt x="0" y="45"/>
-                  </a:cubicBezTo>
-                </a:path>
-              </a:pathLst>
-            </a:custGeom>
-            <a:noFill/>
-            <a:ln w="12700" cap="flat">
-              <a:solidFill>
-                <a:schemeClr val="tx1">
-                  <a:alpha val="20000"/>
-                </a:schemeClr>
-              </a:solidFill>
-              <a:prstDash val="dashDot"/>
-              <a:miter lim="800000"/>
-              <a:headEnd/>
-              <a:tailEnd/>
-            </a:ln>
-            <a:extLst>
-              <a:ext uri="{909E8E84-426E-40DD-AFC4-6F175D3DCCD1}">
-                <a14:hiddenFill xmlns:a14="http://schemas.microsoft.com/office/drawing/2010/main">
-                  <a:solidFill>
-                    <a:srgbClr val="FFFFFF"/>
-                  </a:solidFill>
-                </a14:hiddenFill>
-              </a:ext>
-            </a:extLst>
-          </p:spPr>
-        </p:sp>
-        <p:sp>
-          <p:nvSpPr>
-            <p:cNvPr id="25" name="Freeform 17">
-              <a:extLst>
-                <a:ext uri="{FF2B5EF4-FFF2-40B4-BE49-F238E27FC236}">
-                  <a16:creationId xmlns:a16="http://schemas.microsoft.com/office/drawing/2014/main" id="{E8850C4A-AFA5-499E-8E1C-176A59C88B0E}"/>
-                </a:ext>
-                <a:ext uri="{C183D7F6-B498-43B3-948B-1728B52AA6E4}">
-                  <adec:decorative xmlns:adec="http://schemas.microsoft.com/office/drawing/2017/decorative" val="1"/>
-                </a:ext>
-              </a:extLst>
-            </p:cNvPr>
-            <p:cNvSpPr/>
-            <p:nvPr>
-              <p:extLst>
-                <p:ext uri="{386F3935-93C4-4BCD-93E2-E3B085C9AB24}">
-                  <p16:designElem xmlns:p16="http://schemas.microsoft.com/office/powerpoint/2015/main" val="1"/>
-                </p:ext>
-              </p:extLst>
-            </p:nvPr>
-          </p:nvSpPr>
-          <p:spPr bwMode="auto">
-            <a:xfrm>
-              <a:off x="6210826" y="790"/>
-              <a:ext cx="5522913" cy="6871126"/>
-            </a:xfrm>
-            <a:custGeom>
-              <a:avLst/>
-              <a:gdLst/>
-              <a:ahLst/>
-              <a:cxnLst/>
-              <a:rect l="0" t="0" r="r" b="b"/>
-              <a:pathLst>
-                <a:path w="1160" h="1441">
-                  <a:moveTo>
-                    <a:pt x="1053" y="1441"/>
-                  </a:moveTo>
-                  <a:cubicBezTo>
-                    <a:pt x="1160" y="1129"/>
-                    <a:pt x="892" y="817"/>
-                    <a:pt x="705" y="599"/>
-                  </a:cubicBezTo>
-                  <a:cubicBezTo>
-                    <a:pt x="503" y="365"/>
-                    <a:pt x="270" y="152"/>
-                    <a:pt x="0" y="0"/>
-                  </a:cubicBezTo>
-                </a:path>
-              </a:pathLst>
-            </a:custGeom>
-            <a:noFill/>
-            <a:ln w="9525" cap="flat">
-              <a:solidFill>
-                <a:schemeClr val="tx1">
-                  <a:alpha val="20000"/>
-                </a:schemeClr>
-              </a:solidFill>
-              <a:prstDash val="solid"/>
-              <a:miter lim="800000"/>
-              <a:headEnd/>
-              <a:tailEnd/>
-            </a:ln>
-            <a:extLst>
-              <a:ext uri="{909E8E84-426E-40DD-AFC4-6F175D3DCCD1}">
-                <a14:hiddenFill xmlns:a14="http://schemas.microsoft.com/office/drawing/2010/main">
-                  <a:solidFill>
-                    <a:srgbClr val="FFFFFF"/>
-                  </a:solidFill>
-                </a14:hiddenFill>
-              </a:ext>
-            </a:extLst>
-          </p:spPr>
-        </p:sp>
-        <p:sp>
-          <p:nvSpPr>
-            <p:cNvPr id="26" name="Freeform 18">
-              <a:extLst>
-                <a:ext uri="{FF2B5EF4-FFF2-40B4-BE49-F238E27FC236}">
-                  <a16:creationId xmlns:a16="http://schemas.microsoft.com/office/drawing/2014/main" id="{8C06F8D4-97B5-4836-AD19-2151421B0315}"/>
-                </a:ext>
-                <a:ext uri="{C183D7F6-B498-43B3-948B-1728B52AA6E4}">
-                  <adec:decorative xmlns:adec="http://schemas.microsoft.com/office/drawing/2017/decorative" val="1"/>
-                </a:ext>
-              </a:extLst>
-            </p:cNvPr>
-            <p:cNvSpPr/>
-            <p:nvPr>
-              <p:extLst>
-                <p:ext uri="{386F3935-93C4-4BCD-93E2-E3B085C9AB24}">
-                  <p16:designElem xmlns:p16="http://schemas.microsoft.com/office/powerpoint/2015/main" val="1"/>
-                </p:ext>
-              </p:extLst>
-            </p:nvPr>
-          </p:nvSpPr>
-          <p:spPr bwMode="auto">
-            <a:xfrm>
-              <a:off x="6463239" y="5579"/>
-              <a:ext cx="5413375" cy="6866337"/>
-            </a:xfrm>
-            <a:custGeom>
-              <a:avLst/>
-              <a:gdLst/>
-              <a:ahLst/>
-              <a:cxnLst/>
-              <a:rect l="0" t="0" r="r" b="b"/>
-              <a:pathLst>
-                <a:path w="1137" h="1440">
-                  <a:moveTo>
-                    <a:pt x="1040" y="1440"/>
-                  </a:moveTo>
-                  <a:cubicBezTo>
-                    <a:pt x="1137" y="1131"/>
-                    <a:pt x="883" y="828"/>
-                    <a:pt x="698" y="611"/>
-                  </a:cubicBezTo>
-                  <a:cubicBezTo>
-                    <a:pt x="498" y="375"/>
-                    <a:pt x="268" y="159"/>
-                    <a:pt x="0" y="0"/>
-                  </a:cubicBezTo>
-                </a:path>
-              </a:pathLst>
-            </a:custGeom>
-            <a:noFill/>
-            <a:ln w="9525" cap="flat">
-              <a:solidFill>
-                <a:schemeClr val="tx1">
-                  <a:alpha val="20000"/>
-                </a:schemeClr>
-              </a:solidFill>
-              <a:prstDash val="solid"/>
-              <a:miter lim="800000"/>
-              <a:headEnd/>
-              <a:tailEnd/>
-            </a:ln>
-            <a:extLst>
-              <a:ext uri="{909E8E84-426E-40DD-AFC4-6F175D3DCCD1}">
-                <a14:hiddenFill xmlns:a14="http://schemas.microsoft.com/office/drawing/2010/main">
-                  <a:solidFill>
-                    <a:srgbClr val="FFFFFF"/>
-                  </a:solidFill>
-                </a14:hiddenFill>
-              </a:ext>
-            </a:extLst>
-          </p:spPr>
-        </p:sp>
-        <p:sp>
-          <p:nvSpPr>
-            <p:cNvPr id="27" name="Freeform 19">
-              <a:extLst>
-                <a:ext uri="{FF2B5EF4-FFF2-40B4-BE49-F238E27FC236}">
-                  <a16:creationId xmlns:a16="http://schemas.microsoft.com/office/drawing/2014/main" id="{89A2942D-1C1B-4AFF-9818-DA7B73EA4887}"/>
-                </a:ext>
-                <a:ext uri="{C183D7F6-B498-43B3-948B-1728B52AA6E4}">
-                  <adec:decorative xmlns:adec="http://schemas.microsoft.com/office/drawing/2017/decorative" val="1"/>
-                </a:ext>
-              </a:extLst>
-            </p:cNvPr>
-            <p:cNvSpPr/>
-            <p:nvPr>
-              <p:extLst>
-                <p:ext uri="{386F3935-93C4-4BCD-93E2-E3B085C9AB24}">
-                  <p16:designElem xmlns:p16="http://schemas.microsoft.com/office/powerpoint/2015/main" val="1"/>
-                </p:ext>
-              </p:extLst>
-            </p:nvPr>
-          </p:nvSpPr>
-          <p:spPr bwMode="auto">
-            <a:xfrm>
-              <a:off x="6877576" y="5579"/>
-              <a:ext cx="5037138" cy="6861550"/>
-            </a:xfrm>
-            <a:custGeom>
-              <a:avLst/>
-              <a:gdLst/>
-              <a:ahLst/>
-              <a:cxnLst/>
-              <a:rect l="0" t="0" r="r" b="b"/>
-              <a:pathLst>
-                <a:path w="1058" h="1439">
-                  <a:moveTo>
-                    <a:pt x="1011" y="1439"/>
-                  </a:moveTo>
-                  <a:cubicBezTo>
-                    <a:pt x="1058" y="1131"/>
-                    <a:pt x="825" y="841"/>
-                    <a:pt x="648" y="617"/>
-                  </a:cubicBezTo>
-                  <a:cubicBezTo>
-                    <a:pt x="462" y="383"/>
-                    <a:pt x="248" y="168"/>
-                    <a:pt x="0" y="0"/>
-                  </a:cubicBezTo>
-                </a:path>
-              </a:pathLst>
-            </a:custGeom>
-            <a:noFill/>
-            <a:ln w="9525" cap="flat">
-              <a:solidFill>
-                <a:schemeClr val="tx1">
-                  <a:alpha val="20000"/>
-                </a:schemeClr>
-              </a:solidFill>
-              <a:prstDash val="solid"/>
-              <a:miter lim="800000"/>
-              <a:headEnd/>
-              <a:tailEnd/>
-            </a:ln>
-            <a:extLst>
-              <a:ext uri="{909E8E84-426E-40DD-AFC4-6F175D3DCCD1}">
-                <a14:hiddenFill xmlns:a14="http://schemas.microsoft.com/office/drawing/2010/main">
-                  <a:solidFill>
-                    <a:srgbClr val="FFFFFF"/>
-                  </a:solidFill>
-                </a14:hiddenFill>
-              </a:ext>
-            </a:extLst>
-          </p:spPr>
-        </p:sp>
-        <p:sp>
-          <p:nvSpPr>
-            <p:cNvPr id="28" name="Freeform 20">
-              <a:extLst>
-                <a:ext uri="{FF2B5EF4-FFF2-40B4-BE49-F238E27FC236}">
-                  <a16:creationId xmlns:a16="http://schemas.microsoft.com/office/drawing/2014/main" id="{2B61C5D3-5852-403F-B4BA-A64B93312074}"/>
-                </a:ext>
-                <a:ext uri="{C183D7F6-B498-43B3-948B-1728B52AA6E4}">
-                  <adec:decorative xmlns:adec="http://schemas.microsoft.com/office/drawing/2017/decorative" val="1"/>
-                </a:ext>
-              </a:extLst>
-            </p:cNvPr>
-            <p:cNvSpPr/>
-            <p:nvPr>
-              <p:extLst>
-                <p:ext uri="{386F3935-93C4-4BCD-93E2-E3B085C9AB24}">
-                  <p16:designElem xmlns:p16="http://schemas.microsoft.com/office/powerpoint/2015/main" val="1"/>
-                </p:ext>
-              </p:extLst>
-            </p:nvPr>
-          </p:nvSpPr>
-          <p:spPr bwMode="auto">
-            <a:xfrm>
-              <a:off x="8768289" y="5579"/>
-              <a:ext cx="3417888" cy="2742066"/>
-            </a:xfrm>
-            <a:custGeom>
-              <a:avLst/>
-              <a:gdLst/>
-              <a:ahLst/>
-              <a:cxnLst/>
-              <a:rect l="0" t="0" r="r" b="b"/>
-              <a:pathLst>
-                <a:path w="718" h="575">
-                  <a:moveTo>
-                    <a:pt x="718" y="575"/>
-                  </a:moveTo>
-                  <a:cubicBezTo>
-                    <a:pt x="500" y="360"/>
-                    <a:pt x="260" y="163"/>
-                    <a:pt x="0" y="0"/>
-                  </a:cubicBezTo>
-                </a:path>
-              </a:pathLst>
-            </a:custGeom>
-            <a:noFill/>
-            <a:ln w="9525" cap="flat">
-              <a:solidFill>
-                <a:schemeClr val="tx1">
-                  <a:alpha val="20000"/>
-                </a:schemeClr>
-              </a:solidFill>
-              <a:prstDash val="solid"/>
-              <a:miter lim="800000"/>
-              <a:headEnd/>
-              <a:tailEnd/>
-            </a:ln>
-            <a:extLst>
-              <a:ext uri="{909E8E84-426E-40DD-AFC4-6F175D3DCCD1}">
-                <a14:hiddenFill xmlns:a14="http://schemas.microsoft.com/office/drawing/2010/main">
-                  <a:solidFill>
-                    <a:srgbClr val="FFFFFF"/>
-                  </a:solidFill>
-                </a14:hiddenFill>
-              </a:ext>
-            </a:extLst>
-          </p:spPr>
-        </p:sp>
-        <p:sp>
-          <p:nvSpPr>
-            <p:cNvPr id="29" name="Freeform 21">
-              <a:extLst>
-                <a:ext uri="{FF2B5EF4-FFF2-40B4-BE49-F238E27FC236}">
-                  <a16:creationId xmlns:a16="http://schemas.microsoft.com/office/drawing/2014/main" id="{EF62A1A7-26C1-4804-93CB-A07F356CA33F}"/>
-                </a:ext>
-                <a:ext uri="{C183D7F6-B498-43B3-948B-1728B52AA6E4}">
-                  <adec:decorative xmlns:adec="http://schemas.microsoft.com/office/drawing/2017/decorative" val="1"/>
-                </a:ext>
-              </a:extLst>
-            </p:cNvPr>
-            <p:cNvSpPr/>
-            <p:nvPr>
-              <p:extLst>
-                <p:ext uri="{386F3935-93C4-4BCD-93E2-E3B085C9AB24}">
-                  <p16:designElem xmlns:p16="http://schemas.microsoft.com/office/powerpoint/2015/main" val="1"/>
-                </p:ext>
-              </p:extLst>
-            </p:nvPr>
-          </p:nvSpPr>
-          <p:spPr bwMode="auto">
-            <a:xfrm>
-              <a:off x="9235014" y="10367"/>
-              <a:ext cx="2951163" cy="2555325"/>
-            </a:xfrm>
-            <a:custGeom>
-              <a:avLst/>
-              <a:gdLst/>
-              <a:ahLst/>
-              <a:cxnLst/>
-              <a:rect l="0" t="0" r="r" b="b"/>
-              <a:pathLst>
-                <a:path w="620" h="536">
-                  <a:moveTo>
-                    <a:pt x="620" y="536"/>
-                  </a:moveTo>
-                  <a:cubicBezTo>
-                    <a:pt x="404" y="314"/>
-                    <a:pt x="196" y="138"/>
-                    <a:pt x="0" y="0"/>
-                  </a:cubicBezTo>
-                </a:path>
-              </a:pathLst>
-            </a:custGeom>
-            <a:noFill/>
-            <a:ln w="9525" cap="flat">
-              <a:solidFill>
-                <a:schemeClr val="tx1">
-                  <a:alpha val="20000"/>
-                </a:schemeClr>
-              </a:solidFill>
-              <a:prstDash val="solid"/>
-              <a:miter lim="800000"/>
-              <a:headEnd/>
-              <a:tailEnd/>
-            </a:ln>
-            <a:extLst>
-              <a:ext uri="{909E8E84-426E-40DD-AFC4-6F175D3DCCD1}">
-                <a14:hiddenFill xmlns:a14="http://schemas.microsoft.com/office/drawing/2010/main">
-                  <a:solidFill>
-                    <a:srgbClr val="FFFFFF"/>
-                  </a:solidFill>
-                </a14:hiddenFill>
-              </a:ext>
-            </a:extLst>
-          </p:spPr>
-        </p:sp>
-        <p:sp>
-          <p:nvSpPr>
-            <p:cNvPr id="30" name="Freeform 22">
-              <a:extLst>
-                <a:ext uri="{FF2B5EF4-FFF2-40B4-BE49-F238E27FC236}">
-                  <a16:creationId xmlns:a16="http://schemas.microsoft.com/office/drawing/2014/main" id="{490A1082-3E3A-4C61-9613-910BB024AD42}"/>
-                </a:ext>
-                <a:ext uri="{C183D7F6-B498-43B3-948B-1728B52AA6E4}">
-                  <adec:decorative xmlns:adec="http://schemas.microsoft.com/office/drawing/2017/decorative" val="1"/>
-                </a:ext>
-              </a:extLst>
-            </p:cNvPr>
-            <p:cNvSpPr/>
-            <p:nvPr>
-              <p:extLst>
-                <p:ext uri="{386F3935-93C4-4BCD-93E2-E3B085C9AB24}">
-                  <p16:designElem xmlns:p16="http://schemas.microsoft.com/office/powerpoint/2015/main" val="1"/>
-                </p:ext>
-              </p:extLst>
-            </p:nvPr>
-          </p:nvSpPr>
-          <p:spPr bwMode="auto">
-            <a:xfrm>
-              <a:off x="10020826" y="5579"/>
-              <a:ext cx="2165350" cy="1358265"/>
-            </a:xfrm>
-            <a:custGeom>
-              <a:avLst/>
-              <a:gdLst/>
-              <a:ahLst/>
-              <a:cxnLst/>
-              <a:rect l="0" t="0" r="r" b="b"/>
-              <a:pathLst>
-                <a:path w="455" h="285">
-                  <a:moveTo>
-                    <a:pt x="0" y="0"/>
-                  </a:moveTo>
-                  <a:cubicBezTo>
-                    <a:pt x="153" y="85"/>
-                    <a:pt x="308" y="180"/>
-                    <a:pt x="455" y="285"/>
-                  </a:cubicBezTo>
-                </a:path>
-              </a:pathLst>
-            </a:custGeom>
-            <a:noFill/>
-            <a:ln w="9525" cap="flat">
-              <a:solidFill>
-                <a:schemeClr val="tx1">
-                  <a:alpha val="20000"/>
-                </a:schemeClr>
-              </a:solidFill>
-              <a:prstDash val="dash"/>
-              <a:miter lim="800000"/>
-              <a:headEnd/>
-              <a:tailEnd/>
-            </a:ln>
-            <a:extLst>
-              <a:ext uri="{909E8E84-426E-40DD-AFC4-6F175D3DCCD1}">
-                <a14:hiddenFill xmlns:a14="http://schemas.microsoft.com/office/drawing/2010/main">
-                  <a:solidFill>
-                    <a:srgbClr val="FFFFFF"/>
-                  </a:solidFill>
-                </a14:hiddenFill>
-              </a:ext>
-            </a:extLst>
-          </p:spPr>
-        </p:sp>
-        <p:sp>
-          <p:nvSpPr>
-            <p:cNvPr id="31" name="Freeform 23">
-              <a:extLst>
-                <a:ext uri="{FF2B5EF4-FFF2-40B4-BE49-F238E27FC236}">
-                  <a16:creationId xmlns:a16="http://schemas.microsoft.com/office/drawing/2014/main" id="{5F452D69-A1DB-4A06-B933-896AED8619DF}"/>
-                </a:ext>
-                <a:ext uri="{C183D7F6-B498-43B3-948B-1728B52AA6E4}">
-                  <adec:decorative xmlns:adec="http://schemas.microsoft.com/office/drawing/2017/decorative" val="1"/>
-                </a:ext>
-              </a:extLst>
-            </p:cNvPr>
-            <p:cNvSpPr/>
-            <p:nvPr>
-              <p:extLst>
-                <p:ext uri="{386F3935-93C4-4BCD-93E2-E3B085C9AB24}">
-                  <p16:designElem xmlns:p16="http://schemas.microsoft.com/office/powerpoint/2015/main" val="1"/>
-                </p:ext>
-              </p:extLst>
-            </p:nvPr>
-          </p:nvSpPr>
-          <p:spPr bwMode="auto">
-            <a:xfrm>
-              <a:off x="11290826" y="5579"/>
-              <a:ext cx="895350" cy="534687"/>
-            </a:xfrm>
-            <a:custGeom>
-              <a:avLst/>
-              <a:gdLst/>
-              <a:ahLst/>
-              <a:cxnLst/>
-              <a:rect l="0" t="0" r="r" b="b"/>
-              <a:pathLst>
-                <a:path w="188" h="112">
-                  <a:moveTo>
-                    <a:pt x="0" y="0"/>
-                  </a:moveTo>
-                  <a:cubicBezTo>
-                    <a:pt x="63" y="36"/>
-                    <a:pt x="126" y="73"/>
-                    <a:pt x="188" y="112"/>
-                  </a:cubicBezTo>
-                </a:path>
-              </a:pathLst>
-            </a:custGeom>
-            <a:noFill/>
-            <a:ln w="9525" cap="flat">
-              <a:solidFill>
-                <a:schemeClr val="tx1">
-                  <a:alpha val="20000"/>
-                </a:schemeClr>
-              </a:solidFill>
-              <a:prstDash val="solid"/>
-              <a:miter lim="800000"/>
-              <a:headEnd/>
-              <a:tailEnd/>
-            </a:ln>
-            <a:extLst>
-              <a:ext uri="{909E8E84-426E-40DD-AFC4-6F175D3DCCD1}">
-                <a14:hiddenFill xmlns:a14="http://schemas.microsoft.com/office/drawing/2010/main">
-                  <a:solidFill>
-                    <a:srgbClr val="FFFFFF"/>
-                  </a:solidFill>
-                </a14:hiddenFill>
-              </a:ext>
-            </a:extLst>
-          </p:spPr>
-        </p:sp>
-      </p:grpSp>
-      <p:grpSp>
-        <p:nvGrpSpPr>
-          <p:cNvPr id="33" name="Group 32">
-            <a:extLst>
-              <a:ext uri="{FF2B5EF4-FFF2-40B4-BE49-F238E27FC236}">
-                <a16:creationId xmlns:a16="http://schemas.microsoft.com/office/drawing/2014/main" id="{445D6626-A6F2-4475-922C-BE42D3365F27}"/>
-              </a:ext>
-              <a:ext uri="{C183D7F6-B498-43B3-948B-1728B52AA6E4}">
-                <adec:decorative xmlns:adec="http://schemas.microsoft.com/office/drawing/2017/decorative" val="1"/>
-              </a:ext>
-            </a:extLst>
-          </p:cNvPr>
-          <p:cNvGrpSpPr>
-            <a:grpSpLocks noGrp="1" noUngrp="1" noRot="1" noChangeAspect="1" noMove="1" noResize="1"/>
-          </p:cNvGrpSpPr>
-          <p:nvPr>
-            <p:extLst>
-              <p:ext uri="{386F3935-93C4-4BCD-93E2-E3B085C9AB24}">
-                <p16:designElem xmlns:p16="http://schemas.microsoft.com/office/powerpoint/2015/main" val="1"/>
-              </p:ext>
-            </p:extLst>
-          </p:nvPr>
-        </p:nvGrpSpPr>
-        <p:grpSpPr>
-          <a:xfrm>
-            <a:off x="1669293" y="1186483"/>
-            <a:ext cx="8848345" cy="4477933"/>
-            <a:chOff x="1669293" y="1186483"/>
-            <a:chExt cx="8848345" cy="4477933"/>
-          </a:xfrm>
-        </p:grpSpPr>
-        <p:sp>
-          <p:nvSpPr>
-            <p:cNvPr id="34" name="Rectangle 33">
-              <a:extLst>
-                <a:ext uri="{FF2B5EF4-FFF2-40B4-BE49-F238E27FC236}">
-                  <a16:creationId xmlns:a16="http://schemas.microsoft.com/office/drawing/2014/main" id="{0ECFEB13-5D98-43DB-8DFF-78327AE1384F}"/>
-                </a:ext>
-                <a:ext uri="{C183D7F6-B498-43B3-948B-1728B52AA6E4}">
-                  <adec:decorative xmlns:adec="http://schemas.microsoft.com/office/drawing/2017/decorative" val="1"/>
-                </a:ext>
-              </a:extLst>
-            </p:cNvPr>
-            <p:cNvSpPr/>
-            <p:nvPr>
-              <p:extLst>
-                <p:ext uri="{386F3935-93C4-4BCD-93E2-E3B085C9AB24}">
-                  <p16:designElem xmlns:p16="http://schemas.microsoft.com/office/powerpoint/2015/main" val="1"/>
-                </p:ext>
-              </p:extLst>
-            </p:nvPr>
-          </p:nvSpPr>
-          <p:spPr>
-            <a:xfrm>
-              <a:off x="1674042" y="1186483"/>
-              <a:ext cx="8843596" cy="716184"/>
-            </a:xfrm>
-            <a:prstGeom prst="rect">
-              <a:avLst/>
-            </a:prstGeom>
-            <a:solidFill>
-              <a:schemeClr val="accent1"/>
-            </a:solidFill>
-            <a:ln>
-              <a:noFill/>
-            </a:ln>
-          </p:spPr>
-          <p:style>
-            <a:lnRef idx="2">
-              <a:schemeClr val="accent1">
-                <a:shade val="50000"/>
-              </a:schemeClr>
-            </a:lnRef>
-            <a:fillRef idx="1">
-              <a:schemeClr val="accent1"/>
-            </a:fillRef>
-            <a:effectRef idx="0">
-              <a:schemeClr val="accent1"/>
-            </a:effectRef>
-            <a:fontRef idx="minor">
-              <a:schemeClr val="lt1"/>
-            </a:fontRef>
-          </p:style>
-        </p:sp>
-        <p:sp>
-          <p:nvSpPr>
-            <p:cNvPr id="35" name="Isosceles Triangle 34">
-              <a:extLst>
-                <a:ext uri="{FF2B5EF4-FFF2-40B4-BE49-F238E27FC236}">
-                  <a16:creationId xmlns:a16="http://schemas.microsoft.com/office/drawing/2014/main" id="{29DA4AFD-8D10-4660-A842-40F4D14347E1}"/>
-                </a:ext>
-                <a:ext uri="{C183D7F6-B498-43B3-948B-1728B52AA6E4}">
-                  <adec:decorative xmlns:adec="http://schemas.microsoft.com/office/drawing/2017/decorative" val="1"/>
-                </a:ext>
-              </a:extLst>
-            </p:cNvPr>
-            <p:cNvSpPr/>
-            <p:nvPr>
-              <p:extLst>
-                <p:ext uri="{386F3935-93C4-4BCD-93E2-E3B085C9AB24}">
-                  <p16:designElem xmlns:p16="http://schemas.microsoft.com/office/powerpoint/2015/main" val="1"/>
-                </p:ext>
-              </p:extLst>
-            </p:nvPr>
-          </p:nvSpPr>
-          <p:spPr>
-            <a:xfrm rot="10800000">
-              <a:off x="5892384" y="5313353"/>
-              <a:ext cx="407233" cy="351063"/>
-            </a:xfrm>
-            <a:prstGeom prst="triangle">
-              <a:avLst/>
-            </a:prstGeom>
-            <a:solidFill>
-              <a:schemeClr val="accent1"/>
-            </a:solidFill>
-            <a:ln>
-              <a:noFill/>
-            </a:ln>
-          </p:spPr>
-          <p:style>
-            <a:lnRef idx="2">
-              <a:schemeClr val="accent1">
-                <a:shade val="50000"/>
-              </a:schemeClr>
-            </a:lnRef>
-            <a:fillRef idx="1">
-              <a:schemeClr val="accent1"/>
-            </a:fillRef>
-            <a:effectRef idx="0">
-              <a:schemeClr val="accent1"/>
-            </a:effectRef>
-            <a:fontRef idx="minor">
-              <a:schemeClr val="lt1"/>
-            </a:fontRef>
-          </p:style>
-        </p:sp>
-        <p:sp>
-          <p:nvSpPr>
-            <p:cNvPr id="36" name="Rectangle 35">
-              <a:extLst>
-                <a:ext uri="{FF2B5EF4-FFF2-40B4-BE49-F238E27FC236}">
-                  <a16:creationId xmlns:a16="http://schemas.microsoft.com/office/drawing/2014/main" id="{F2DBAFF0-48F5-43BB-87C6-CE56A16B633B}"/>
-                </a:ext>
-                <a:ext uri="{C183D7F6-B498-43B3-948B-1728B52AA6E4}">
-                  <adec:decorative xmlns:adec="http://schemas.microsoft.com/office/drawing/2017/decorative" val="1"/>
-                </a:ext>
-              </a:extLst>
-            </p:cNvPr>
-            <p:cNvSpPr/>
-            <p:nvPr>
-              <p:extLst>
-                <p:ext uri="{386F3935-93C4-4BCD-93E2-E3B085C9AB24}">
-                  <p16:designElem xmlns:p16="http://schemas.microsoft.com/office/powerpoint/2015/main" val="1"/>
-                </p:ext>
-              </p:extLst>
-            </p:nvPr>
-          </p:nvSpPr>
-          <p:spPr>
-            <a:xfrm>
-              <a:off x="1669293" y="1991156"/>
-              <a:ext cx="8845667" cy="3322196"/>
-            </a:xfrm>
-            <a:prstGeom prst="rect">
-              <a:avLst/>
-            </a:prstGeom>
-            <a:solidFill>
-              <a:schemeClr val="accent1"/>
-            </a:solidFill>
-            <a:ln>
-              <a:noFill/>
-            </a:ln>
-          </p:spPr>
-          <p:style>
-            <a:lnRef idx="2">
-              <a:schemeClr val="accent1">
-                <a:shade val="50000"/>
-              </a:schemeClr>
-            </a:lnRef>
-            <a:fillRef idx="1">
-              <a:schemeClr val="accent1"/>
-            </a:fillRef>
-            <a:effectRef idx="0">
-              <a:schemeClr val="accent1"/>
-            </a:effectRef>
-            <a:fontRef idx="minor">
-              <a:schemeClr val="lt1"/>
-            </a:fontRef>
-          </p:style>
-        </p:sp>
-      </p:grpSp>
-      <p:sp>
-        <p:nvSpPr>
-          <p:cNvPr id="38" name="Rectangle 37">
-            <a:extLst>
-              <a:ext uri="{FF2B5EF4-FFF2-40B4-BE49-F238E27FC236}">
-                <a16:creationId xmlns:a16="http://schemas.microsoft.com/office/drawing/2014/main" id="{A3BAF07C-C39E-42EB-BB22-8D46691D9735}"/>
-              </a:ext>
-              <a:ext uri="{C183D7F6-B498-43B3-948B-1728B52AA6E4}">
-                <adec:decorative xmlns:adec="http://schemas.microsoft.com/office/drawing/2017/decorative" val="1"/>
-              </a:ext>
-            </a:extLst>
-          </p:cNvPr>
-          <p:cNvSpPr>
-            <a:spLocks noGrp="1" noRot="1" noChangeAspect="1" noMove="1" noResize="1" noEditPoints="1" noAdjustHandles="1" noChangeArrowheads="1" noChangeShapeType="1" noTextEdit="1"/>
-          </p:cNvSpPr>
-          <p:nvPr>
-            <p:extLst>
-              <p:ext uri="{386F3935-93C4-4BCD-93E2-E3B085C9AB24}">
-                <p16:designElem xmlns:p16="http://schemas.microsoft.com/office/powerpoint/2015/main" val="1"/>
-              </p:ext>
-            </p:extLst>
-          </p:nvPr>
-        </p:nvSpPr>
-        <p:spPr>
-          <a:xfrm>
-            <a:off x="-1" y="-1"/>
-            <a:ext cx="12193061" cy="6869209"/>
-          </a:xfrm>
-          <a:prstGeom prst="rect">
-            <a:avLst/>
-          </a:prstGeom>
-          <a:solidFill>
-            <a:schemeClr val="tx2"/>
-          </a:solidFill>
-          <a:ln>
-            <a:noFill/>
-          </a:ln>
-        </p:spPr>
-        <p:style>
-          <a:lnRef idx="2">
-            <a:schemeClr val="accent1">
-              <a:shade val="50000"/>
-            </a:schemeClr>
-          </a:lnRef>
-          <a:fillRef idx="1">
-            <a:schemeClr val="accent1"/>
-          </a:fillRef>
-          <a:effectRef idx="0">
-            <a:schemeClr val="accent1"/>
-          </a:effectRef>
-          <a:fontRef idx="minor">
-            <a:schemeClr val="lt1"/>
-          </a:fontRef>
-        </p:style>
-        <p:txBody>
-          <a:bodyPr rtlCol="0" anchor="ctr"/>
-          <a:lstStyle/>
-          <a:p>
-            <a:pPr algn="ctr"/>
-            <a:endParaRPr lang="en-US"/>
-          </a:p>
-        </p:txBody>
-      </p:sp>
-      <p:grpSp>
-        <p:nvGrpSpPr>
-          <p:cNvPr id="40" name="Group 39">
-            <a:extLst>
-              <a:ext uri="{FF2B5EF4-FFF2-40B4-BE49-F238E27FC236}">
-                <a16:creationId xmlns:a16="http://schemas.microsoft.com/office/drawing/2014/main" id="{D8E9CF54-0466-4261-9E62-0249E60E1886}"/>
-              </a:ext>
-              <a:ext uri="{C183D7F6-B498-43B3-948B-1728B52AA6E4}">
-                <adec:decorative xmlns:adec="http://schemas.microsoft.com/office/drawing/2017/decorative" val="1"/>
-              </a:ext>
-            </a:extLst>
-          </p:cNvPr>
-          <p:cNvGrpSpPr>
-            <a:grpSpLocks noGrp="1" noUngrp="1" noRot="1" noChangeAspect="1" noMove="1" noResize="1"/>
-          </p:cNvGrpSpPr>
-          <p:nvPr>
-            <p:extLst>
-              <p:ext uri="{386F3935-93C4-4BCD-93E2-E3B085C9AB24}">
-                <p16:designElem xmlns:p16="http://schemas.microsoft.com/office/powerpoint/2015/main" val="1"/>
-              </p:ext>
-            </p:extLst>
-          </p:nvPr>
-        </p:nvGrpSpPr>
-        <p:grpSpPr>
-          <a:xfrm>
-            <a:off x="-329674" y="-59376"/>
-            <a:ext cx="12515851" cy="6923798"/>
-            <a:chOff x="-329674" y="-51881"/>
-            <a:chExt cx="12515851" cy="6923798"/>
-          </a:xfrm>
-        </p:grpSpPr>
-        <p:sp>
-          <p:nvSpPr>
-            <p:cNvPr id="41" name="Freeform 5">
+            <p:cNvPr id="75" name="Freeform 5">
               <a:extLst>
                 <a:ext uri="{FF2B5EF4-FFF2-40B4-BE49-F238E27FC236}">
                   <a16:creationId xmlns:a16="http://schemas.microsoft.com/office/drawing/2014/main" id="{33E32106-E8B1-4F76-9EE6-58537738A3C4}"/>
@@ -23399,7 +19368,7 @@
             <a:noFill/>
             <a:ln w="9525" cap="flat">
               <a:solidFill>
-                <a:schemeClr val="bg1">
+                <a:schemeClr val="tx1">
                   <a:alpha val="35000"/>
                 </a:schemeClr>
               </a:solidFill>
@@ -23421,7 +19390,7 @@
         </p:sp>
         <p:sp>
           <p:nvSpPr>
-            <p:cNvPr id="42" name="Freeform 6">
+            <p:cNvPr id="76" name="Freeform 6">
               <a:extLst>
                 <a:ext uri="{FF2B5EF4-FFF2-40B4-BE49-F238E27FC236}">
                   <a16:creationId xmlns:a16="http://schemas.microsoft.com/office/drawing/2014/main" id="{C32C2C46-A045-44FB-8A74-5EBD650C2787}"/>
@@ -23482,7 +19451,7 @@
             <a:noFill/>
             <a:ln w="9525" cap="flat">
               <a:solidFill>
-                <a:schemeClr val="bg1">
+                <a:schemeClr val="tx1">
                   <a:alpha val="35000"/>
                 </a:schemeClr>
               </a:solidFill>
@@ -23504,7 +19473,7 @@
         </p:sp>
         <p:sp>
           <p:nvSpPr>
-            <p:cNvPr id="43" name="Freeform 7">
+            <p:cNvPr id="77" name="Freeform 7">
               <a:extLst>
                 <a:ext uri="{FF2B5EF4-FFF2-40B4-BE49-F238E27FC236}">
                   <a16:creationId xmlns:a16="http://schemas.microsoft.com/office/drawing/2014/main" id="{6A76F79C-6683-4940-BCF7-4BCCCEE40688}"/>
@@ -23570,7 +19539,7 @@
             <a:noFill/>
             <a:ln w="9525" cap="flat">
               <a:solidFill>
-                <a:schemeClr val="bg1">
+                <a:schemeClr val="tx1">
                   <a:alpha val="35000"/>
                 </a:schemeClr>
               </a:solidFill>
@@ -23592,7 +19561,7 @@
         </p:sp>
         <p:sp>
           <p:nvSpPr>
-            <p:cNvPr id="44" name="Freeform 8">
+            <p:cNvPr id="78" name="Freeform 8">
               <a:extLst>
                 <a:ext uri="{FF2B5EF4-FFF2-40B4-BE49-F238E27FC236}">
                   <a16:creationId xmlns:a16="http://schemas.microsoft.com/office/drawing/2014/main" id="{FF4675A3-6D07-4B1F-9BFC-AEBEA1AD067D}"/>
@@ -23648,7 +19617,7 @@
             <a:noFill/>
             <a:ln w="9525" cap="flat">
               <a:solidFill>
-                <a:schemeClr val="bg1">
+                <a:schemeClr val="tx1">
                   <a:alpha val="35000"/>
                 </a:schemeClr>
               </a:solidFill>
@@ -23670,7 +19639,7 @@
         </p:sp>
         <p:sp>
           <p:nvSpPr>
-            <p:cNvPr id="45" name="Freeform 9">
+            <p:cNvPr id="79" name="Freeform 9">
               <a:extLst>
                 <a:ext uri="{FF2B5EF4-FFF2-40B4-BE49-F238E27FC236}">
                   <a16:creationId xmlns:a16="http://schemas.microsoft.com/office/drawing/2014/main" id="{765E127A-B6B7-4B1D-B7BD-6C8C969D29C3}"/>
@@ -23716,7 +19685,7 @@
             <a:noFill/>
             <a:ln w="4763" cap="flat">
               <a:solidFill>
-                <a:schemeClr val="bg1">
+                <a:schemeClr val="tx1">
                   <a:alpha val="35000"/>
                 </a:schemeClr>
               </a:solidFill>
@@ -23738,7 +19707,7 @@
         </p:sp>
         <p:sp>
           <p:nvSpPr>
-            <p:cNvPr id="46" name="Freeform 10">
+            <p:cNvPr id="80" name="Freeform 10">
               <a:extLst>
                 <a:ext uri="{FF2B5EF4-FFF2-40B4-BE49-F238E27FC236}">
                   <a16:creationId xmlns:a16="http://schemas.microsoft.com/office/drawing/2014/main" id="{3BCA9D9E-C72C-4751-BFA9-10B85CACE3CA}"/>
@@ -23794,7 +19763,7 @@
             <a:noFill/>
             <a:ln w="9525" cap="flat">
               <a:solidFill>
-                <a:schemeClr val="bg1">
+                <a:schemeClr val="tx1">
                   <a:alpha val="35000"/>
                 </a:schemeClr>
               </a:solidFill>
@@ -23816,7 +19785,7 @@
         </p:sp>
         <p:sp>
           <p:nvSpPr>
-            <p:cNvPr id="47" name="Freeform 11">
+            <p:cNvPr id="81" name="Freeform 11">
               <a:extLst>
                 <a:ext uri="{FF2B5EF4-FFF2-40B4-BE49-F238E27FC236}">
                   <a16:creationId xmlns:a16="http://schemas.microsoft.com/office/drawing/2014/main" id="{080C708C-69BF-441B-AB75-C98160ED06DE}"/>
@@ -23867,7 +19836,7 @@
             <a:noFill/>
             <a:ln w="9525" cap="flat">
               <a:solidFill>
-                <a:schemeClr val="bg1">
+                <a:schemeClr val="tx1">
                   <a:alpha val="35000"/>
                 </a:schemeClr>
               </a:solidFill>
@@ -23889,7 +19858,7 @@
         </p:sp>
         <p:sp>
           <p:nvSpPr>
-            <p:cNvPr id="48" name="Freeform 12">
+            <p:cNvPr id="82" name="Freeform 12">
               <a:extLst>
                 <a:ext uri="{FF2B5EF4-FFF2-40B4-BE49-F238E27FC236}">
                   <a16:creationId xmlns:a16="http://schemas.microsoft.com/office/drawing/2014/main" id="{3E79964E-F8F1-4763-8892-7BC3DAE306E9}"/>
@@ -23935,7 +19904,7 @@
             <a:noFill/>
             <a:ln w="9525" cap="flat">
               <a:solidFill>
-                <a:schemeClr val="bg1">
+                <a:schemeClr val="tx1">
                   <a:alpha val="35000"/>
                 </a:schemeClr>
               </a:solidFill>
@@ -23957,7 +19926,7 @@
         </p:sp>
         <p:sp>
           <p:nvSpPr>
-            <p:cNvPr id="49" name="Freeform 13">
+            <p:cNvPr id="83" name="Freeform 13">
               <a:extLst>
                 <a:ext uri="{FF2B5EF4-FFF2-40B4-BE49-F238E27FC236}">
                   <a16:creationId xmlns:a16="http://schemas.microsoft.com/office/drawing/2014/main" id="{FE09592A-FCC9-4AE5-BA0B-730C6F3BBE95}"/>
@@ -24008,7 +19977,7 @@
             <a:noFill/>
             <a:ln w="9525" cap="flat">
               <a:solidFill>
-                <a:schemeClr val="bg1">
+                <a:schemeClr val="tx1">
                   <a:alpha val="35000"/>
                 </a:schemeClr>
               </a:solidFill>
@@ -24030,7 +19999,7 @@
         </p:sp>
         <p:sp>
           <p:nvSpPr>
-            <p:cNvPr id="50" name="Freeform 14">
+            <p:cNvPr id="84" name="Freeform 14">
               <a:extLst>
                 <a:ext uri="{FF2B5EF4-FFF2-40B4-BE49-F238E27FC236}">
                   <a16:creationId xmlns:a16="http://schemas.microsoft.com/office/drawing/2014/main" id="{96448994-820C-4BC1-ABF3-4579C6F99A63}"/>
@@ -24076,7 +20045,7 @@
             <a:noFill/>
             <a:ln w="9525" cap="flat">
               <a:solidFill>
-                <a:schemeClr val="bg1">
+                <a:schemeClr val="tx1">
                   <a:alpha val="35000"/>
                 </a:schemeClr>
               </a:solidFill>
@@ -24098,7 +20067,7 @@
         </p:sp>
         <p:sp>
           <p:nvSpPr>
-            <p:cNvPr id="51" name="Freeform 15">
+            <p:cNvPr id="85" name="Freeform 15">
               <a:extLst>
                 <a:ext uri="{FF2B5EF4-FFF2-40B4-BE49-F238E27FC236}">
                   <a16:creationId xmlns:a16="http://schemas.microsoft.com/office/drawing/2014/main" id="{9BB0D192-565A-42B9-B292-CC032D71A6A1}"/>
@@ -24149,7 +20118,7 @@
             <a:noFill/>
             <a:ln w="12700" cap="flat">
               <a:solidFill>
-                <a:schemeClr val="bg1">
+                <a:schemeClr val="tx1">
                   <a:alpha val="35000"/>
                 </a:schemeClr>
               </a:solidFill>
@@ -24171,7 +20140,7 @@
         </p:sp>
         <p:sp>
           <p:nvSpPr>
-            <p:cNvPr id="52" name="Freeform 16">
+            <p:cNvPr id="86" name="Freeform 16">
               <a:extLst>
                 <a:ext uri="{FF2B5EF4-FFF2-40B4-BE49-F238E27FC236}">
                   <a16:creationId xmlns:a16="http://schemas.microsoft.com/office/drawing/2014/main" id="{6D1CA09C-5F40-4E92-A7E9-D1FCEE51283D}"/>
@@ -24217,7 +20186,7 @@
             <a:noFill/>
             <a:ln w="12700" cap="flat">
               <a:solidFill>
-                <a:schemeClr val="bg1">
+                <a:schemeClr val="tx1">
                   <a:alpha val="35000"/>
                 </a:schemeClr>
               </a:solidFill>
@@ -24239,7 +20208,7 @@
         </p:sp>
         <p:sp>
           <p:nvSpPr>
-            <p:cNvPr id="53" name="Freeform 17">
+            <p:cNvPr id="87" name="Freeform 17">
               <a:extLst>
                 <a:ext uri="{FF2B5EF4-FFF2-40B4-BE49-F238E27FC236}">
                   <a16:creationId xmlns:a16="http://schemas.microsoft.com/office/drawing/2014/main" id="{379F5AA5-2E14-4880-A5A6-07AEF2AD89DB}"/>
@@ -24290,7 +20259,7 @@
             <a:noFill/>
             <a:ln w="9525" cap="flat">
               <a:solidFill>
-                <a:schemeClr val="bg1">
+                <a:schemeClr val="tx1">
                   <a:alpha val="35000"/>
                 </a:schemeClr>
               </a:solidFill>
@@ -24312,7 +20281,7 @@
         </p:sp>
         <p:sp>
           <p:nvSpPr>
-            <p:cNvPr id="54" name="Freeform 18">
+            <p:cNvPr id="88" name="Freeform 18">
               <a:extLst>
                 <a:ext uri="{FF2B5EF4-FFF2-40B4-BE49-F238E27FC236}">
                   <a16:creationId xmlns:a16="http://schemas.microsoft.com/office/drawing/2014/main" id="{EF14BD32-D239-4DA3-98B3-7752073657CC}"/>
@@ -24363,7 +20332,7 @@
             <a:noFill/>
             <a:ln w="9525" cap="flat">
               <a:solidFill>
-                <a:schemeClr val="bg1">
+                <a:schemeClr val="tx1">
                   <a:alpha val="35000"/>
                 </a:schemeClr>
               </a:solidFill>
@@ -24385,7 +20354,7 @@
         </p:sp>
         <p:sp>
           <p:nvSpPr>
-            <p:cNvPr id="55" name="Freeform 19">
+            <p:cNvPr id="89" name="Freeform 19">
               <a:extLst>
                 <a:ext uri="{FF2B5EF4-FFF2-40B4-BE49-F238E27FC236}">
                   <a16:creationId xmlns:a16="http://schemas.microsoft.com/office/drawing/2014/main" id="{CF07B250-E5E4-4624-9BD7-8D513A67B731}"/>
@@ -24436,7 +20405,7 @@
             <a:noFill/>
             <a:ln w="9525" cap="flat">
               <a:solidFill>
-                <a:schemeClr val="bg1">
+                <a:schemeClr val="tx1">
                   <a:alpha val="35000"/>
                 </a:schemeClr>
               </a:solidFill>
@@ -24458,7 +20427,7 @@
         </p:sp>
         <p:sp>
           <p:nvSpPr>
-            <p:cNvPr id="56" name="Freeform 20">
+            <p:cNvPr id="90" name="Freeform 20">
               <a:extLst>
                 <a:ext uri="{FF2B5EF4-FFF2-40B4-BE49-F238E27FC236}">
                   <a16:creationId xmlns:a16="http://schemas.microsoft.com/office/drawing/2014/main" id="{BCC5D120-7C8C-4290-865C-4EE6E4F245F9}"/>
@@ -24504,7 +20473,7 @@
             <a:noFill/>
             <a:ln w="9525" cap="flat">
               <a:solidFill>
-                <a:schemeClr val="bg1">
+                <a:schemeClr val="tx1">
                   <a:alpha val="35000"/>
                 </a:schemeClr>
               </a:solidFill>
@@ -24526,7 +20495,7 @@
         </p:sp>
         <p:sp>
           <p:nvSpPr>
-            <p:cNvPr id="57" name="Freeform 21">
+            <p:cNvPr id="91" name="Freeform 21">
               <a:extLst>
                 <a:ext uri="{FF2B5EF4-FFF2-40B4-BE49-F238E27FC236}">
                   <a16:creationId xmlns:a16="http://schemas.microsoft.com/office/drawing/2014/main" id="{C24688C6-CAE5-4EF2-B2BA-A138DA0A24B9}"/>
@@ -24572,7 +20541,7 @@
             <a:noFill/>
             <a:ln w="9525" cap="flat">
               <a:solidFill>
-                <a:schemeClr val="bg1">
+                <a:schemeClr val="tx1">
                   <a:alpha val="35000"/>
                 </a:schemeClr>
               </a:solidFill>
@@ -24594,7 +20563,7 @@
         </p:sp>
         <p:sp>
           <p:nvSpPr>
-            <p:cNvPr id="58" name="Freeform 22">
+            <p:cNvPr id="92" name="Freeform 22">
               <a:extLst>
                 <a:ext uri="{FF2B5EF4-FFF2-40B4-BE49-F238E27FC236}">
                   <a16:creationId xmlns:a16="http://schemas.microsoft.com/office/drawing/2014/main" id="{6BD31099-7C13-4901-A04F-632B1CD84627}"/>
@@ -24640,7 +20609,7 @@
             <a:noFill/>
             <a:ln w="9525" cap="flat">
               <a:solidFill>
-                <a:schemeClr val="bg1">
+                <a:schemeClr val="tx1">
                   <a:alpha val="35000"/>
                 </a:schemeClr>
               </a:solidFill>
@@ -24662,7 +20631,7 @@
         </p:sp>
         <p:sp>
           <p:nvSpPr>
-            <p:cNvPr id="59" name="Freeform 23">
+            <p:cNvPr id="93" name="Freeform 23">
               <a:extLst>
                 <a:ext uri="{FF2B5EF4-FFF2-40B4-BE49-F238E27FC236}">
                   <a16:creationId xmlns:a16="http://schemas.microsoft.com/office/drawing/2014/main" id="{679F5FF7-82B2-4033-8FBE-63170C937833}"/>
@@ -24708,7 +20677,7 @@
             <a:noFill/>
             <a:ln w="9525" cap="flat">
               <a:solidFill>
-                <a:schemeClr val="bg1">
+                <a:schemeClr val="tx1">
                   <a:alpha val="35000"/>
                 </a:schemeClr>
               </a:solidFill>
@@ -24734,7 +20703,7 @@
           <p:cNvPr id="2" name="Title 1">
             <a:extLst>
               <a:ext uri="{FF2B5EF4-FFF2-40B4-BE49-F238E27FC236}">
-                <a16:creationId xmlns:a16="http://schemas.microsoft.com/office/drawing/2014/main" id="{8087AB45-BC07-5F4F-8532-CC75FCFA93E0}"/>
+                <a16:creationId xmlns:a16="http://schemas.microsoft.com/office/drawing/2014/main" id="{0053095A-A7A0-D543-BAB8-5AEF96C21ACA}"/>
               </a:ext>
             </a:extLst>
           </p:cNvPr>
@@ -24747,38 +20716,34 @@
         </p:nvSpPr>
         <p:spPr>
           <a:xfrm>
-            <a:off x="1378425" y="5199797"/>
-            <a:ext cx="9435152" cy="789673"/>
+            <a:off x="888630" y="4760132"/>
+            <a:ext cx="5114189" cy="1777829"/>
           </a:xfrm>
         </p:spPr>
         <p:txBody>
-          <a:bodyPr vert="horz" lIns="228600" tIns="228600" rIns="228600" bIns="0" rtlCol="0" anchor="ctr">
+          <a:bodyPr>
             <a:normAutofit/>
           </a:bodyPr>
           <a:lstStyle/>
           <a:p>
-            <a:pPr>
-              <a:lnSpc>
-                <a:spcPct val="80000"/>
-              </a:lnSpc>
-            </a:pPr>
+            <a:pPr algn="r"/>
             <a:r>
               <a:rPr lang="en-US">
                 <a:solidFill>
-                  <a:schemeClr val="bg1"/>
+                  <a:schemeClr val="tx1"/>
                 </a:solidFill>
               </a:rPr>
-              <a:t>Result Validaiton</a:t>
+              <a:t>Motivation</a:t>
             </a:r>
           </a:p>
         </p:txBody>
       </p:sp>
       <p:sp>
         <p:nvSpPr>
-          <p:cNvPr id="61" name="Freeform: Shape 60">
+          <p:cNvPr id="95" name="Freeform: Shape 94">
             <a:extLst>
               <a:ext uri="{FF2B5EF4-FFF2-40B4-BE49-F238E27FC236}">
-                <a16:creationId xmlns:a16="http://schemas.microsoft.com/office/drawing/2014/main" id="{A7795DFA-888F-47E2-B44E-DE1D3B3E46A4}"/>
+                <a16:creationId xmlns:a16="http://schemas.microsoft.com/office/drawing/2014/main" id="{44C110BA-81E8-4247-853A-5F2B93E92E46}"/>
               </a:ext>
               <a:ext uri="{C183D7F6-B498-43B3-948B-1728B52AA6E4}">
                 <adec:decorative xmlns:adec="http://schemas.microsoft.com/office/drawing/2017/decorative" val="1"/>
@@ -24799,37 +20764,33 @@
         <p:spPr>
           <a:xfrm>
             <a:off x="0" y="0"/>
-            <a:ext cx="12192000" cy="5058957"/>
+            <a:ext cx="12192000" cy="4537825"/>
           </a:xfrm>
           <a:custGeom>
             <a:avLst/>
             <a:gdLst>
               <a:gd name="connsiteX0" fmla="*/ 0 w 12192000"/>
-              <a:gd name="connsiteY0" fmla="*/ 0 h 5058957"/>
+              <a:gd name="connsiteY0" fmla="*/ 0 h 4537825"/>
               <a:gd name="connsiteX1" fmla="*/ 12192000 w 12192000"/>
-              <a:gd name="connsiteY1" fmla="*/ 0 h 5058957"/>
+              <a:gd name="connsiteY1" fmla="*/ 0 h 4537825"/>
               <a:gd name="connsiteX2" fmla="*/ 12192000 w 12192000"/>
-              <a:gd name="connsiteY2" fmla="*/ 259692 h 5058957"/>
+              <a:gd name="connsiteY2" fmla="*/ 3020937 h 4537825"/>
               <a:gd name="connsiteX3" fmla="*/ 12192000 w 12192000"/>
-              <a:gd name="connsiteY3" fmla="*/ 3542069 h 5058957"/>
+              <a:gd name="connsiteY3" fmla="*/ 3213062 h 4537825"/>
               <a:gd name="connsiteX4" fmla="*/ 12192000 w 12192000"/>
-              <a:gd name="connsiteY4" fmla="*/ 3734194 h 5058957"/>
-              <a:gd name="connsiteX5" fmla="*/ 12192000 w 12192000"/>
-              <a:gd name="connsiteY5" fmla="*/ 4710012 h 5058957"/>
-              <a:gd name="connsiteX6" fmla="*/ 12113803 w 12192000"/>
-              <a:gd name="connsiteY6" fmla="*/ 4718295 h 5058957"/>
-              <a:gd name="connsiteX7" fmla="*/ 6753597 w 12192000"/>
-              <a:gd name="connsiteY7" fmla="*/ 5041852 h 5058957"/>
-              <a:gd name="connsiteX8" fmla="*/ 400746 w 12192000"/>
-              <a:gd name="connsiteY8" fmla="*/ 4870509 h 5058957"/>
+              <a:gd name="connsiteY4" fmla="*/ 4188880 h 4537825"/>
+              <a:gd name="connsiteX5" fmla="*/ 12113803 w 12192000"/>
+              <a:gd name="connsiteY5" fmla="*/ 4197163 h 4537825"/>
+              <a:gd name="connsiteX6" fmla="*/ 6753597 w 12192000"/>
+              <a:gd name="connsiteY6" fmla="*/ 4520720 h 4537825"/>
+              <a:gd name="connsiteX7" fmla="*/ 400746 w 12192000"/>
+              <a:gd name="connsiteY7" fmla="*/ 4349377 h 4537825"/>
+              <a:gd name="connsiteX8" fmla="*/ 0 w 12192000"/>
+              <a:gd name="connsiteY8" fmla="*/ 4312401 h 4537825"/>
               <a:gd name="connsiteX9" fmla="*/ 0 w 12192000"/>
-              <a:gd name="connsiteY9" fmla="*/ 4833533 h 5058957"/>
+              <a:gd name="connsiteY9" fmla="*/ 3213062 h 4537825"/>
               <a:gd name="connsiteX10" fmla="*/ 0 w 12192000"/>
-              <a:gd name="connsiteY10" fmla="*/ 3734194 h 5058957"/>
-              <a:gd name="connsiteX11" fmla="*/ 0 w 12192000"/>
-              <a:gd name="connsiteY11" fmla="*/ 3542069 h 5058957"/>
-              <a:gd name="connsiteX12" fmla="*/ 0 w 12192000"/>
-              <a:gd name="connsiteY12" fmla="*/ 259692 h 5058957"/>
+              <a:gd name="connsiteY10" fmla="*/ 3020937 h 4537825"/>
             </a:gdLst>
             <a:ahLst/>
             <a:cxnLst>
@@ -24866,16 +20827,10 @@
               <a:cxn ang="0">
                 <a:pos x="connsiteX10" y="connsiteY10"/>
               </a:cxn>
-              <a:cxn ang="0">
-                <a:pos x="connsiteX11" y="connsiteY11"/>
-              </a:cxn>
-              <a:cxn ang="0">
-                <a:pos x="connsiteX12" y="connsiteY12"/>
-              </a:cxn>
             </a:cxnLst>
             <a:rect l="l" t="t" r="r" b="b"/>
             <a:pathLst>
-              <a:path w="12192000" h="5058957">
+              <a:path w="12192000" h="4537825">
                 <a:moveTo>
                   <a:pt x="0" y="0"/>
                 </a:moveTo>
@@ -24883,48 +20838,42 @@
                   <a:pt x="12192000" y="0"/>
                 </a:lnTo>
                 <a:lnTo>
-                  <a:pt x="12192000" y="259692"/>
+                  <a:pt x="12192000" y="3020937"/>
                 </a:lnTo>
                 <a:lnTo>
-                  <a:pt x="12192000" y="3542069"/>
+                  <a:pt x="12192000" y="3213062"/>
                 </a:lnTo>
                 <a:lnTo>
-                  <a:pt x="12192000" y="3734194"/>
+                  <a:pt x="12192000" y="4188880"/>
                 </a:lnTo>
                 <a:lnTo>
-                  <a:pt x="12192000" y="4710012"/>
+                  <a:pt x="12113803" y="4197163"/>
+                </a:lnTo>
+                <a:cubicBezTo>
+                  <a:pt x="10139508" y="4395112"/>
+                  <a:pt x="8237152" y="4488115"/>
+                  <a:pt x="6753597" y="4520720"/>
+                </a:cubicBezTo>
+                <a:cubicBezTo>
+                  <a:pt x="4940362" y="4560569"/>
+                  <a:pt x="2657278" y="4541239"/>
+                  <a:pt x="400746" y="4349377"/>
+                </a:cubicBezTo>
+                <a:lnTo>
+                  <a:pt x="0" y="4312401"/>
                 </a:lnTo>
                 <a:lnTo>
-                  <a:pt x="12113803" y="4718295"/>
-                </a:lnTo>
-                <a:cubicBezTo>
-                  <a:pt x="10139508" y="4916244"/>
-                  <a:pt x="8237152" y="5009247"/>
-                  <a:pt x="6753597" y="5041852"/>
-                </a:cubicBezTo>
-                <a:cubicBezTo>
-                  <a:pt x="4940362" y="5081701"/>
-                  <a:pt x="2657278" y="5062371"/>
-                  <a:pt x="400746" y="4870509"/>
-                </a:cubicBezTo>
-                <a:lnTo>
-                  <a:pt x="0" y="4833533"/>
+                  <a:pt x="0" y="3213062"/>
                 </a:lnTo>
                 <a:lnTo>
-                  <a:pt x="0" y="3734194"/>
-                </a:lnTo>
-                <a:lnTo>
-                  <a:pt x="0" y="3542069"/>
-                </a:lnTo>
-                <a:lnTo>
-                  <a:pt x="0" y="259692"/>
+                  <a:pt x="0" y="3020937"/>
                 </a:lnTo>
                 <a:close/>
               </a:path>
             </a:pathLst>
           </a:custGeom>
           <a:solidFill>
-            <a:schemeClr val="bg1"/>
+            <a:schemeClr val="tx1"/>
           </a:solidFill>
           <a:ln w="44450">
             <a:noFill/>
@@ -24960,10 +20909,10 @@
       </p:sp>
       <p:pic>
         <p:nvPicPr>
-          <p:cNvPr id="7" name="Picture 6" descr="Chart, diagram, scatter chart&#10;&#10;Description automatically generated">
+          <p:cNvPr id="5" name="Picture 4" descr="Graphical user interface&#10;&#10;Description automatically generated">
             <a:extLst>
               <a:ext uri="{FF2B5EF4-FFF2-40B4-BE49-F238E27FC236}">
-                <a16:creationId xmlns:a16="http://schemas.microsoft.com/office/drawing/2014/main" id="{64029A46-6BFF-AE41-93A7-7F1E43DF3FEB}"/>
+                <a16:creationId xmlns:a16="http://schemas.microsoft.com/office/drawing/2014/main" id="{D4CB9915-5364-0148-9E7B-885BE91F5CE6}"/>
               </a:ext>
             </a:extLst>
           </p:cNvPr>
@@ -24980,8 +20929,8 @@
         </p:blipFill>
         <p:spPr>
           <a:xfrm>
-            <a:off x="1076775" y="612574"/>
-            <a:ext cx="4429280" cy="3864547"/>
+            <a:off x="77254" y="211959"/>
+            <a:ext cx="3939882" cy="5270746"/>
           </a:xfrm>
           <a:prstGeom prst="rect">
             <a:avLst/>
@@ -24990,19 +20939,17 @@
       </p:pic>
       <p:pic>
         <p:nvPicPr>
-          <p:cNvPr id="5" name="Content Placeholder 4" descr="Chart, diagram&#10;&#10;Description automatically generated">
+          <p:cNvPr id="34" name="Picture 33" descr="A picture containing icon&#10;&#10;Description automatically generated">
             <a:extLst>
               <a:ext uri="{FF2B5EF4-FFF2-40B4-BE49-F238E27FC236}">
-                <a16:creationId xmlns:a16="http://schemas.microsoft.com/office/drawing/2014/main" id="{C41A36E4-F7ED-0648-8383-80B61CABE13B}"/>
+                <a16:creationId xmlns:a16="http://schemas.microsoft.com/office/drawing/2014/main" id="{F2A01C4F-E3BC-D047-84B3-32912C0794CF}"/>
               </a:ext>
             </a:extLst>
           </p:cNvPr>
           <p:cNvPicPr>
-            <a:picLocks noGrp="1" noChangeAspect="1"/>
+            <a:picLocks noChangeAspect="1"/>
           </p:cNvPicPr>
-          <p:nvPr>
-            <p:ph idx="1"/>
-          </p:nvPr>
+          <p:nvPr/>
         </p:nvPicPr>
         <p:blipFill>
           <a:blip r:embed="rId3"/>
@@ -25012,12 +20959,2871 @@
         </p:blipFill>
         <p:spPr>
           <a:xfrm>
-            <a:off x="6673355" y="626940"/>
-            <a:ext cx="4467684" cy="3864547"/>
+            <a:off x="4411987" y="2121836"/>
+            <a:ext cx="2207413" cy="2264015"/>
           </a:xfrm>
           <a:prstGeom prst="rect">
             <a:avLst/>
           </a:prstGeom>
+        </p:spPr>
+      </p:pic>
+      <p:pic>
+        <p:nvPicPr>
+          <p:cNvPr id="9" name="Picture 8" descr="A picture containing text, calculator, electronics&#10;&#10;Description automatically generated">
+            <a:extLst>
+              <a:ext uri="{FF2B5EF4-FFF2-40B4-BE49-F238E27FC236}">
+                <a16:creationId xmlns:a16="http://schemas.microsoft.com/office/drawing/2014/main" id="{9C4C29AA-E10F-F544-866B-04FCFA78D1B8}"/>
+              </a:ext>
+            </a:extLst>
+          </p:cNvPr>
+          <p:cNvPicPr>
+            <a:picLocks noChangeAspect="1"/>
+          </p:cNvPicPr>
+          <p:nvPr/>
+        </p:nvPicPr>
+        <p:blipFill>
+          <a:blip r:embed="rId4"/>
+          <a:stretch>
+            <a:fillRect/>
+          </a:stretch>
+        </p:blipFill>
+        <p:spPr>
+          <a:xfrm>
+            <a:off x="6809642" y="45096"/>
+            <a:ext cx="3471620" cy="1735808"/>
+          </a:xfrm>
+          <a:prstGeom prst="rect">
+            <a:avLst/>
+          </a:prstGeom>
+        </p:spPr>
+      </p:pic>
+      <p:pic>
+        <p:nvPicPr>
+          <p:cNvPr id="7" name="Picture 6" descr="A picture containing text, clock&#10;&#10;Description automatically generated">
+            <a:extLst>
+              <a:ext uri="{FF2B5EF4-FFF2-40B4-BE49-F238E27FC236}">
+                <a16:creationId xmlns:a16="http://schemas.microsoft.com/office/drawing/2014/main" id="{297E4053-EE6E-DB41-B8E6-C9D1C3390C78}"/>
+              </a:ext>
+            </a:extLst>
+          </p:cNvPr>
+          <p:cNvPicPr>
+            <a:picLocks noChangeAspect="1"/>
+          </p:cNvPicPr>
+          <p:nvPr/>
+        </p:nvPicPr>
+        <p:blipFill>
+          <a:blip r:embed="rId5"/>
+          <a:stretch>
+            <a:fillRect/>
+          </a:stretch>
+        </p:blipFill>
+        <p:spPr>
+          <a:xfrm>
+            <a:off x="8931093" y="2615818"/>
+            <a:ext cx="3153135" cy="1363730"/>
+          </a:xfrm>
+          <a:prstGeom prst="rect">
+            <a:avLst/>
+          </a:prstGeom>
+        </p:spPr>
+      </p:pic>
+      <p:sp>
+        <p:nvSpPr>
+          <p:cNvPr id="3" name="Content Placeholder 2">
+            <a:extLst>
+              <a:ext uri="{FF2B5EF4-FFF2-40B4-BE49-F238E27FC236}">
+                <a16:creationId xmlns:a16="http://schemas.microsoft.com/office/drawing/2014/main" id="{892DB13C-7B2D-3648-840C-5C78526CB4D8}"/>
+              </a:ext>
+            </a:extLst>
+          </p:cNvPr>
+          <p:cNvSpPr>
+            <a:spLocks noGrp="1"/>
+          </p:cNvSpPr>
+          <p:nvPr>
+            <p:ph idx="1"/>
+          </p:nvPr>
+        </p:nvSpPr>
+        <p:spPr>
+          <a:xfrm>
+            <a:off x="6152529" y="4767660"/>
+            <a:ext cx="5247791" cy="1770300"/>
+          </a:xfrm>
+        </p:spPr>
+        <p:txBody>
+          <a:bodyPr>
+            <a:normAutofit fontScale="92500" lnSpcReduction="20000"/>
+          </a:bodyPr>
+          <a:lstStyle/>
+          <a:p>
+            <a:pPr>
+              <a:lnSpc>
+                <a:spcPct val="110000"/>
+              </a:lnSpc>
+            </a:pPr>
+            <a:r>
+              <a:rPr lang="en-US" sz="1400"/>
+              <a:t>We extend a 2010 paper:</a:t>
+            </a:r>
+          </a:p>
+          <a:p>
+            <a:pPr lvl="1">
+              <a:lnSpc>
+                <a:spcPct val="110000"/>
+              </a:lnSpc>
+            </a:pPr>
+            <a:r>
+              <a:rPr lang="en-US" sz="1400">
+                <a:hlinkClick r:id="rId6">
+                  <a:extLst>
+                    <a:ext uri="{A12FA001-AC4F-418D-AE19-62706E023703}">
+                      <ahyp:hlinkClr xmlns:ahyp="http://schemas.microsoft.com/office/drawing/2018/hyperlinkcolor" val="tx"/>
+                    </a:ext>
+                  </a:extLst>
+                </a:hlinkClick>
+              </a:rPr>
+              <a:t>Using Manifold Embedding for Assessing and Predicting Protein Interactions from High-Throughput Experimental Data</a:t>
+            </a:r>
+            <a:endParaRPr lang="en-US" sz="1400"/>
+          </a:p>
+          <a:p>
+            <a:pPr lvl="1">
+              <a:lnSpc>
+                <a:spcPct val="110000"/>
+              </a:lnSpc>
+            </a:pPr>
+            <a:r>
+              <a:rPr lang="en-US" sz="1400"/>
+              <a:t>Leverage the ever-increasing volume of high-throughput protein interaction data to develop embeddings of protein-protein interaction networks and predict new interactions</a:t>
+            </a:r>
+          </a:p>
+          <a:p>
+            <a:pPr>
+              <a:lnSpc>
+                <a:spcPct val="110000"/>
+              </a:lnSpc>
+            </a:pPr>
+            <a:endParaRPr lang="en-US" sz="1400"/>
+          </a:p>
+        </p:txBody>
+      </p:sp>
+      <p:cxnSp>
+        <p:nvCxnSpPr>
+          <p:cNvPr id="40" name="Straight Arrow Connector 39">
+            <a:extLst>
+              <a:ext uri="{FF2B5EF4-FFF2-40B4-BE49-F238E27FC236}">
+                <a16:creationId xmlns:a16="http://schemas.microsoft.com/office/drawing/2014/main" id="{4C3E221C-60AD-3D4C-8792-05437DFA6988}"/>
+              </a:ext>
+            </a:extLst>
+          </p:cNvPr>
+          <p:cNvCxnSpPr>
+            <a:cxnSpLocks/>
+          </p:cNvCxnSpPr>
+          <p:nvPr/>
+        </p:nvCxnSpPr>
+        <p:spPr>
+          <a:xfrm flipH="1">
+            <a:off x="6943133" y="2109104"/>
+            <a:ext cx="1211028" cy="715989"/>
+          </a:xfrm>
+          <a:prstGeom prst="straightConnector1">
+            <a:avLst/>
+          </a:prstGeom>
+          <a:ln w="73025">
+            <a:solidFill>
+              <a:schemeClr val="accent5"/>
+            </a:solidFill>
+            <a:tailEnd type="triangle"/>
+          </a:ln>
+        </p:spPr>
+        <p:style>
+          <a:lnRef idx="1">
+            <a:schemeClr val="accent1"/>
+          </a:lnRef>
+          <a:fillRef idx="0">
+            <a:schemeClr val="accent1"/>
+          </a:fillRef>
+          <a:effectRef idx="0">
+            <a:schemeClr val="accent1"/>
+          </a:effectRef>
+          <a:fontRef idx="minor">
+            <a:schemeClr val="tx1"/>
+          </a:fontRef>
+        </p:style>
+      </p:cxnSp>
+      <p:cxnSp>
+        <p:nvCxnSpPr>
+          <p:cNvPr id="73" name="Straight Arrow Connector 72">
+            <a:extLst>
+              <a:ext uri="{FF2B5EF4-FFF2-40B4-BE49-F238E27FC236}">
+                <a16:creationId xmlns:a16="http://schemas.microsoft.com/office/drawing/2014/main" id="{A7AF9891-05AA-F449-BCC5-0725596B7698}"/>
+              </a:ext>
+            </a:extLst>
+          </p:cNvPr>
+          <p:cNvCxnSpPr/>
+          <p:nvPr/>
+        </p:nvCxnSpPr>
+        <p:spPr>
+          <a:xfrm>
+            <a:off x="6586740" y="3703384"/>
+            <a:ext cx="2029149" cy="0"/>
+          </a:xfrm>
+          <a:prstGeom prst="straightConnector1">
+            <a:avLst/>
+          </a:prstGeom>
+          <a:ln w="73025">
+            <a:solidFill>
+              <a:schemeClr val="accent5"/>
+            </a:solidFill>
+            <a:tailEnd type="triangle"/>
+          </a:ln>
+        </p:spPr>
+        <p:style>
+          <a:lnRef idx="1">
+            <a:schemeClr val="accent1"/>
+          </a:lnRef>
+          <a:fillRef idx="0">
+            <a:schemeClr val="accent1"/>
+          </a:fillRef>
+          <a:effectRef idx="0">
+            <a:schemeClr val="accent1"/>
+          </a:effectRef>
+          <a:fontRef idx="minor">
+            <a:schemeClr val="tx1"/>
+          </a:fontRef>
+        </p:style>
+      </p:cxnSp>
+    </p:spTree>
+    <p:extLst>
+      <p:ext uri="{BB962C8B-B14F-4D97-AF65-F5344CB8AC3E}">
+        <p14:creationId xmlns:p14="http://schemas.microsoft.com/office/powerpoint/2010/main" val="223015260"/>
+      </p:ext>
+    </p:extLst>
+  </p:cSld>
+  <p:clrMapOvr>
+    <a:overrideClrMapping bg1="dk1" tx1="lt1" bg2="dk2" tx2="lt2" accent1="accent1" accent2="accent2" accent3="accent3" accent4="accent4" accent5="accent5" accent6="accent6" hlink="hlink" folHlink="folHlink"/>
+  </p:clrMapOvr>
+</p:sld>
+</file>
+
+<file path=ppt/slides/slide3.xml><?xml version="1.0" encoding="utf-8"?>
+<p:sld xmlns:a="http://schemas.openxmlformats.org/drawingml/2006/main" xmlns:r="http://schemas.openxmlformats.org/officeDocument/2006/relationships" xmlns:p="http://schemas.openxmlformats.org/presentationml/2006/main">
+  <p:cSld>
+    <p:bg>
+      <p:bgPr>
+        <a:solidFill>
+          <a:schemeClr val="bg1"/>
+        </a:solidFill>
+        <a:effectLst/>
+      </p:bgPr>
+    </p:bg>
+    <p:spTree>
+      <p:nvGrpSpPr>
+        <p:cNvPr id="1" name=""/>
+        <p:cNvGrpSpPr/>
+        <p:nvPr/>
+      </p:nvGrpSpPr>
+      <p:grpSpPr>
+        <a:xfrm>
+          <a:off x="0" y="0"/>
+          <a:ext cx="0" cy="0"/>
+          <a:chOff x="0" y="0"/>
+          <a:chExt cx="0" cy="0"/>
+        </a:xfrm>
+      </p:grpSpPr>
+      <p:sp useBgFill="1">
+        <p:nvSpPr>
+          <p:cNvPr id="68" name="Rectangle 67">
+            <a:extLst>
+              <a:ext uri="{FF2B5EF4-FFF2-40B4-BE49-F238E27FC236}">
+                <a16:creationId xmlns:a16="http://schemas.microsoft.com/office/drawing/2014/main" id="{9E33438F-5E81-463E-98DF-2C0B9FC83DE4}"/>
+              </a:ext>
+              <a:ext uri="{C183D7F6-B498-43B3-948B-1728B52AA6E4}">
+                <adec:decorative xmlns:adec="http://schemas.microsoft.com/office/drawing/2017/decorative" val="1"/>
+              </a:ext>
+            </a:extLst>
+          </p:cNvPr>
+          <p:cNvSpPr>
+            <a:spLocks noGrp="1" noRot="1" noChangeAspect="1" noMove="1" noResize="1" noEditPoints="1" noAdjustHandles="1" noChangeArrowheads="1" noChangeShapeType="1" noTextEdit="1"/>
+          </p:cNvSpPr>
+          <p:nvPr>
+            <p:extLst>
+              <p:ext uri="{386F3935-93C4-4BCD-93E2-E3B085C9AB24}">
+                <p16:designElem xmlns:p16="http://schemas.microsoft.com/office/powerpoint/2015/main" val="1"/>
+              </p:ext>
+            </p:extLst>
+          </p:nvPr>
+        </p:nvSpPr>
+        <p:spPr>
+          <a:xfrm>
+            <a:off x="0" y="0"/>
+            <a:ext cx="12191695" cy="6858000"/>
+          </a:xfrm>
+          <a:prstGeom prst="rect">
+            <a:avLst/>
+          </a:prstGeom>
+          <a:ln>
+            <a:noFill/>
+          </a:ln>
+        </p:spPr>
+        <p:style>
+          <a:lnRef idx="2">
+            <a:schemeClr val="accent1">
+              <a:shade val="50000"/>
+            </a:schemeClr>
+          </a:lnRef>
+          <a:fillRef idx="1">
+            <a:schemeClr val="accent1"/>
+          </a:fillRef>
+          <a:effectRef idx="0">
+            <a:schemeClr val="accent1"/>
+          </a:effectRef>
+          <a:fontRef idx="minor">
+            <a:schemeClr val="lt1"/>
+          </a:fontRef>
+        </p:style>
+        <p:txBody>
+          <a:bodyPr rtlCol="0" anchor="ctr"/>
+          <a:lstStyle/>
+          <a:p>
+            <a:pPr algn="ctr"/>
+            <a:endParaRPr lang="en-US"/>
+          </a:p>
+        </p:txBody>
+      </p:sp>
+      <p:grpSp>
+        <p:nvGrpSpPr>
+          <p:cNvPr id="70" name="Group 69">
+            <a:extLst>
+              <a:ext uri="{FF2B5EF4-FFF2-40B4-BE49-F238E27FC236}">
+                <a16:creationId xmlns:a16="http://schemas.microsoft.com/office/drawing/2014/main" id="{5B6698C3-AF7B-471D-BD31-DFA449F06D9E}"/>
+              </a:ext>
+              <a:ext uri="{C183D7F6-B498-43B3-948B-1728B52AA6E4}">
+                <adec:decorative xmlns:adec="http://schemas.microsoft.com/office/drawing/2017/decorative" val="1"/>
+              </a:ext>
+            </a:extLst>
+          </p:cNvPr>
+          <p:cNvGrpSpPr>
+            <a:grpSpLocks noGrp="1" noUngrp="1" noRot="1" noChangeAspect="1" noMove="1" noResize="1"/>
+          </p:cNvGrpSpPr>
+          <p:nvPr>
+            <p:extLst>
+              <p:ext uri="{386F3935-93C4-4BCD-93E2-E3B085C9AB24}">
+                <p16:designElem xmlns:p16="http://schemas.microsoft.com/office/powerpoint/2015/main" val="1"/>
+              </p:ext>
+            </p:extLst>
+          </p:nvPr>
+        </p:nvGrpSpPr>
+        <p:grpSpPr>
+          <a:xfrm>
+            <a:off x="-417513" y="0"/>
+            <a:ext cx="12584114" cy="6853238"/>
+            <a:chOff x="-417513" y="0"/>
+            <a:chExt cx="12584114" cy="6853238"/>
+          </a:xfrm>
+        </p:grpSpPr>
+        <p:sp>
+          <p:nvSpPr>
+            <p:cNvPr id="71" name="Freeform 5">
+              <a:extLst>
+                <a:ext uri="{FF2B5EF4-FFF2-40B4-BE49-F238E27FC236}">
+                  <a16:creationId xmlns:a16="http://schemas.microsoft.com/office/drawing/2014/main" id="{0AE4D449-1B6D-4D45-8937-F7808FA792A8}"/>
+                </a:ext>
+                <a:ext uri="{C183D7F6-B498-43B3-948B-1728B52AA6E4}">
+                  <adec:decorative xmlns:adec="http://schemas.microsoft.com/office/drawing/2017/decorative" val="1"/>
+                </a:ext>
+              </a:extLst>
+            </p:cNvPr>
+            <p:cNvSpPr>
+              <a:spLocks/>
+            </p:cNvSpPr>
+            <p:nvPr>
+              <p:extLst>
+                <p:ext uri="{386F3935-93C4-4BCD-93E2-E3B085C9AB24}">
+                  <p16:designElem xmlns:p16="http://schemas.microsoft.com/office/powerpoint/2015/main" val="1"/>
+                </p:ext>
+              </p:extLst>
+            </p:nvPr>
+          </p:nvSpPr>
+          <p:spPr bwMode="auto">
+            <a:xfrm>
+              <a:off x="1306513" y="0"/>
+              <a:ext cx="3862388" cy="6843713"/>
+            </a:xfrm>
+            <a:custGeom>
+              <a:avLst/>
+              <a:gdLst>
+                <a:gd name="T0" fmla="*/ 813 w 813"/>
+                <a:gd name="T1" fmla="*/ 0 h 1440"/>
+                <a:gd name="T2" fmla="*/ 435 w 813"/>
+                <a:gd name="T3" fmla="*/ 1440 h 1440"/>
+              </a:gdLst>
+              <a:ahLst/>
+              <a:cxnLst>
+                <a:cxn ang="0">
+                  <a:pos x="T0" y="T1"/>
+                </a:cxn>
+                <a:cxn ang="0">
+                  <a:pos x="T2" y="T3"/>
+                </a:cxn>
+              </a:cxnLst>
+              <a:rect l="0" t="0" r="r" b="b"/>
+              <a:pathLst>
+                <a:path w="813" h="1440">
+                  <a:moveTo>
+                    <a:pt x="813" y="0"/>
+                  </a:moveTo>
+                  <a:cubicBezTo>
+                    <a:pt x="331" y="221"/>
+                    <a:pt x="0" y="1039"/>
+                    <a:pt x="435" y="1440"/>
+                  </a:cubicBezTo>
+                </a:path>
+              </a:pathLst>
+            </a:custGeom>
+            <a:noFill/>
+            <a:ln w="9525" cap="flat">
+              <a:solidFill>
+                <a:schemeClr val="tx1">
+                  <a:alpha val="20000"/>
+                </a:schemeClr>
+              </a:solidFill>
+              <a:prstDash val="solid"/>
+              <a:miter lim="800000"/>
+              <a:headEnd/>
+              <a:tailEnd/>
+            </a:ln>
+            <a:extLst>
+              <a:ext uri="{909E8E84-426E-40DD-AFC4-6F175D3DCCD1}">
+                <a14:hiddenFill xmlns:a14="http://schemas.microsoft.com/office/drawing/2010/main">
+                  <a:solidFill>
+                    <a:srgbClr val="FFFFFF"/>
+                  </a:solidFill>
+                </a14:hiddenFill>
+              </a:ext>
+            </a:extLst>
+          </p:spPr>
+          <p:txBody>
+            <a:bodyPr vert="horz" wrap="square" lIns="91440" tIns="45720" rIns="91440" bIns="45720" numCol="1" anchor="t" anchorCtr="0" compatLnSpc="1">
+              <a:prstTxWarp prst="textNoShape">
+                <a:avLst/>
+              </a:prstTxWarp>
+            </a:bodyPr>
+            <a:lstStyle/>
+            <a:p>
+              <a:endParaRPr lang="en-US"/>
+            </a:p>
+          </p:txBody>
+        </p:sp>
+        <p:sp>
+          <p:nvSpPr>
+            <p:cNvPr id="72" name="Freeform 6">
+              <a:extLst>
+                <a:ext uri="{FF2B5EF4-FFF2-40B4-BE49-F238E27FC236}">
+                  <a16:creationId xmlns:a16="http://schemas.microsoft.com/office/drawing/2014/main" id="{3515F2C3-EB08-4CCD-9EAD-3BFD58AC4F3F}"/>
+                </a:ext>
+                <a:ext uri="{C183D7F6-B498-43B3-948B-1728B52AA6E4}">
+                  <adec:decorative xmlns:adec="http://schemas.microsoft.com/office/drawing/2017/decorative" val="1"/>
+                </a:ext>
+              </a:extLst>
+            </p:cNvPr>
+            <p:cNvSpPr>
+              <a:spLocks/>
+            </p:cNvSpPr>
+            <p:nvPr>
+              <p:extLst>
+                <p:ext uri="{386F3935-93C4-4BCD-93E2-E3B085C9AB24}">
+                  <p16:designElem xmlns:p16="http://schemas.microsoft.com/office/powerpoint/2015/main" val="1"/>
+                </p:ext>
+              </p:extLst>
+            </p:nvPr>
+          </p:nvSpPr>
+          <p:spPr bwMode="auto">
+            <a:xfrm>
+              <a:off x="10626725" y="9525"/>
+              <a:ext cx="1539875" cy="555625"/>
+            </a:xfrm>
+            <a:custGeom>
+              <a:avLst/>
+              <a:gdLst>
+                <a:gd name="T0" fmla="*/ 324 w 324"/>
+                <a:gd name="T1" fmla="*/ 117 h 117"/>
+                <a:gd name="T2" fmla="*/ 0 w 324"/>
+                <a:gd name="T3" fmla="*/ 0 h 117"/>
+              </a:gdLst>
+              <a:ahLst/>
+              <a:cxnLst>
+                <a:cxn ang="0">
+                  <a:pos x="T0" y="T1"/>
+                </a:cxn>
+                <a:cxn ang="0">
+                  <a:pos x="T2" y="T3"/>
+                </a:cxn>
+              </a:cxnLst>
+              <a:rect l="0" t="0" r="r" b="b"/>
+              <a:pathLst>
+                <a:path w="324" h="117">
+                  <a:moveTo>
+                    <a:pt x="324" y="117"/>
+                  </a:moveTo>
+                  <a:cubicBezTo>
+                    <a:pt x="223" y="64"/>
+                    <a:pt x="107" y="28"/>
+                    <a:pt x="0" y="0"/>
+                  </a:cubicBezTo>
+                </a:path>
+              </a:pathLst>
+            </a:custGeom>
+            <a:noFill/>
+            <a:ln w="9525" cap="flat">
+              <a:solidFill>
+                <a:schemeClr val="tx1">
+                  <a:alpha val="20000"/>
+                </a:schemeClr>
+              </a:solidFill>
+              <a:prstDash val="solid"/>
+              <a:miter lim="800000"/>
+              <a:headEnd/>
+              <a:tailEnd/>
+            </a:ln>
+            <a:extLst>
+              <a:ext uri="{909E8E84-426E-40DD-AFC4-6F175D3DCCD1}">
+                <a14:hiddenFill xmlns:a14="http://schemas.microsoft.com/office/drawing/2010/main">
+                  <a:solidFill>
+                    <a:srgbClr val="FFFFFF"/>
+                  </a:solidFill>
+                </a14:hiddenFill>
+              </a:ext>
+            </a:extLst>
+          </p:spPr>
+          <p:txBody>
+            <a:bodyPr vert="horz" wrap="square" lIns="91440" tIns="45720" rIns="91440" bIns="45720" numCol="1" anchor="t" anchorCtr="0" compatLnSpc="1">
+              <a:prstTxWarp prst="textNoShape">
+                <a:avLst/>
+              </a:prstTxWarp>
+            </a:bodyPr>
+            <a:lstStyle/>
+            <a:p>
+              <a:endParaRPr lang="en-US"/>
+            </a:p>
+          </p:txBody>
+        </p:sp>
+        <p:sp>
+          <p:nvSpPr>
+            <p:cNvPr id="73" name="Freeform 7">
+              <a:extLst>
+                <a:ext uri="{FF2B5EF4-FFF2-40B4-BE49-F238E27FC236}">
+                  <a16:creationId xmlns:a16="http://schemas.microsoft.com/office/drawing/2014/main" id="{3D5EA0EE-14E9-4DE8-A792-A7A7274AA953}"/>
+                </a:ext>
+                <a:ext uri="{C183D7F6-B498-43B3-948B-1728B52AA6E4}">
+                  <adec:decorative xmlns:adec="http://schemas.microsoft.com/office/drawing/2017/decorative" val="1"/>
+                </a:ext>
+              </a:extLst>
+            </p:cNvPr>
+            <p:cNvSpPr>
+              <a:spLocks/>
+            </p:cNvSpPr>
+            <p:nvPr>
+              <p:extLst>
+                <p:ext uri="{386F3935-93C4-4BCD-93E2-E3B085C9AB24}">
+                  <p16:designElem xmlns:p16="http://schemas.microsoft.com/office/powerpoint/2015/main" val="1"/>
+                </p:ext>
+              </p:extLst>
+            </p:nvPr>
+          </p:nvSpPr>
+          <p:spPr bwMode="auto">
+            <a:xfrm>
+              <a:off x="10247313" y="5013325"/>
+              <a:ext cx="1919288" cy="1830388"/>
+            </a:xfrm>
+            <a:custGeom>
+              <a:avLst/>
+              <a:gdLst>
+                <a:gd name="T0" fmla="*/ 0 w 404"/>
+                <a:gd name="T1" fmla="*/ 385 h 385"/>
+                <a:gd name="T2" fmla="*/ 404 w 404"/>
+                <a:gd name="T3" fmla="*/ 0 h 385"/>
+              </a:gdLst>
+              <a:ahLst/>
+              <a:cxnLst>
+                <a:cxn ang="0">
+                  <a:pos x="T0" y="T1"/>
+                </a:cxn>
+                <a:cxn ang="0">
+                  <a:pos x="T2" y="T3"/>
+                </a:cxn>
+              </a:cxnLst>
+              <a:rect l="0" t="0" r="r" b="b"/>
+              <a:pathLst>
+                <a:path w="404" h="385">
+                  <a:moveTo>
+                    <a:pt x="0" y="385"/>
+                  </a:moveTo>
+                  <a:cubicBezTo>
+                    <a:pt x="146" y="272"/>
+                    <a:pt x="285" y="142"/>
+                    <a:pt x="404" y="0"/>
+                  </a:cubicBezTo>
+                </a:path>
+              </a:pathLst>
+            </a:custGeom>
+            <a:noFill/>
+            <a:ln w="9525" cap="flat">
+              <a:solidFill>
+                <a:schemeClr val="tx1">
+                  <a:alpha val="20000"/>
+                </a:schemeClr>
+              </a:solidFill>
+              <a:prstDash val="solid"/>
+              <a:miter lim="800000"/>
+              <a:headEnd/>
+              <a:tailEnd/>
+            </a:ln>
+            <a:extLst>
+              <a:ext uri="{909E8E84-426E-40DD-AFC4-6F175D3DCCD1}">
+                <a14:hiddenFill xmlns:a14="http://schemas.microsoft.com/office/drawing/2010/main">
+                  <a:solidFill>
+                    <a:srgbClr val="FFFFFF"/>
+                  </a:solidFill>
+                </a14:hiddenFill>
+              </a:ext>
+            </a:extLst>
+          </p:spPr>
+          <p:txBody>
+            <a:bodyPr vert="horz" wrap="square" lIns="91440" tIns="45720" rIns="91440" bIns="45720" numCol="1" anchor="t" anchorCtr="0" compatLnSpc="1">
+              <a:prstTxWarp prst="textNoShape">
+                <a:avLst/>
+              </a:prstTxWarp>
+            </a:bodyPr>
+            <a:lstStyle/>
+            <a:p>
+              <a:endParaRPr lang="en-US"/>
+            </a:p>
+          </p:txBody>
+        </p:sp>
+        <p:sp>
+          <p:nvSpPr>
+            <p:cNvPr id="74" name="Freeform 8">
+              <a:extLst>
+                <a:ext uri="{FF2B5EF4-FFF2-40B4-BE49-F238E27FC236}">
+                  <a16:creationId xmlns:a16="http://schemas.microsoft.com/office/drawing/2014/main" id="{EC9CF95C-7F2C-4190-8CCA-CD755B7300F2}"/>
+                </a:ext>
+                <a:ext uri="{C183D7F6-B498-43B3-948B-1728B52AA6E4}">
+                  <adec:decorative xmlns:adec="http://schemas.microsoft.com/office/drawing/2017/decorative" val="1"/>
+                </a:ext>
+              </a:extLst>
+            </p:cNvPr>
+            <p:cNvSpPr>
+              <a:spLocks/>
+            </p:cNvSpPr>
+            <p:nvPr>
+              <p:extLst>
+                <p:ext uri="{386F3935-93C4-4BCD-93E2-E3B085C9AB24}">
+                  <p16:designElem xmlns:p16="http://schemas.microsoft.com/office/powerpoint/2015/main" val="1"/>
+                </p:ext>
+              </p:extLst>
+            </p:nvPr>
+          </p:nvSpPr>
+          <p:spPr bwMode="auto">
+            <a:xfrm>
+              <a:off x="1120775" y="0"/>
+              <a:ext cx="3676650" cy="6843713"/>
+            </a:xfrm>
+            <a:custGeom>
+              <a:avLst/>
+              <a:gdLst>
+                <a:gd name="T0" fmla="*/ 774 w 774"/>
+                <a:gd name="T1" fmla="*/ 0 h 1440"/>
+                <a:gd name="T2" fmla="*/ 411 w 774"/>
+                <a:gd name="T3" fmla="*/ 1440 h 1440"/>
+              </a:gdLst>
+              <a:ahLst/>
+              <a:cxnLst>
+                <a:cxn ang="0">
+                  <a:pos x="T0" y="T1"/>
+                </a:cxn>
+                <a:cxn ang="0">
+                  <a:pos x="T2" y="T3"/>
+                </a:cxn>
+              </a:cxnLst>
+              <a:rect l="0" t="0" r="r" b="b"/>
+              <a:pathLst>
+                <a:path w="774" h="1440">
+                  <a:moveTo>
+                    <a:pt x="774" y="0"/>
+                  </a:moveTo>
+                  <a:cubicBezTo>
+                    <a:pt x="312" y="240"/>
+                    <a:pt x="0" y="1034"/>
+                    <a:pt x="411" y="1440"/>
+                  </a:cubicBezTo>
+                </a:path>
+              </a:pathLst>
+            </a:custGeom>
+            <a:noFill/>
+            <a:ln w="9525" cap="flat">
+              <a:solidFill>
+                <a:schemeClr val="tx1">
+                  <a:alpha val="20000"/>
+                </a:schemeClr>
+              </a:solidFill>
+              <a:prstDash val="dash"/>
+              <a:miter lim="800000"/>
+              <a:headEnd/>
+              <a:tailEnd/>
+            </a:ln>
+            <a:extLst>
+              <a:ext uri="{909E8E84-426E-40DD-AFC4-6F175D3DCCD1}">
+                <a14:hiddenFill xmlns:a14="http://schemas.microsoft.com/office/drawing/2010/main">
+                  <a:solidFill>
+                    <a:srgbClr val="FFFFFF"/>
+                  </a:solidFill>
+                </a14:hiddenFill>
+              </a:ext>
+            </a:extLst>
+          </p:spPr>
+          <p:txBody>
+            <a:bodyPr vert="horz" wrap="square" lIns="91440" tIns="45720" rIns="91440" bIns="45720" numCol="1" anchor="t" anchorCtr="0" compatLnSpc="1">
+              <a:prstTxWarp prst="textNoShape">
+                <a:avLst/>
+              </a:prstTxWarp>
+            </a:bodyPr>
+            <a:lstStyle/>
+            <a:p>
+              <a:endParaRPr lang="en-US"/>
+            </a:p>
+          </p:txBody>
+        </p:sp>
+        <p:sp>
+          <p:nvSpPr>
+            <p:cNvPr id="75" name="Freeform 9">
+              <a:extLst>
+                <a:ext uri="{FF2B5EF4-FFF2-40B4-BE49-F238E27FC236}">
+                  <a16:creationId xmlns:a16="http://schemas.microsoft.com/office/drawing/2014/main" id="{8209569D-FC59-4649-975E-8B89D64B1B45}"/>
+                </a:ext>
+                <a:ext uri="{C183D7F6-B498-43B3-948B-1728B52AA6E4}">
+                  <adec:decorative xmlns:adec="http://schemas.microsoft.com/office/drawing/2017/decorative" val="1"/>
+                </a:ext>
+              </a:extLst>
+            </p:cNvPr>
+            <p:cNvSpPr>
+              <a:spLocks/>
+            </p:cNvSpPr>
+            <p:nvPr>
+              <p:extLst>
+                <p:ext uri="{386F3935-93C4-4BCD-93E2-E3B085C9AB24}">
+                  <p16:designElem xmlns:p16="http://schemas.microsoft.com/office/powerpoint/2015/main" val="1"/>
+                </p:ext>
+              </p:extLst>
+            </p:nvPr>
+          </p:nvSpPr>
+          <p:spPr bwMode="auto">
+            <a:xfrm>
+              <a:off x="11202988" y="9525"/>
+              <a:ext cx="963613" cy="366713"/>
+            </a:xfrm>
+            <a:custGeom>
+              <a:avLst/>
+              <a:gdLst>
+                <a:gd name="T0" fmla="*/ 203 w 203"/>
+                <a:gd name="T1" fmla="*/ 77 h 77"/>
+                <a:gd name="T2" fmla="*/ 0 w 203"/>
+                <a:gd name="T3" fmla="*/ 0 h 77"/>
+              </a:gdLst>
+              <a:ahLst/>
+              <a:cxnLst>
+                <a:cxn ang="0">
+                  <a:pos x="T0" y="T1"/>
+                </a:cxn>
+                <a:cxn ang="0">
+                  <a:pos x="T2" y="T3"/>
+                </a:cxn>
+              </a:cxnLst>
+              <a:rect l="0" t="0" r="r" b="b"/>
+              <a:pathLst>
+                <a:path w="203" h="77">
+                  <a:moveTo>
+                    <a:pt x="203" y="77"/>
+                  </a:moveTo>
+                  <a:cubicBezTo>
+                    <a:pt x="138" y="46"/>
+                    <a:pt x="68" y="21"/>
+                    <a:pt x="0" y="0"/>
+                  </a:cubicBezTo>
+                </a:path>
+              </a:pathLst>
+            </a:custGeom>
+            <a:noFill/>
+            <a:ln w="9525" cap="flat">
+              <a:solidFill>
+                <a:schemeClr val="tx1">
+                  <a:alpha val="20000"/>
+                </a:schemeClr>
+              </a:solidFill>
+              <a:prstDash val="dash"/>
+              <a:miter lim="800000"/>
+              <a:headEnd/>
+              <a:tailEnd/>
+            </a:ln>
+            <a:extLst>
+              <a:ext uri="{909E8E84-426E-40DD-AFC4-6F175D3DCCD1}">
+                <a14:hiddenFill xmlns:a14="http://schemas.microsoft.com/office/drawing/2010/main">
+                  <a:solidFill>
+                    <a:srgbClr val="FFFFFF"/>
+                  </a:solidFill>
+                </a14:hiddenFill>
+              </a:ext>
+            </a:extLst>
+          </p:spPr>
+          <p:txBody>
+            <a:bodyPr vert="horz" wrap="square" lIns="91440" tIns="45720" rIns="91440" bIns="45720" numCol="1" anchor="t" anchorCtr="0" compatLnSpc="1">
+              <a:prstTxWarp prst="textNoShape">
+                <a:avLst/>
+              </a:prstTxWarp>
+            </a:bodyPr>
+            <a:lstStyle/>
+            <a:p>
+              <a:endParaRPr lang="en-US"/>
+            </a:p>
+          </p:txBody>
+        </p:sp>
+        <p:sp>
+          <p:nvSpPr>
+            <p:cNvPr id="76" name="Freeform 10">
+              <a:extLst>
+                <a:ext uri="{FF2B5EF4-FFF2-40B4-BE49-F238E27FC236}">
+                  <a16:creationId xmlns:a16="http://schemas.microsoft.com/office/drawing/2014/main" id="{3463EF27-01AC-4E44-B98C-6134394A175F}"/>
+                </a:ext>
+                <a:ext uri="{C183D7F6-B498-43B3-948B-1728B52AA6E4}">
+                  <adec:decorative xmlns:adec="http://schemas.microsoft.com/office/drawing/2017/decorative" val="1"/>
+                </a:ext>
+              </a:extLst>
+            </p:cNvPr>
+            <p:cNvSpPr>
+              <a:spLocks/>
+            </p:cNvSpPr>
+            <p:nvPr>
+              <p:extLst>
+                <p:ext uri="{386F3935-93C4-4BCD-93E2-E3B085C9AB24}">
+                  <p16:designElem xmlns:p16="http://schemas.microsoft.com/office/powerpoint/2015/main" val="1"/>
+                </p:ext>
+              </p:extLst>
+            </p:nvPr>
+          </p:nvSpPr>
+          <p:spPr bwMode="auto">
+            <a:xfrm>
+              <a:off x="10494963" y="5275263"/>
+              <a:ext cx="1666875" cy="1577975"/>
+            </a:xfrm>
+            <a:custGeom>
+              <a:avLst/>
+              <a:gdLst>
+                <a:gd name="T0" fmla="*/ 0 w 351"/>
+                <a:gd name="T1" fmla="*/ 332 h 332"/>
+                <a:gd name="T2" fmla="*/ 351 w 351"/>
+                <a:gd name="T3" fmla="*/ 0 h 332"/>
+              </a:gdLst>
+              <a:ahLst/>
+              <a:cxnLst>
+                <a:cxn ang="0">
+                  <a:pos x="T0" y="T1"/>
+                </a:cxn>
+                <a:cxn ang="0">
+                  <a:pos x="T2" y="T3"/>
+                </a:cxn>
+              </a:cxnLst>
+              <a:rect l="0" t="0" r="r" b="b"/>
+              <a:pathLst>
+                <a:path w="351" h="332">
+                  <a:moveTo>
+                    <a:pt x="0" y="332"/>
+                  </a:moveTo>
+                  <a:cubicBezTo>
+                    <a:pt x="125" y="232"/>
+                    <a:pt x="245" y="121"/>
+                    <a:pt x="351" y="0"/>
+                  </a:cubicBezTo>
+                </a:path>
+              </a:pathLst>
+            </a:custGeom>
+            <a:noFill/>
+            <a:ln w="9525" cap="flat">
+              <a:solidFill>
+                <a:schemeClr val="tx1">
+                  <a:alpha val="20000"/>
+                </a:schemeClr>
+              </a:solidFill>
+              <a:prstDash val="dash"/>
+              <a:miter lim="800000"/>
+              <a:headEnd/>
+              <a:tailEnd/>
+            </a:ln>
+            <a:extLst>
+              <a:ext uri="{909E8E84-426E-40DD-AFC4-6F175D3DCCD1}">
+                <a14:hiddenFill xmlns:a14="http://schemas.microsoft.com/office/drawing/2010/main">
+                  <a:solidFill>
+                    <a:srgbClr val="FFFFFF"/>
+                  </a:solidFill>
+                </a14:hiddenFill>
+              </a:ext>
+            </a:extLst>
+          </p:spPr>
+          <p:txBody>
+            <a:bodyPr vert="horz" wrap="square" lIns="91440" tIns="45720" rIns="91440" bIns="45720" numCol="1" anchor="t" anchorCtr="0" compatLnSpc="1">
+              <a:prstTxWarp prst="textNoShape">
+                <a:avLst/>
+              </a:prstTxWarp>
+            </a:bodyPr>
+            <a:lstStyle/>
+            <a:p>
+              <a:endParaRPr lang="en-US"/>
+            </a:p>
+          </p:txBody>
+        </p:sp>
+        <p:sp>
+          <p:nvSpPr>
+            <p:cNvPr id="77" name="Freeform 11">
+              <a:extLst>
+                <a:ext uri="{FF2B5EF4-FFF2-40B4-BE49-F238E27FC236}">
+                  <a16:creationId xmlns:a16="http://schemas.microsoft.com/office/drawing/2014/main" id="{4F55D42E-F754-4EDB-8EDD-6BDD5AE4AB5B}"/>
+                </a:ext>
+                <a:ext uri="{C183D7F6-B498-43B3-948B-1728B52AA6E4}">
+                  <adec:decorative xmlns:adec="http://schemas.microsoft.com/office/drawing/2017/decorative" val="1"/>
+                </a:ext>
+              </a:extLst>
+            </p:cNvPr>
+            <p:cNvSpPr>
+              <a:spLocks/>
+            </p:cNvSpPr>
+            <p:nvPr>
+              <p:extLst>
+                <p:ext uri="{386F3935-93C4-4BCD-93E2-E3B085C9AB24}">
+                  <p16:designElem xmlns:p16="http://schemas.microsoft.com/office/powerpoint/2015/main" val="1"/>
+                </p:ext>
+              </p:extLst>
+            </p:nvPr>
+          </p:nvSpPr>
+          <p:spPr bwMode="auto">
+            <a:xfrm>
+              <a:off x="1001713" y="0"/>
+              <a:ext cx="3621088" cy="6843713"/>
+            </a:xfrm>
+            <a:custGeom>
+              <a:avLst/>
+              <a:gdLst>
+                <a:gd name="T0" fmla="*/ 762 w 762"/>
+                <a:gd name="T1" fmla="*/ 0 h 1440"/>
+                <a:gd name="T2" fmla="*/ 403 w 762"/>
+                <a:gd name="T3" fmla="*/ 1440 h 1440"/>
+              </a:gdLst>
+              <a:ahLst/>
+              <a:cxnLst>
+                <a:cxn ang="0">
+                  <a:pos x="T0" y="T1"/>
+                </a:cxn>
+                <a:cxn ang="0">
+                  <a:pos x="T2" y="T3"/>
+                </a:cxn>
+              </a:cxnLst>
+              <a:rect l="0" t="0" r="r" b="b"/>
+              <a:pathLst>
+                <a:path w="762" h="1440">
+                  <a:moveTo>
+                    <a:pt x="762" y="0"/>
+                  </a:moveTo>
+                  <a:cubicBezTo>
+                    <a:pt x="308" y="245"/>
+                    <a:pt x="0" y="1033"/>
+                    <a:pt x="403" y="1440"/>
+                  </a:cubicBezTo>
+                </a:path>
+              </a:pathLst>
+            </a:custGeom>
+            <a:noFill/>
+            <a:ln w="9525" cap="flat">
+              <a:solidFill>
+                <a:schemeClr val="tx1">
+                  <a:alpha val="20000"/>
+                </a:schemeClr>
+              </a:solidFill>
+              <a:prstDash val="solid"/>
+              <a:miter lim="800000"/>
+              <a:headEnd/>
+              <a:tailEnd/>
+            </a:ln>
+            <a:extLst>
+              <a:ext uri="{909E8E84-426E-40DD-AFC4-6F175D3DCCD1}">
+                <a14:hiddenFill xmlns:a14="http://schemas.microsoft.com/office/drawing/2010/main">
+                  <a:solidFill>
+                    <a:srgbClr val="FFFFFF"/>
+                  </a:solidFill>
+                </a14:hiddenFill>
+              </a:ext>
+            </a:extLst>
+          </p:spPr>
+          <p:txBody>
+            <a:bodyPr vert="horz" wrap="square" lIns="91440" tIns="45720" rIns="91440" bIns="45720" numCol="1" anchor="t" anchorCtr="0" compatLnSpc="1">
+              <a:prstTxWarp prst="textNoShape">
+                <a:avLst/>
+              </a:prstTxWarp>
+            </a:bodyPr>
+            <a:lstStyle/>
+            <a:p>
+              <a:endParaRPr lang="en-US"/>
+            </a:p>
+          </p:txBody>
+        </p:sp>
+        <p:sp>
+          <p:nvSpPr>
+            <p:cNvPr id="78" name="Freeform 12">
+              <a:extLst>
+                <a:ext uri="{FF2B5EF4-FFF2-40B4-BE49-F238E27FC236}">
+                  <a16:creationId xmlns:a16="http://schemas.microsoft.com/office/drawing/2014/main" id="{6D4188DC-73EF-44AE-9A87-DF7CB133C324}"/>
+                </a:ext>
+                <a:ext uri="{C183D7F6-B498-43B3-948B-1728B52AA6E4}">
+                  <adec:decorative xmlns:adec="http://schemas.microsoft.com/office/drawing/2017/decorative" val="1"/>
+                </a:ext>
+              </a:extLst>
+            </p:cNvPr>
+            <p:cNvSpPr>
+              <a:spLocks/>
+            </p:cNvSpPr>
+            <p:nvPr>
+              <p:extLst>
+                <p:ext uri="{386F3935-93C4-4BCD-93E2-E3B085C9AB24}">
+                  <p16:designElem xmlns:p16="http://schemas.microsoft.com/office/powerpoint/2015/main" val="1"/>
+                </p:ext>
+              </p:extLst>
+            </p:nvPr>
+          </p:nvSpPr>
+          <p:spPr bwMode="auto">
+            <a:xfrm>
+              <a:off x="11501438" y="9525"/>
+              <a:ext cx="665163" cy="257175"/>
+            </a:xfrm>
+            <a:custGeom>
+              <a:avLst/>
+              <a:gdLst>
+                <a:gd name="T0" fmla="*/ 140 w 140"/>
+                <a:gd name="T1" fmla="*/ 54 h 54"/>
+                <a:gd name="T2" fmla="*/ 0 w 140"/>
+                <a:gd name="T3" fmla="*/ 0 h 54"/>
+              </a:gdLst>
+              <a:ahLst/>
+              <a:cxnLst>
+                <a:cxn ang="0">
+                  <a:pos x="T0" y="T1"/>
+                </a:cxn>
+                <a:cxn ang="0">
+                  <a:pos x="T2" y="T3"/>
+                </a:cxn>
+              </a:cxnLst>
+              <a:rect l="0" t="0" r="r" b="b"/>
+              <a:pathLst>
+                <a:path w="140" h="54">
+                  <a:moveTo>
+                    <a:pt x="140" y="54"/>
+                  </a:moveTo>
+                  <a:cubicBezTo>
+                    <a:pt x="95" y="34"/>
+                    <a:pt x="48" y="16"/>
+                    <a:pt x="0" y="0"/>
+                  </a:cubicBezTo>
+                </a:path>
+              </a:pathLst>
+            </a:custGeom>
+            <a:noFill/>
+            <a:ln w="9525" cap="flat">
+              <a:solidFill>
+                <a:schemeClr val="tx1">
+                  <a:alpha val="20000"/>
+                </a:schemeClr>
+              </a:solidFill>
+              <a:prstDash val="solid"/>
+              <a:miter lim="800000"/>
+              <a:headEnd/>
+              <a:tailEnd/>
+            </a:ln>
+            <a:extLst>
+              <a:ext uri="{909E8E84-426E-40DD-AFC4-6F175D3DCCD1}">
+                <a14:hiddenFill xmlns:a14="http://schemas.microsoft.com/office/drawing/2010/main">
+                  <a:solidFill>
+                    <a:srgbClr val="FFFFFF"/>
+                  </a:solidFill>
+                </a14:hiddenFill>
+              </a:ext>
+            </a:extLst>
+          </p:spPr>
+          <p:txBody>
+            <a:bodyPr vert="horz" wrap="square" lIns="91440" tIns="45720" rIns="91440" bIns="45720" numCol="1" anchor="t" anchorCtr="0" compatLnSpc="1">
+              <a:prstTxWarp prst="textNoShape">
+                <a:avLst/>
+              </a:prstTxWarp>
+            </a:bodyPr>
+            <a:lstStyle/>
+            <a:p>
+              <a:endParaRPr lang="en-US"/>
+            </a:p>
+          </p:txBody>
+        </p:sp>
+        <p:sp>
+          <p:nvSpPr>
+            <p:cNvPr id="79" name="Freeform 13">
+              <a:extLst>
+                <a:ext uri="{FF2B5EF4-FFF2-40B4-BE49-F238E27FC236}">
+                  <a16:creationId xmlns:a16="http://schemas.microsoft.com/office/drawing/2014/main" id="{2EB7085E-37F8-4AC2-9459-F18D46D09C5B}"/>
+                </a:ext>
+                <a:ext uri="{C183D7F6-B498-43B3-948B-1728B52AA6E4}">
+                  <adec:decorative xmlns:adec="http://schemas.microsoft.com/office/drawing/2017/decorative" val="1"/>
+                </a:ext>
+              </a:extLst>
+            </p:cNvPr>
+            <p:cNvSpPr>
+              <a:spLocks/>
+            </p:cNvSpPr>
+            <p:nvPr>
+              <p:extLst>
+                <p:ext uri="{386F3935-93C4-4BCD-93E2-E3B085C9AB24}">
+                  <p16:designElem xmlns:p16="http://schemas.microsoft.com/office/powerpoint/2015/main" val="1"/>
+                </p:ext>
+              </p:extLst>
+            </p:nvPr>
+          </p:nvSpPr>
+          <p:spPr bwMode="auto">
+            <a:xfrm>
+              <a:off x="10641013" y="5408613"/>
+              <a:ext cx="1525588" cy="1435100"/>
+            </a:xfrm>
+            <a:custGeom>
+              <a:avLst/>
+              <a:gdLst>
+                <a:gd name="T0" fmla="*/ 0 w 321"/>
+                <a:gd name="T1" fmla="*/ 302 h 302"/>
+                <a:gd name="T2" fmla="*/ 321 w 321"/>
+                <a:gd name="T3" fmla="*/ 0 h 302"/>
+              </a:gdLst>
+              <a:ahLst/>
+              <a:cxnLst>
+                <a:cxn ang="0">
+                  <a:pos x="T0" y="T1"/>
+                </a:cxn>
+                <a:cxn ang="0">
+                  <a:pos x="T2" y="T3"/>
+                </a:cxn>
+              </a:cxnLst>
+              <a:rect l="0" t="0" r="r" b="b"/>
+              <a:pathLst>
+                <a:path w="321" h="302">
+                  <a:moveTo>
+                    <a:pt x="0" y="302"/>
+                  </a:moveTo>
+                  <a:cubicBezTo>
+                    <a:pt x="114" y="210"/>
+                    <a:pt x="223" y="109"/>
+                    <a:pt x="321" y="0"/>
+                  </a:cubicBezTo>
+                </a:path>
+              </a:pathLst>
+            </a:custGeom>
+            <a:noFill/>
+            <a:ln w="9525" cap="flat">
+              <a:solidFill>
+                <a:schemeClr val="tx1">
+                  <a:alpha val="20000"/>
+                </a:schemeClr>
+              </a:solidFill>
+              <a:prstDash val="solid"/>
+              <a:miter lim="800000"/>
+              <a:headEnd/>
+              <a:tailEnd/>
+            </a:ln>
+            <a:extLst>
+              <a:ext uri="{909E8E84-426E-40DD-AFC4-6F175D3DCCD1}">
+                <a14:hiddenFill xmlns:a14="http://schemas.microsoft.com/office/drawing/2010/main">
+                  <a:solidFill>
+                    <a:srgbClr val="FFFFFF"/>
+                  </a:solidFill>
+                </a14:hiddenFill>
+              </a:ext>
+            </a:extLst>
+          </p:spPr>
+          <p:txBody>
+            <a:bodyPr vert="horz" wrap="square" lIns="91440" tIns="45720" rIns="91440" bIns="45720" numCol="1" anchor="t" anchorCtr="0" compatLnSpc="1">
+              <a:prstTxWarp prst="textNoShape">
+                <a:avLst/>
+              </a:prstTxWarp>
+            </a:bodyPr>
+            <a:lstStyle/>
+            <a:p>
+              <a:endParaRPr lang="en-US"/>
+            </a:p>
+          </p:txBody>
+        </p:sp>
+        <p:sp>
+          <p:nvSpPr>
+            <p:cNvPr id="80" name="Freeform 14">
+              <a:extLst>
+                <a:ext uri="{FF2B5EF4-FFF2-40B4-BE49-F238E27FC236}">
+                  <a16:creationId xmlns:a16="http://schemas.microsoft.com/office/drawing/2014/main" id="{B014B03A-8E5D-4556-A848-FDD59E6954AB}"/>
+                </a:ext>
+                <a:ext uri="{C183D7F6-B498-43B3-948B-1728B52AA6E4}">
+                  <adec:decorative xmlns:adec="http://schemas.microsoft.com/office/drawing/2017/decorative" val="1"/>
+                </a:ext>
+              </a:extLst>
+            </p:cNvPr>
+            <p:cNvSpPr>
+              <a:spLocks/>
+            </p:cNvSpPr>
+            <p:nvPr>
+              <p:extLst>
+                <p:ext uri="{386F3935-93C4-4BCD-93E2-E3B085C9AB24}">
+                  <p16:designElem xmlns:p16="http://schemas.microsoft.com/office/powerpoint/2015/main" val="1"/>
+                </p:ext>
+              </p:extLst>
+            </p:nvPr>
+          </p:nvSpPr>
+          <p:spPr bwMode="auto">
+            <a:xfrm>
+              <a:off x="1001713" y="0"/>
+              <a:ext cx="3244850" cy="6843713"/>
+            </a:xfrm>
+            <a:custGeom>
+              <a:avLst/>
+              <a:gdLst>
+                <a:gd name="T0" fmla="*/ 683 w 683"/>
+                <a:gd name="T1" fmla="*/ 0 h 1440"/>
+                <a:gd name="T2" fmla="*/ 355 w 683"/>
+                <a:gd name="T3" fmla="*/ 1440 h 1440"/>
+              </a:gdLst>
+              <a:ahLst/>
+              <a:cxnLst>
+                <a:cxn ang="0">
+                  <a:pos x="T0" y="T1"/>
+                </a:cxn>
+                <a:cxn ang="0">
+                  <a:pos x="T2" y="T3"/>
+                </a:cxn>
+              </a:cxnLst>
+              <a:rect l="0" t="0" r="r" b="b"/>
+              <a:pathLst>
+                <a:path w="683" h="1440">
+                  <a:moveTo>
+                    <a:pt x="683" y="0"/>
+                  </a:moveTo>
+                  <a:cubicBezTo>
+                    <a:pt x="258" y="256"/>
+                    <a:pt x="0" y="1041"/>
+                    <a:pt x="355" y="1440"/>
+                  </a:cubicBezTo>
+                </a:path>
+              </a:pathLst>
+            </a:custGeom>
+            <a:noFill/>
+            <a:ln w="9525" cap="flat">
+              <a:solidFill>
+                <a:schemeClr val="tx1">
+                  <a:alpha val="20000"/>
+                </a:schemeClr>
+              </a:solidFill>
+              <a:prstDash val="solid"/>
+              <a:miter lim="800000"/>
+              <a:headEnd/>
+              <a:tailEnd/>
+            </a:ln>
+            <a:extLst>
+              <a:ext uri="{909E8E84-426E-40DD-AFC4-6F175D3DCCD1}">
+                <a14:hiddenFill xmlns:a14="http://schemas.microsoft.com/office/drawing/2010/main">
+                  <a:solidFill>
+                    <a:srgbClr val="FFFFFF"/>
+                  </a:solidFill>
+                </a14:hiddenFill>
+              </a:ext>
+            </a:extLst>
+          </p:spPr>
+          <p:txBody>
+            <a:bodyPr vert="horz" wrap="square" lIns="91440" tIns="45720" rIns="91440" bIns="45720" numCol="1" anchor="t" anchorCtr="0" compatLnSpc="1">
+              <a:prstTxWarp prst="textNoShape">
+                <a:avLst/>
+              </a:prstTxWarp>
+            </a:bodyPr>
+            <a:lstStyle/>
+            <a:p>
+              <a:endParaRPr lang="en-US"/>
+            </a:p>
+          </p:txBody>
+        </p:sp>
+        <p:sp>
+          <p:nvSpPr>
+            <p:cNvPr id="81" name="Freeform 15">
+              <a:extLst>
+                <a:ext uri="{FF2B5EF4-FFF2-40B4-BE49-F238E27FC236}">
+                  <a16:creationId xmlns:a16="http://schemas.microsoft.com/office/drawing/2014/main" id="{4273F73C-B21F-4C6E-9028-E053FC50B0F0}"/>
+                </a:ext>
+                <a:ext uri="{C183D7F6-B498-43B3-948B-1728B52AA6E4}">
+                  <adec:decorative xmlns:adec="http://schemas.microsoft.com/office/drawing/2017/decorative" val="1"/>
+                </a:ext>
+              </a:extLst>
+            </p:cNvPr>
+            <p:cNvSpPr>
+              <a:spLocks/>
+            </p:cNvSpPr>
+            <p:nvPr>
+              <p:extLst>
+                <p:ext uri="{386F3935-93C4-4BCD-93E2-E3B085C9AB24}">
+                  <p16:designElem xmlns:p16="http://schemas.microsoft.com/office/powerpoint/2015/main" val="1"/>
+                </p:ext>
+              </p:extLst>
+            </p:nvPr>
+          </p:nvSpPr>
+          <p:spPr bwMode="auto">
+            <a:xfrm>
+              <a:off x="10802938" y="5518150"/>
+              <a:ext cx="1363663" cy="1325563"/>
+            </a:xfrm>
+            <a:custGeom>
+              <a:avLst/>
+              <a:gdLst>
+                <a:gd name="T0" fmla="*/ 0 w 287"/>
+                <a:gd name="T1" fmla="*/ 279 h 279"/>
+                <a:gd name="T2" fmla="*/ 287 w 287"/>
+                <a:gd name="T3" fmla="*/ 0 h 279"/>
+              </a:gdLst>
+              <a:ahLst/>
+              <a:cxnLst>
+                <a:cxn ang="0">
+                  <a:pos x="T0" y="T1"/>
+                </a:cxn>
+                <a:cxn ang="0">
+                  <a:pos x="T2" y="T3"/>
+                </a:cxn>
+              </a:cxnLst>
+              <a:rect l="0" t="0" r="r" b="b"/>
+              <a:pathLst>
+                <a:path w="287" h="279">
+                  <a:moveTo>
+                    <a:pt x="0" y="279"/>
+                  </a:moveTo>
+                  <a:cubicBezTo>
+                    <a:pt x="101" y="193"/>
+                    <a:pt x="198" y="100"/>
+                    <a:pt x="287" y="0"/>
+                  </a:cubicBezTo>
+                </a:path>
+              </a:pathLst>
+            </a:custGeom>
+            <a:noFill/>
+            <a:ln w="9525" cap="flat">
+              <a:solidFill>
+                <a:schemeClr val="tx1">
+                  <a:alpha val="20000"/>
+                </a:schemeClr>
+              </a:solidFill>
+              <a:prstDash val="solid"/>
+              <a:miter lim="800000"/>
+              <a:headEnd/>
+              <a:tailEnd/>
+            </a:ln>
+            <a:extLst>
+              <a:ext uri="{909E8E84-426E-40DD-AFC4-6F175D3DCCD1}">
+                <a14:hiddenFill xmlns:a14="http://schemas.microsoft.com/office/drawing/2010/main">
+                  <a:solidFill>
+                    <a:srgbClr val="FFFFFF"/>
+                  </a:solidFill>
+                </a14:hiddenFill>
+              </a:ext>
+            </a:extLst>
+          </p:spPr>
+          <p:txBody>
+            <a:bodyPr vert="horz" wrap="square" lIns="91440" tIns="45720" rIns="91440" bIns="45720" numCol="1" anchor="t" anchorCtr="0" compatLnSpc="1">
+              <a:prstTxWarp prst="textNoShape">
+                <a:avLst/>
+              </a:prstTxWarp>
+            </a:bodyPr>
+            <a:lstStyle/>
+            <a:p>
+              <a:endParaRPr lang="en-US"/>
+            </a:p>
+          </p:txBody>
+        </p:sp>
+        <p:sp>
+          <p:nvSpPr>
+            <p:cNvPr id="82" name="Freeform 16">
+              <a:extLst>
+                <a:ext uri="{FF2B5EF4-FFF2-40B4-BE49-F238E27FC236}">
+                  <a16:creationId xmlns:a16="http://schemas.microsoft.com/office/drawing/2014/main" id="{33385EED-736B-4F0E-B755-C50CDD00467D}"/>
+                </a:ext>
+                <a:ext uri="{C183D7F6-B498-43B3-948B-1728B52AA6E4}">
+                  <adec:decorative xmlns:adec="http://schemas.microsoft.com/office/drawing/2017/decorative" val="1"/>
+                </a:ext>
+              </a:extLst>
+            </p:cNvPr>
+            <p:cNvSpPr>
+              <a:spLocks/>
+            </p:cNvSpPr>
+            <p:nvPr>
+              <p:extLst>
+                <p:ext uri="{386F3935-93C4-4BCD-93E2-E3B085C9AB24}">
+                  <p16:designElem xmlns:p16="http://schemas.microsoft.com/office/powerpoint/2015/main" val="1"/>
+                </p:ext>
+              </p:extLst>
+            </p:nvPr>
+          </p:nvSpPr>
+          <p:spPr bwMode="auto">
+            <a:xfrm>
+              <a:off x="889000" y="0"/>
+              <a:ext cx="3230563" cy="6843713"/>
+            </a:xfrm>
+            <a:custGeom>
+              <a:avLst/>
+              <a:gdLst>
+                <a:gd name="T0" fmla="*/ 680 w 680"/>
+                <a:gd name="T1" fmla="*/ 0 h 1440"/>
+                <a:gd name="T2" fmla="*/ 337 w 680"/>
+                <a:gd name="T3" fmla="*/ 1440 h 1440"/>
+              </a:gdLst>
+              <a:ahLst/>
+              <a:cxnLst>
+                <a:cxn ang="0">
+                  <a:pos x="T0" y="T1"/>
+                </a:cxn>
+                <a:cxn ang="0">
+                  <a:pos x="T2" y="T3"/>
+                </a:cxn>
+              </a:cxnLst>
+              <a:rect l="0" t="0" r="r" b="b"/>
+              <a:pathLst>
+                <a:path w="680" h="1440">
+                  <a:moveTo>
+                    <a:pt x="680" y="0"/>
+                  </a:moveTo>
+                  <a:cubicBezTo>
+                    <a:pt x="257" y="265"/>
+                    <a:pt x="0" y="1026"/>
+                    <a:pt x="337" y="1440"/>
+                  </a:cubicBezTo>
+                </a:path>
+              </a:pathLst>
+            </a:custGeom>
+            <a:noFill/>
+            <a:ln w="9525" cap="flat">
+              <a:solidFill>
+                <a:schemeClr val="tx1">
+                  <a:alpha val="20000"/>
+                </a:schemeClr>
+              </a:solidFill>
+              <a:prstDash val="solid"/>
+              <a:miter lim="800000"/>
+              <a:headEnd/>
+              <a:tailEnd/>
+            </a:ln>
+            <a:extLst>
+              <a:ext uri="{909E8E84-426E-40DD-AFC4-6F175D3DCCD1}">
+                <a14:hiddenFill xmlns:a14="http://schemas.microsoft.com/office/drawing/2010/main">
+                  <a:solidFill>
+                    <a:srgbClr val="FFFFFF"/>
+                  </a:solidFill>
+                </a14:hiddenFill>
+              </a:ext>
+            </a:extLst>
+          </p:spPr>
+          <p:txBody>
+            <a:bodyPr vert="horz" wrap="square" lIns="91440" tIns="45720" rIns="91440" bIns="45720" numCol="1" anchor="t" anchorCtr="0" compatLnSpc="1">
+              <a:prstTxWarp prst="textNoShape">
+                <a:avLst/>
+              </a:prstTxWarp>
+            </a:bodyPr>
+            <a:lstStyle/>
+            <a:p>
+              <a:endParaRPr lang="en-US"/>
+            </a:p>
+          </p:txBody>
+        </p:sp>
+        <p:sp>
+          <p:nvSpPr>
+            <p:cNvPr id="83" name="Freeform 17">
+              <a:extLst>
+                <a:ext uri="{FF2B5EF4-FFF2-40B4-BE49-F238E27FC236}">
+                  <a16:creationId xmlns:a16="http://schemas.microsoft.com/office/drawing/2014/main" id="{20C84D58-AEF3-427B-AB32-79258A15E907}"/>
+                </a:ext>
+                <a:ext uri="{C183D7F6-B498-43B3-948B-1728B52AA6E4}">
+                  <adec:decorative xmlns:adec="http://schemas.microsoft.com/office/drawing/2017/decorative" val="1"/>
+                </a:ext>
+              </a:extLst>
+            </p:cNvPr>
+            <p:cNvSpPr>
+              <a:spLocks/>
+            </p:cNvSpPr>
+            <p:nvPr>
+              <p:extLst>
+                <p:ext uri="{386F3935-93C4-4BCD-93E2-E3B085C9AB24}">
+                  <p16:designElem xmlns:p16="http://schemas.microsoft.com/office/powerpoint/2015/main" val="1"/>
+                </p:ext>
+              </p:extLst>
+            </p:nvPr>
+          </p:nvSpPr>
+          <p:spPr bwMode="auto">
+            <a:xfrm>
+              <a:off x="10979150" y="5694363"/>
+              <a:ext cx="1187450" cy="1149350"/>
+            </a:xfrm>
+            <a:custGeom>
+              <a:avLst/>
+              <a:gdLst>
+                <a:gd name="T0" fmla="*/ 0 w 250"/>
+                <a:gd name="T1" fmla="*/ 242 h 242"/>
+                <a:gd name="T2" fmla="*/ 250 w 250"/>
+                <a:gd name="T3" fmla="*/ 0 h 242"/>
+              </a:gdLst>
+              <a:ahLst/>
+              <a:cxnLst>
+                <a:cxn ang="0">
+                  <a:pos x="T0" y="T1"/>
+                </a:cxn>
+                <a:cxn ang="0">
+                  <a:pos x="T2" y="T3"/>
+                </a:cxn>
+              </a:cxnLst>
+              <a:rect l="0" t="0" r="r" b="b"/>
+              <a:pathLst>
+                <a:path w="250" h="242">
+                  <a:moveTo>
+                    <a:pt x="0" y="242"/>
+                  </a:moveTo>
+                  <a:cubicBezTo>
+                    <a:pt x="88" y="166"/>
+                    <a:pt x="172" y="85"/>
+                    <a:pt x="250" y="0"/>
+                  </a:cubicBezTo>
+                </a:path>
+              </a:pathLst>
+            </a:custGeom>
+            <a:noFill/>
+            <a:ln w="9525" cap="flat">
+              <a:solidFill>
+                <a:schemeClr val="tx1">
+                  <a:alpha val="20000"/>
+                </a:schemeClr>
+              </a:solidFill>
+              <a:prstDash val="solid"/>
+              <a:miter lim="800000"/>
+              <a:headEnd/>
+              <a:tailEnd/>
+            </a:ln>
+            <a:extLst>
+              <a:ext uri="{909E8E84-426E-40DD-AFC4-6F175D3DCCD1}">
+                <a14:hiddenFill xmlns:a14="http://schemas.microsoft.com/office/drawing/2010/main">
+                  <a:solidFill>
+                    <a:srgbClr val="FFFFFF"/>
+                  </a:solidFill>
+                </a14:hiddenFill>
+              </a:ext>
+            </a:extLst>
+          </p:spPr>
+          <p:txBody>
+            <a:bodyPr vert="horz" wrap="square" lIns="91440" tIns="45720" rIns="91440" bIns="45720" numCol="1" anchor="t" anchorCtr="0" compatLnSpc="1">
+              <a:prstTxWarp prst="textNoShape">
+                <a:avLst/>
+              </a:prstTxWarp>
+            </a:bodyPr>
+            <a:lstStyle/>
+            <a:p>
+              <a:endParaRPr lang="en-US"/>
+            </a:p>
+          </p:txBody>
+        </p:sp>
+        <p:sp>
+          <p:nvSpPr>
+            <p:cNvPr id="84" name="Freeform 18">
+              <a:extLst>
+                <a:ext uri="{FF2B5EF4-FFF2-40B4-BE49-F238E27FC236}">
+                  <a16:creationId xmlns:a16="http://schemas.microsoft.com/office/drawing/2014/main" id="{8349E609-0C92-4F91-89B1-5C94C9251BC5}"/>
+                </a:ext>
+                <a:ext uri="{C183D7F6-B498-43B3-948B-1728B52AA6E4}">
+                  <adec:decorative xmlns:adec="http://schemas.microsoft.com/office/drawing/2017/decorative" val="1"/>
+                </a:ext>
+              </a:extLst>
+            </p:cNvPr>
+            <p:cNvSpPr>
+              <a:spLocks/>
+            </p:cNvSpPr>
+            <p:nvPr>
+              <p:extLst>
+                <p:ext uri="{386F3935-93C4-4BCD-93E2-E3B085C9AB24}">
+                  <p16:designElem xmlns:p16="http://schemas.microsoft.com/office/powerpoint/2015/main" val="1"/>
+                </p:ext>
+              </p:extLst>
+            </p:nvPr>
+          </p:nvSpPr>
+          <p:spPr bwMode="auto">
+            <a:xfrm>
+              <a:off x="484188" y="0"/>
+              <a:ext cx="3421063" cy="6843713"/>
+            </a:xfrm>
+            <a:custGeom>
+              <a:avLst/>
+              <a:gdLst>
+                <a:gd name="T0" fmla="*/ 720 w 720"/>
+                <a:gd name="T1" fmla="*/ 0 h 1440"/>
+                <a:gd name="T2" fmla="*/ 362 w 720"/>
+                <a:gd name="T3" fmla="*/ 1440 h 1440"/>
+              </a:gdLst>
+              <a:ahLst/>
+              <a:cxnLst>
+                <a:cxn ang="0">
+                  <a:pos x="T0" y="T1"/>
+                </a:cxn>
+                <a:cxn ang="0">
+                  <a:pos x="T2" y="T3"/>
+                </a:cxn>
+              </a:cxnLst>
+              <a:rect l="0" t="0" r="r" b="b"/>
+              <a:pathLst>
+                <a:path w="720" h="1440">
+                  <a:moveTo>
+                    <a:pt x="720" y="0"/>
+                  </a:moveTo>
+                  <a:cubicBezTo>
+                    <a:pt x="316" y="282"/>
+                    <a:pt x="0" y="1018"/>
+                    <a:pt x="362" y="1440"/>
+                  </a:cubicBezTo>
+                </a:path>
+              </a:pathLst>
+            </a:custGeom>
+            <a:noFill/>
+            <a:ln w="9525" cap="flat">
+              <a:solidFill>
+                <a:schemeClr val="tx1">
+                  <a:alpha val="20000"/>
+                </a:schemeClr>
+              </a:solidFill>
+              <a:prstDash val="solid"/>
+              <a:miter lim="800000"/>
+              <a:headEnd/>
+              <a:tailEnd/>
+            </a:ln>
+            <a:extLst>
+              <a:ext uri="{909E8E84-426E-40DD-AFC4-6F175D3DCCD1}">
+                <a14:hiddenFill xmlns:a14="http://schemas.microsoft.com/office/drawing/2010/main">
+                  <a:solidFill>
+                    <a:srgbClr val="FFFFFF"/>
+                  </a:solidFill>
+                </a14:hiddenFill>
+              </a:ext>
+            </a:extLst>
+          </p:spPr>
+          <p:txBody>
+            <a:bodyPr vert="horz" wrap="square" lIns="91440" tIns="45720" rIns="91440" bIns="45720" numCol="1" anchor="t" anchorCtr="0" compatLnSpc="1">
+              <a:prstTxWarp prst="textNoShape">
+                <a:avLst/>
+              </a:prstTxWarp>
+            </a:bodyPr>
+            <a:lstStyle/>
+            <a:p>
+              <a:endParaRPr lang="en-US"/>
+            </a:p>
+          </p:txBody>
+        </p:sp>
+        <p:sp>
+          <p:nvSpPr>
+            <p:cNvPr id="85" name="Freeform 19">
+              <a:extLst>
+                <a:ext uri="{FF2B5EF4-FFF2-40B4-BE49-F238E27FC236}">
+                  <a16:creationId xmlns:a16="http://schemas.microsoft.com/office/drawing/2014/main" id="{9F4BEC74-0C2A-4036-83A0-E11E5A0E66AC}"/>
+                </a:ext>
+                <a:ext uri="{C183D7F6-B498-43B3-948B-1728B52AA6E4}">
+                  <adec:decorative xmlns:adec="http://schemas.microsoft.com/office/drawing/2017/decorative" val="1"/>
+                </a:ext>
+              </a:extLst>
+            </p:cNvPr>
+            <p:cNvSpPr>
+              <a:spLocks/>
+            </p:cNvSpPr>
+            <p:nvPr>
+              <p:extLst>
+                <p:ext uri="{386F3935-93C4-4BCD-93E2-E3B085C9AB24}">
+                  <p16:designElem xmlns:p16="http://schemas.microsoft.com/office/powerpoint/2015/main" val="1"/>
+                </p:ext>
+              </p:extLst>
+            </p:nvPr>
+          </p:nvSpPr>
+          <p:spPr bwMode="auto">
+            <a:xfrm>
+              <a:off x="11287125" y="6049963"/>
+              <a:ext cx="879475" cy="793750"/>
+            </a:xfrm>
+            <a:custGeom>
+              <a:avLst/>
+              <a:gdLst>
+                <a:gd name="T0" fmla="*/ 0 w 185"/>
+                <a:gd name="T1" fmla="*/ 167 h 167"/>
+                <a:gd name="T2" fmla="*/ 185 w 185"/>
+                <a:gd name="T3" fmla="*/ 0 h 167"/>
+              </a:gdLst>
+              <a:ahLst/>
+              <a:cxnLst>
+                <a:cxn ang="0">
+                  <a:pos x="T0" y="T1"/>
+                </a:cxn>
+                <a:cxn ang="0">
+                  <a:pos x="T2" y="T3"/>
+                </a:cxn>
+              </a:cxnLst>
+              <a:rect l="0" t="0" r="r" b="b"/>
+              <a:pathLst>
+                <a:path w="185" h="167">
+                  <a:moveTo>
+                    <a:pt x="0" y="167"/>
+                  </a:moveTo>
+                  <a:cubicBezTo>
+                    <a:pt x="63" y="114"/>
+                    <a:pt x="125" y="58"/>
+                    <a:pt x="185" y="0"/>
+                  </a:cubicBezTo>
+                </a:path>
+              </a:pathLst>
+            </a:custGeom>
+            <a:noFill/>
+            <a:ln w="9525" cap="flat">
+              <a:solidFill>
+                <a:schemeClr val="tx1">
+                  <a:alpha val="20000"/>
+                </a:schemeClr>
+              </a:solidFill>
+              <a:prstDash val="solid"/>
+              <a:miter lim="800000"/>
+              <a:headEnd/>
+              <a:tailEnd/>
+            </a:ln>
+            <a:extLst>
+              <a:ext uri="{909E8E84-426E-40DD-AFC4-6F175D3DCCD1}">
+                <a14:hiddenFill xmlns:a14="http://schemas.microsoft.com/office/drawing/2010/main">
+                  <a:solidFill>
+                    <a:srgbClr val="FFFFFF"/>
+                  </a:solidFill>
+                </a14:hiddenFill>
+              </a:ext>
+            </a:extLst>
+          </p:spPr>
+          <p:txBody>
+            <a:bodyPr vert="horz" wrap="square" lIns="91440" tIns="45720" rIns="91440" bIns="45720" numCol="1" anchor="t" anchorCtr="0" compatLnSpc="1">
+              <a:prstTxWarp prst="textNoShape">
+                <a:avLst/>
+              </a:prstTxWarp>
+            </a:bodyPr>
+            <a:lstStyle/>
+            <a:p>
+              <a:endParaRPr lang="en-US"/>
+            </a:p>
+          </p:txBody>
+        </p:sp>
+        <p:sp>
+          <p:nvSpPr>
+            <p:cNvPr id="86" name="Freeform 20">
+              <a:extLst>
+                <a:ext uri="{FF2B5EF4-FFF2-40B4-BE49-F238E27FC236}">
+                  <a16:creationId xmlns:a16="http://schemas.microsoft.com/office/drawing/2014/main" id="{66BDD5B6-43ED-40BD-B824-3E5599254908}"/>
+                </a:ext>
+                <a:ext uri="{C183D7F6-B498-43B3-948B-1728B52AA6E4}">
+                  <adec:decorative xmlns:adec="http://schemas.microsoft.com/office/drawing/2017/decorative" val="1"/>
+                </a:ext>
+              </a:extLst>
+            </p:cNvPr>
+            <p:cNvSpPr>
+              <a:spLocks/>
+            </p:cNvSpPr>
+            <p:nvPr>
+              <p:extLst>
+                <p:ext uri="{386F3935-93C4-4BCD-93E2-E3B085C9AB24}">
+                  <p16:designElem xmlns:p16="http://schemas.microsoft.com/office/powerpoint/2015/main" val="1"/>
+                </p:ext>
+              </p:extLst>
+            </p:nvPr>
+          </p:nvSpPr>
+          <p:spPr bwMode="auto">
+            <a:xfrm>
+              <a:off x="598488" y="0"/>
+              <a:ext cx="2717800" cy="6843713"/>
+            </a:xfrm>
+            <a:custGeom>
+              <a:avLst/>
+              <a:gdLst>
+                <a:gd name="T0" fmla="*/ 572 w 572"/>
+                <a:gd name="T1" fmla="*/ 0 h 1440"/>
+                <a:gd name="T2" fmla="*/ 164 w 572"/>
+                <a:gd name="T3" fmla="*/ 1440 h 1440"/>
+              </a:gdLst>
+              <a:ahLst/>
+              <a:cxnLst>
+                <a:cxn ang="0">
+                  <a:pos x="T0" y="T1"/>
+                </a:cxn>
+                <a:cxn ang="0">
+                  <a:pos x="T2" y="T3"/>
+                </a:cxn>
+              </a:cxnLst>
+              <a:rect l="0" t="0" r="r" b="b"/>
+              <a:pathLst>
+                <a:path w="572" h="1440">
+                  <a:moveTo>
+                    <a:pt x="572" y="0"/>
+                  </a:moveTo>
+                  <a:cubicBezTo>
+                    <a:pt x="213" y="320"/>
+                    <a:pt x="0" y="979"/>
+                    <a:pt x="164" y="1440"/>
+                  </a:cubicBezTo>
+                </a:path>
+              </a:pathLst>
+            </a:custGeom>
+            <a:noFill/>
+            <a:ln w="12700" cap="flat">
+              <a:solidFill>
+                <a:schemeClr val="tx1">
+                  <a:alpha val="20000"/>
+                </a:schemeClr>
+              </a:solidFill>
+              <a:prstDash val="dashDot"/>
+              <a:miter lim="800000"/>
+              <a:headEnd/>
+              <a:tailEnd/>
+            </a:ln>
+            <a:extLst>
+              <a:ext uri="{909E8E84-426E-40DD-AFC4-6F175D3DCCD1}">
+                <a14:hiddenFill xmlns:a14="http://schemas.microsoft.com/office/drawing/2010/main">
+                  <a:solidFill>
+                    <a:srgbClr val="FFFFFF"/>
+                  </a:solidFill>
+                </a14:hiddenFill>
+              </a:ext>
+            </a:extLst>
+          </p:spPr>
+          <p:txBody>
+            <a:bodyPr vert="horz" wrap="square" lIns="91440" tIns="45720" rIns="91440" bIns="45720" numCol="1" anchor="t" anchorCtr="0" compatLnSpc="1">
+              <a:prstTxWarp prst="textNoShape">
+                <a:avLst/>
+              </a:prstTxWarp>
+            </a:bodyPr>
+            <a:lstStyle/>
+            <a:p>
+              <a:endParaRPr lang="en-US"/>
+            </a:p>
+          </p:txBody>
+        </p:sp>
+        <p:sp>
+          <p:nvSpPr>
+            <p:cNvPr id="121" name="Freeform 21">
+              <a:extLst>
+                <a:ext uri="{FF2B5EF4-FFF2-40B4-BE49-F238E27FC236}">
+                  <a16:creationId xmlns:a16="http://schemas.microsoft.com/office/drawing/2014/main" id="{4BEE8984-3002-430C-BAA3-07B5A9E44DE3}"/>
+                </a:ext>
+                <a:ext uri="{C183D7F6-B498-43B3-948B-1728B52AA6E4}">
+                  <adec:decorative xmlns:adec="http://schemas.microsoft.com/office/drawing/2017/decorative" val="1"/>
+                </a:ext>
+              </a:extLst>
+            </p:cNvPr>
+            <p:cNvSpPr>
+              <a:spLocks/>
+            </p:cNvSpPr>
+            <p:nvPr>
+              <p:extLst>
+                <p:ext uri="{386F3935-93C4-4BCD-93E2-E3B085C9AB24}">
+                  <p16:designElem xmlns:p16="http://schemas.microsoft.com/office/powerpoint/2015/main" val="1"/>
+                </p:ext>
+              </p:extLst>
+            </p:nvPr>
+          </p:nvSpPr>
+          <p:spPr bwMode="auto">
+            <a:xfrm>
+              <a:off x="261938" y="0"/>
+              <a:ext cx="2944813" cy="6843713"/>
+            </a:xfrm>
+            <a:custGeom>
+              <a:avLst/>
+              <a:gdLst>
+                <a:gd name="T0" fmla="*/ 620 w 620"/>
+                <a:gd name="T1" fmla="*/ 0 h 1440"/>
+                <a:gd name="T2" fmla="*/ 186 w 620"/>
+                <a:gd name="T3" fmla="*/ 1440 h 1440"/>
+              </a:gdLst>
+              <a:ahLst/>
+              <a:cxnLst>
+                <a:cxn ang="0">
+                  <a:pos x="T0" y="T1"/>
+                </a:cxn>
+                <a:cxn ang="0">
+                  <a:pos x="T2" y="T3"/>
+                </a:cxn>
+              </a:cxnLst>
+              <a:rect l="0" t="0" r="r" b="b"/>
+              <a:pathLst>
+                <a:path w="620" h="1440">
+                  <a:moveTo>
+                    <a:pt x="620" y="0"/>
+                  </a:moveTo>
+                  <a:cubicBezTo>
+                    <a:pt x="248" y="325"/>
+                    <a:pt x="0" y="960"/>
+                    <a:pt x="186" y="1440"/>
+                  </a:cubicBezTo>
+                </a:path>
+              </a:pathLst>
+            </a:custGeom>
+            <a:noFill/>
+            <a:ln w="9525" cap="flat">
+              <a:solidFill>
+                <a:schemeClr val="tx1">
+                  <a:alpha val="20000"/>
+                </a:schemeClr>
+              </a:solidFill>
+              <a:prstDash val="lgDash"/>
+              <a:miter lim="800000"/>
+              <a:headEnd/>
+              <a:tailEnd/>
+            </a:ln>
+            <a:extLst>
+              <a:ext uri="{909E8E84-426E-40DD-AFC4-6F175D3DCCD1}">
+                <a14:hiddenFill xmlns:a14="http://schemas.microsoft.com/office/drawing/2010/main">
+                  <a:solidFill>
+                    <a:srgbClr val="FFFFFF"/>
+                  </a:solidFill>
+                </a14:hiddenFill>
+              </a:ext>
+            </a:extLst>
+          </p:spPr>
+          <p:txBody>
+            <a:bodyPr vert="horz" wrap="square" lIns="91440" tIns="45720" rIns="91440" bIns="45720" numCol="1" anchor="t" anchorCtr="0" compatLnSpc="1">
+              <a:prstTxWarp prst="textNoShape">
+                <a:avLst/>
+              </a:prstTxWarp>
+            </a:bodyPr>
+            <a:lstStyle/>
+            <a:p>
+              <a:endParaRPr lang="en-US"/>
+            </a:p>
+          </p:txBody>
+        </p:sp>
+        <p:sp>
+          <p:nvSpPr>
+            <p:cNvPr id="88" name="Freeform 22">
+              <a:extLst>
+                <a:ext uri="{FF2B5EF4-FFF2-40B4-BE49-F238E27FC236}">
+                  <a16:creationId xmlns:a16="http://schemas.microsoft.com/office/drawing/2014/main" id="{ECDED835-8808-4547-B671-A4B1456931EF}"/>
+                </a:ext>
+                <a:ext uri="{C183D7F6-B498-43B3-948B-1728B52AA6E4}">
+                  <adec:decorative xmlns:adec="http://schemas.microsoft.com/office/drawing/2017/decorative" val="1"/>
+                </a:ext>
+              </a:extLst>
+            </p:cNvPr>
+            <p:cNvSpPr>
+              <a:spLocks/>
+            </p:cNvSpPr>
+            <p:nvPr>
+              <p:extLst>
+                <p:ext uri="{386F3935-93C4-4BCD-93E2-E3B085C9AB24}">
+                  <p16:designElem xmlns:p16="http://schemas.microsoft.com/office/powerpoint/2015/main" val="1"/>
+                </p:ext>
+              </p:extLst>
+            </p:nvPr>
+          </p:nvSpPr>
+          <p:spPr bwMode="auto">
+            <a:xfrm>
+              <a:off x="-417513" y="0"/>
+              <a:ext cx="2403475" cy="6843713"/>
+            </a:xfrm>
+            <a:custGeom>
+              <a:avLst/>
+              <a:gdLst>
+                <a:gd name="T0" fmla="*/ 506 w 506"/>
+                <a:gd name="T1" fmla="*/ 0 h 1440"/>
+                <a:gd name="T2" fmla="*/ 171 w 506"/>
+                <a:gd name="T3" fmla="*/ 1440 h 1440"/>
+              </a:gdLst>
+              <a:ahLst/>
+              <a:cxnLst>
+                <a:cxn ang="0">
+                  <a:pos x="T0" y="T1"/>
+                </a:cxn>
+                <a:cxn ang="0">
+                  <a:pos x="T2" y="T3"/>
+                </a:cxn>
+              </a:cxnLst>
+              <a:rect l="0" t="0" r="r" b="b"/>
+              <a:pathLst>
+                <a:path w="506" h="1440">
+                  <a:moveTo>
+                    <a:pt x="506" y="0"/>
+                  </a:moveTo>
+                  <a:cubicBezTo>
+                    <a:pt x="109" y="356"/>
+                    <a:pt x="0" y="943"/>
+                    <a:pt x="171" y="1440"/>
+                  </a:cubicBezTo>
+                </a:path>
+              </a:pathLst>
+            </a:custGeom>
+            <a:noFill/>
+            <a:ln w="9525" cap="flat">
+              <a:solidFill>
+                <a:schemeClr val="tx1">
+                  <a:alpha val="20000"/>
+                </a:schemeClr>
+              </a:solidFill>
+              <a:prstDash val="solid"/>
+              <a:miter lim="800000"/>
+              <a:headEnd/>
+              <a:tailEnd/>
+            </a:ln>
+            <a:extLst>
+              <a:ext uri="{909E8E84-426E-40DD-AFC4-6F175D3DCCD1}">
+                <a14:hiddenFill xmlns:a14="http://schemas.microsoft.com/office/drawing/2010/main">
+                  <a:solidFill>
+                    <a:srgbClr val="FFFFFF"/>
+                  </a:solidFill>
+                </a14:hiddenFill>
+              </a:ext>
+            </a:extLst>
+          </p:spPr>
+          <p:txBody>
+            <a:bodyPr vert="horz" wrap="square" lIns="91440" tIns="45720" rIns="91440" bIns="45720" numCol="1" anchor="t" anchorCtr="0" compatLnSpc="1">
+              <a:prstTxWarp prst="textNoShape">
+                <a:avLst/>
+              </a:prstTxWarp>
+            </a:bodyPr>
+            <a:lstStyle/>
+            <a:p>
+              <a:endParaRPr lang="en-US"/>
+            </a:p>
+          </p:txBody>
+        </p:sp>
+        <p:sp>
+          <p:nvSpPr>
+            <p:cNvPr id="89" name="Freeform 23">
+              <a:extLst>
+                <a:ext uri="{FF2B5EF4-FFF2-40B4-BE49-F238E27FC236}">
+                  <a16:creationId xmlns:a16="http://schemas.microsoft.com/office/drawing/2014/main" id="{6945339E-DF1D-402A-B895-C3D5A7B6A3E4}"/>
+                </a:ext>
+                <a:ext uri="{C183D7F6-B498-43B3-948B-1728B52AA6E4}">
+                  <adec:decorative xmlns:adec="http://schemas.microsoft.com/office/drawing/2017/decorative" val="1"/>
+                </a:ext>
+              </a:extLst>
+            </p:cNvPr>
+            <p:cNvSpPr>
+              <a:spLocks/>
+            </p:cNvSpPr>
+            <p:nvPr>
+              <p:extLst>
+                <p:ext uri="{386F3935-93C4-4BCD-93E2-E3B085C9AB24}">
+                  <p16:designElem xmlns:p16="http://schemas.microsoft.com/office/powerpoint/2015/main" val="1"/>
+                </p:ext>
+              </p:extLst>
+            </p:nvPr>
+          </p:nvSpPr>
+          <p:spPr bwMode="auto">
+            <a:xfrm>
+              <a:off x="14288" y="9525"/>
+              <a:ext cx="1771650" cy="3198813"/>
+            </a:xfrm>
+            <a:custGeom>
+              <a:avLst/>
+              <a:gdLst>
+                <a:gd name="T0" fmla="*/ 373 w 373"/>
+                <a:gd name="T1" fmla="*/ 0 h 673"/>
+                <a:gd name="T2" fmla="*/ 0 w 373"/>
+                <a:gd name="T3" fmla="*/ 673 h 673"/>
+              </a:gdLst>
+              <a:ahLst/>
+              <a:cxnLst>
+                <a:cxn ang="0">
+                  <a:pos x="T0" y="T1"/>
+                </a:cxn>
+                <a:cxn ang="0">
+                  <a:pos x="T2" y="T3"/>
+                </a:cxn>
+              </a:cxnLst>
+              <a:rect l="0" t="0" r="r" b="b"/>
+              <a:pathLst>
+                <a:path w="373" h="673">
+                  <a:moveTo>
+                    <a:pt x="373" y="0"/>
+                  </a:moveTo>
+                  <a:cubicBezTo>
+                    <a:pt x="175" y="183"/>
+                    <a:pt x="51" y="409"/>
+                    <a:pt x="0" y="673"/>
+                  </a:cubicBezTo>
+                </a:path>
+              </a:pathLst>
+            </a:custGeom>
+            <a:noFill/>
+            <a:ln w="9525" cap="flat">
+              <a:solidFill>
+                <a:schemeClr val="tx1">
+                  <a:alpha val="20000"/>
+                </a:schemeClr>
+              </a:solidFill>
+              <a:prstDash val="solid"/>
+              <a:miter lim="800000"/>
+              <a:headEnd/>
+              <a:tailEnd/>
+            </a:ln>
+            <a:extLst>
+              <a:ext uri="{909E8E84-426E-40DD-AFC4-6F175D3DCCD1}">
+                <a14:hiddenFill xmlns:a14="http://schemas.microsoft.com/office/drawing/2010/main">
+                  <a:solidFill>
+                    <a:srgbClr val="FFFFFF"/>
+                  </a:solidFill>
+                </a14:hiddenFill>
+              </a:ext>
+            </a:extLst>
+          </p:spPr>
+          <p:txBody>
+            <a:bodyPr vert="horz" wrap="square" lIns="91440" tIns="45720" rIns="91440" bIns="45720" numCol="1" anchor="t" anchorCtr="0" compatLnSpc="1">
+              <a:prstTxWarp prst="textNoShape">
+                <a:avLst/>
+              </a:prstTxWarp>
+            </a:bodyPr>
+            <a:lstStyle/>
+            <a:p>
+              <a:endParaRPr lang="en-US"/>
+            </a:p>
+          </p:txBody>
+        </p:sp>
+        <p:sp>
+          <p:nvSpPr>
+            <p:cNvPr id="90" name="Freeform 24">
+              <a:extLst>
+                <a:ext uri="{FF2B5EF4-FFF2-40B4-BE49-F238E27FC236}">
+                  <a16:creationId xmlns:a16="http://schemas.microsoft.com/office/drawing/2014/main" id="{E9A8615A-6F1F-4407-AF1F-543B0F7937D8}"/>
+                </a:ext>
+                <a:ext uri="{C183D7F6-B498-43B3-948B-1728B52AA6E4}">
+                  <adec:decorative xmlns:adec="http://schemas.microsoft.com/office/drawing/2017/decorative" val="1"/>
+                </a:ext>
+              </a:extLst>
+            </p:cNvPr>
+            <p:cNvSpPr>
+              <a:spLocks/>
+            </p:cNvSpPr>
+            <p:nvPr>
+              <p:extLst>
+                <p:ext uri="{386F3935-93C4-4BCD-93E2-E3B085C9AB24}">
+                  <p16:designElem xmlns:p16="http://schemas.microsoft.com/office/powerpoint/2015/main" val="1"/>
+                </p:ext>
+              </p:extLst>
+            </p:nvPr>
+          </p:nvSpPr>
+          <p:spPr bwMode="auto">
+            <a:xfrm>
+              <a:off x="4763" y="6016625"/>
+              <a:ext cx="214313" cy="827088"/>
+            </a:xfrm>
+            <a:custGeom>
+              <a:avLst/>
+              <a:gdLst>
+                <a:gd name="T0" fmla="*/ 0 w 45"/>
+                <a:gd name="T1" fmla="*/ 0 h 174"/>
+                <a:gd name="T2" fmla="*/ 45 w 45"/>
+                <a:gd name="T3" fmla="*/ 174 h 174"/>
+              </a:gdLst>
+              <a:ahLst/>
+              <a:cxnLst>
+                <a:cxn ang="0">
+                  <a:pos x="T0" y="T1"/>
+                </a:cxn>
+                <a:cxn ang="0">
+                  <a:pos x="T2" y="T3"/>
+                </a:cxn>
+              </a:cxnLst>
+              <a:rect l="0" t="0" r="r" b="b"/>
+              <a:pathLst>
+                <a:path w="45" h="174">
+                  <a:moveTo>
+                    <a:pt x="0" y="0"/>
+                  </a:moveTo>
+                  <a:cubicBezTo>
+                    <a:pt x="11" y="59"/>
+                    <a:pt x="26" y="118"/>
+                    <a:pt x="45" y="174"/>
+                  </a:cubicBezTo>
+                </a:path>
+              </a:pathLst>
+            </a:custGeom>
+            <a:noFill/>
+            <a:ln w="9525" cap="flat">
+              <a:solidFill>
+                <a:schemeClr val="tx1">
+                  <a:alpha val="20000"/>
+                </a:schemeClr>
+              </a:solidFill>
+              <a:prstDash val="solid"/>
+              <a:miter lim="800000"/>
+              <a:headEnd/>
+              <a:tailEnd/>
+            </a:ln>
+            <a:extLst>
+              <a:ext uri="{909E8E84-426E-40DD-AFC4-6F175D3DCCD1}">
+                <a14:hiddenFill xmlns:a14="http://schemas.microsoft.com/office/drawing/2010/main">
+                  <a:solidFill>
+                    <a:srgbClr val="FFFFFF"/>
+                  </a:solidFill>
+                </a14:hiddenFill>
+              </a:ext>
+            </a:extLst>
+          </p:spPr>
+          <p:txBody>
+            <a:bodyPr vert="horz" wrap="square" lIns="91440" tIns="45720" rIns="91440" bIns="45720" numCol="1" anchor="t" anchorCtr="0" compatLnSpc="1">
+              <a:prstTxWarp prst="textNoShape">
+                <a:avLst/>
+              </a:prstTxWarp>
+            </a:bodyPr>
+            <a:lstStyle/>
+            <a:p>
+              <a:endParaRPr lang="en-US"/>
+            </a:p>
+          </p:txBody>
+        </p:sp>
+        <p:sp>
+          <p:nvSpPr>
+            <p:cNvPr id="91" name="Freeform 25">
+              <a:extLst>
+                <a:ext uri="{FF2B5EF4-FFF2-40B4-BE49-F238E27FC236}">
+                  <a16:creationId xmlns:a16="http://schemas.microsoft.com/office/drawing/2014/main" id="{0901BB97-6793-45AF-8544-6A1F1D4161D0}"/>
+                </a:ext>
+                <a:ext uri="{C183D7F6-B498-43B3-948B-1728B52AA6E4}">
+                  <adec:decorative xmlns:adec="http://schemas.microsoft.com/office/drawing/2017/decorative" val="1"/>
+                </a:ext>
+              </a:extLst>
+            </p:cNvPr>
+            <p:cNvSpPr>
+              <a:spLocks/>
+            </p:cNvSpPr>
+            <p:nvPr>
+              <p:extLst>
+                <p:ext uri="{386F3935-93C4-4BCD-93E2-E3B085C9AB24}">
+                  <p16:designElem xmlns:p16="http://schemas.microsoft.com/office/powerpoint/2015/main" val="1"/>
+                </p:ext>
+              </p:extLst>
+            </p:nvPr>
+          </p:nvSpPr>
+          <p:spPr bwMode="auto">
+            <a:xfrm>
+              <a:off x="14288" y="0"/>
+              <a:ext cx="1562100" cy="2228850"/>
+            </a:xfrm>
+            <a:custGeom>
+              <a:avLst/>
+              <a:gdLst>
+                <a:gd name="T0" fmla="*/ 329 w 329"/>
+                <a:gd name="T1" fmla="*/ 0 h 469"/>
+                <a:gd name="T2" fmla="*/ 0 w 329"/>
+                <a:gd name="T3" fmla="*/ 469 h 469"/>
+              </a:gdLst>
+              <a:ahLst/>
+              <a:cxnLst>
+                <a:cxn ang="0">
+                  <a:pos x="T0" y="T1"/>
+                </a:cxn>
+                <a:cxn ang="0">
+                  <a:pos x="T2" y="T3"/>
+                </a:cxn>
+              </a:cxnLst>
+              <a:rect l="0" t="0" r="r" b="b"/>
+              <a:pathLst>
+                <a:path w="329" h="469">
+                  <a:moveTo>
+                    <a:pt x="329" y="0"/>
+                  </a:moveTo>
+                  <a:cubicBezTo>
+                    <a:pt x="189" y="133"/>
+                    <a:pt x="69" y="288"/>
+                    <a:pt x="0" y="469"/>
+                  </a:cubicBezTo>
+                </a:path>
+              </a:pathLst>
+            </a:custGeom>
+            <a:noFill/>
+            <a:ln w="9525" cap="flat">
+              <a:solidFill>
+                <a:schemeClr val="tx1">
+                  <a:alpha val="20000"/>
+                </a:schemeClr>
+              </a:solidFill>
+              <a:prstDash val="solid"/>
+              <a:miter lim="800000"/>
+              <a:headEnd/>
+              <a:tailEnd/>
+            </a:ln>
+            <a:extLst>
+              <a:ext uri="{909E8E84-426E-40DD-AFC4-6F175D3DCCD1}">
+                <a14:hiddenFill xmlns:a14="http://schemas.microsoft.com/office/drawing/2010/main">
+                  <a:solidFill>
+                    <a:srgbClr val="FFFFFF"/>
+                  </a:solidFill>
+                </a14:hiddenFill>
+              </a:ext>
+            </a:extLst>
+          </p:spPr>
+          <p:txBody>
+            <a:bodyPr vert="horz" wrap="square" lIns="91440" tIns="45720" rIns="91440" bIns="45720" numCol="1" anchor="t" anchorCtr="0" compatLnSpc="1">
+              <a:prstTxWarp prst="textNoShape">
+                <a:avLst/>
+              </a:prstTxWarp>
+            </a:bodyPr>
+            <a:lstStyle/>
+            <a:p>
+              <a:endParaRPr lang="en-US"/>
+            </a:p>
+          </p:txBody>
+        </p:sp>
+      </p:grpSp>
+      <p:sp>
+        <p:nvSpPr>
+          <p:cNvPr id="93" name="Rectangle 92">
+            <a:extLst>
+              <a:ext uri="{FF2B5EF4-FFF2-40B4-BE49-F238E27FC236}">
+                <a16:creationId xmlns:a16="http://schemas.microsoft.com/office/drawing/2014/main" id="{3F3FAF1D-1278-4A37-ABCF-337384CA2B56}"/>
+              </a:ext>
+              <a:ext uri="{C183D7F6-B498-43B3-948B-1728B52AA6E4}">
+                <adec:decorative xmlns:adec="http://schemas.microsoft.com/office/drawing/2017/decorative" val="1"/>
+              </a:ext>
+            </a:extLst>
+          </p:cNvPr>
+          <p:cNvSpPr>
+            <a:spLocks noGrp="1" noRot="1" noChangeAspect="1" noMove="1" noResize="1" noEditPoints="1" noAdjustHandles="1" noChangeArrowheads="1" noChangeShapeType="1" noTextEdit="1"/>
+          </p:cNvSpPr>
+          <p:nvPr>
+            <p:extLst>
+              <p:ext uri="{386F3935-93C4-4BCD-93E2-E3B085C9AB24}">
+                <p16:designElem xmlns:p16="http://schemas.microsoft.com/office/powerpoint/2015/main" val="1"/>
+              </p:ext>
+            </p:extLst>
+          </p:nvPr>
+        </p:nvSpPr>
+        <p:spPr>
+          <a:xfrm>
+            <a:off x="791683" y="1047102"/>
+            <a:ext cx="4484074" cy="502920"/>
+          </a:xfrm>
+          <a:prstGeom prst="rect">
+            <a:avLst/>
+          </a:prstGeom>
+          <a:solidFill>
+            <a:schemeClr val="accent1"/>
+          </a:solidFill>
+          <a:ln>
+            <a:noFill/>
+          </a:ln>
+        </p:spPr>
+        <p:style>
+          <a:lnRef idx="2">
+            <a:schemeClr val="accent1">
+              <a:shade val="50000"/>
+            </a:schemeClr>
+          </a:lnRef>
+          <a:fillRef idx="1">
+            <a:schemeClr val="accent1"/>
+          </a:fillRef>
+          <a:effectRef idx="0">
+            <a:schemeClr val="accent1"/>
+          </a:effectRef>
+          <a:fontRef idx="minor">
+            <a:schemeClr val="lt1"/>
+          </a:fontRef>
+        </p:style>
+        <p:txBody>
+          <a:bodyPr rtlCol="0" anchor="ctr"/>
+          <a:lstStyle/>
+          <a:p>
+            <a:pPr algn="ctr"/>
+            <a:endParaRPr lang="en-US"/>
+          </a:p>
+        </p:txBody>
+      </p:sp>
+      <p:sp>
+        <p:nvSpPr>
+          <p:cNvPr id="122" name="Rectangle 94">
+            <a:extLst>
+              <a:ext uri="{FF2B5EF4-FFF2-40B4-BE49-F238E27FC236}">
+                <a16:creationId xmlns:a16="http://schemas.microsoft.com/office/drawing/2014/main" id="{C81E68E0-B98F-44E8-B1A7-A7631A3D7083}"/>
+              </a:ext>
+              <a:ext uri="{C183D7F6-B498-43B3-948B-1728B52AA6E4}">
+                <adec:decorative xmlns:adec="http://schemas.microsoft.com/office/drawing/2017/decorative" val="1"/>
+              </a:ext>
+            </a:extLst>
+          </p:cNvPr>
+          <p:cNvSpPr>
+            <a:spLocks noGrp="1" noRot="1" noChangeAspect="1" noMove="1" noResize="1" noEditPoints="1" noAdjustHandles="1" noChangeArrowheads="1" noChangeShapeType="1" noTextEdit="1"/>
+          </p:cNvSpPr>
+          <p:nvPr>
+            <p:extLst>
+              <p:ext uri="{386F3935-93C4-4BCD-93E2-E3B085C9AB24}">
+                <p16:designElem xmlns:p16="http://schemas.microsoft.com/office/powerpoint/2015/main" val="1"/>
+              </p:ext>
+            </p:extLst>
+          </p:nvPr>
+        </p:nvSpPr>
+        <p:spPr>
+          <a:xfrm>
+            <a:off x="6089296" y="0"/>
+            <a:ext cx="6101060" cy="6858000"/>
+          </a:xfrm>
+          <a:prstGeom prst="rect">
+            <a:avLst/>
+          </a:prstGeom>
+          <a:solidFill>
+            <a:schemeClr val="bg1"/>
+          </a:solidFill>
+          <a:ln w="9525">
+            <a:solidFill>
+              <a:schemeClr val="tx1">
+                <a:alpha val="20000"/>
+              </a:schemeClr>
+            </a:solidFill>
+          </a:ln>
+        </p:spPr>
+        <p:style>
+          <a:lnRef idx="2">
+            <a:schemeClr val="accent1">
+              <a:shade val="50000"/>
+            </a:schemeClr>
+          </a:lnRef>
+          <a:fillRef idx="1">
+            <a:schemeClr val="accent1"/>
+          </a:fillRef>
+          <a:effectRef idx="0">
+            <a:schemeClr val="accent1"/>
+          </a:effectRef>
+          <a:fontRef idx="minor">
+            <a:schemeClr val="lt1"/>
+          </a:fontRef>
+        </p:style>
+        <p:txBody>
+          <a:bodyPr rot="0" spcFirstLastPara="0" vert="horz" wrap="square" lIns="91440" tIns="45720" rIns="91440" bIns="45720" numCol="1" spcCol="0" rtlCol="0" fromWordArt="0" anchor="ctr" anchorCtr="0" forceAA="0" compatLnSpc="1">
+            <a:prstTxWarp prst="textNoShape">
+              <a:avLst/>
+            </a:prstTxWarp>
+            <a:noAutofit/>
+          </a:bodyPr>
+          <a:lstStyle>
+            <a:defPPr>
+              <a:defRPr lang="en-US"/>
+            </a:defPPr>
+            <a:lvl1pPr marL="0" algn="l" defTabSz="457200" rtl="0" eaLnBrk="1" latinLnBrk="0" hangingPunct="1">
+              <a:defRPr sz="1800" kern="1200">
+                <a:solidFill>
+                  <a:schemeClr val="lt1"/>
+                </a:solidFill>
+                <a:latin typeface="+mn-lt"/>
+                <a:ea typeface="+mn-ea"/>
+                <a:cs typeface="+mn-cs"/>
+              </a:defRPr>
+            </a:lvl1pPr>
+            <a:lvl2pPr marL="457200" algn="l" defTabSz="457200" rtl="0" eaLnBrk="1" latinLnBrk="0" hangingPunct="1">
+              <a:defRPr sz="1800" kern="1200">
+                <a:solidFill>
+                  <a:schemeClr val="lt1"/>
+                </a:solidFill>
+                <a:latin typeface="+mn-lt"/>
+                <a:ea typeface="+mn-ea"/>
+                <a:cs typeface="+mn-cs"/>
+              </a:defRPr>
+            </a:lvl2pPr>
+            <a:lvl3pPr marL="914400" algn="l" defTabSz="457200" rtl="0" eaLnBrk="1" latinLnBrk="0" hangingPunct="1">
+              <a:defRPr sz="1800" kern="1200">
+                <a:solidFill>
+                  <a:schemeClr val="lt1"/>
+                </a:solidFill>
+                <a:latin typeface="+mn-lt"/>
+                <a:ea typeface="+mn-ea"/>
+                <a:cs typeface="+mn-cs"/>
+              </a:defRPr>
+            </a:lvl3pPr>
+            <a:lvl4pPr marL="1371600" algn="l" defTabSz="457200" rtl="0" eaLnBrk="1" latinLnBrk="0" hangingPunct="1">
+              <a:defRPr sz="1800" kern="1200">
+                <a:solidFill>
+                  <a:schemeClr val="lt1"/>
+                </a:solidFill>
+                <a:latin typeface="+mn-lt"/>
+                <a:ea typeface="+mn-ea"/>
+                <a:cs typeface="+mn-cs"/>
+              </a:defRPr>
+            </a:lvl4pPr>
+            <a:lvl5pPr marL="1828800" algn="l" defTabSz="457200" rtl="0" eaLnBrk="1" latinLnBrk="0" hangingPunct="1">
+              <a:defRPr sz="1800" kern="1200">
+                <a:solidFill>
+                  <a:schemeClr val="lt1"/>
+                </a:solidFill>
+                <a:latin typeface="+mn-lt"/>
+                <a:ea typeface="+mn-ea"/>
+                <a:cs typeface="+mn-cs"/>
+              </a:defRPr>
+            </a:lvl5pPr>
+            <a:lvl6pPr marL="2286000" algn="l" defTabSz="457200" rtl="0" eaLnBrk="1" latinLnBrk="0" hangingPunct="1">
+              <a:defRPr sz="1800" kern="1200">
+                <a:solidFill>
+                  <a:schemeClr val="lt1"/>
+                </a:solidFill>
+                <a:latin typeface="+mn-lt"/>
+                <a:ea typeface="+mn-ea"/>
+                <a:cs typeface="+mn-cs"/>
+              </a:defRPr>
+            </a:lvl6pPr>
+            <a:lvl7pPr marL="2743200" algn="l" defTabSz="457200" rtl="0" eaLnBrk="1" latinLnBrk="0" hangingPunct="1">
+              <a:defRPr sz="1800" kern="1200">
+                <a:solidFill>
+                  <a:schemeClr val="lt1"/>
+                </a:solidFill>
+                <a:latin typeface="+mn-lt"/>
+                <a:ea typeface="+mn-ea"/>
+                <a:cs typeface="+mn-cs"/>
+              </a:defRPr>
+            </a:lvl7pPr>
+            <a:lvl8pPr marL="3200400" algn="l" defTabSz="457200" rtl="0" eaLnBrk="1" latinLnBrk="0" hangingPunct="1">
+              <a:defRPr sz="1800" kern="1200">
+                <a:solidFill>
+                  <a:schemeClr val="lt1"/>
+                </a:solidFill>
+                <a:latin typeface="+mn-lt"/>
+                <a:ea typeface="+mn-ea"/>
+                <a:cs typeface="+mn-cs"/>
+              </a:defRPr>
+            </a:lvl8pPr>
+            <a:lvl9pPr marL="3657600" algn="l" defTabSz="457200" rtl="0" eaLnBrk="1" latinLnBrk="0" hangingPunct="1">
+              <a:defRPr sz="1800" kern="1200">
+                <a:solidFill>
+                  <a:schemeClr val="lt1"/>
+                </a:solidFill>
+                <a:latin typeface="+mn-lt"/>
+                <a:ea typeface="+mn-ea"/>
+                <a:cs typeface="+mn-cs"/>
+              </a:defRPr>
+            </a:lvl9pPr>
+          </a:lstStyle>
+          <a:p>
+            <a:pPr algn="ctr"/>
+            <a:endParaRPr lang="en-US"/>
+          </a:p>
+        </p:txBody>
+      </p:sp>
+      <p:pic>
+        <p:nvPicPr>
+          <p:cNvPr id="7" name="Picture 6" descr="Chart, diagram, scatter chart&#10;&#10;Description automatically generated">
+            <a:extLst>
+              <a:ext uri="{FF2B5EF4-FFF2-40B4-BE49-F238E27FC236}">
+                <a16:creationId xmlns:a16="http://schemas.microsoft.com/office/drawing/2014/main" id="{64029A46-6BFF-AE41-93A7-7F1E43DF3FEB}"/>
+              </a:ext>
+            </a:extLst>
+          </p:cNvPr>
+          <p:cNvPicPr>
+            <a:picLocks noChangeAspect="1"/>
+          </p:cNvPicPr>
+          <p:nvPr/>
+        </p:nvPicPr>
+        <p:blipFill>
+          <a:blip r:embed="rId2"/>
+          <a:stretch>
+            <a:fillRect/>
+          </a:stretch>
+        </p:blipFill>
+        <p:spPr>
+          <a:xfrm>
+            <a:off x="6406160" y="671266"/>
+            <a:ext cx="2570734" cy="2242965"/>
+          </a:xfrm>
+          <a:prstGeom prst="rect">
+            <a:avLst/>
+          </a:prstGeom>
+          <a:ln>
+            <a:solidFill>
+              <a:schemeClr val="bg1"/>
+            </a:solidFill>
+          </a:ln>
+        </p:spPr>
+      </p:pic>
+      <p:pic>
+        <p:nvPicPr>
+          <p:cNvPr id="5" name="Content Placeholder 4" descr="Chart, diagram&#10;&#10;Description automatically generated">
+            <a:extLst>
+              <a:ext uri="{FF2B5EF4-FFF2-40B4-BE49-F238E27FC236}">
+                <a16:creationId xmlns:a16="http://schemas.microsoft.com/office/drawing/2014/main" id="{C41A36E4-F7ED-0648-8383-80B61CABE13B}"/>
+              </a:ext>
+            </a:extLst>
+          </p:cNvPr>
+          <p:cNvPicPr>
+            <a:picLocks noChangeAspect="1"/>
+          </p:cNvPicPr>
+          <p:nvPr/>
+        </p:nvPicPr>
+        <p:blipFill>
+          <a:blip r:embed="rId3"/>
+          <a:stretch>
+            <a:fillRect/>
+          </a:stretch>
+        </p:blipFill>
+        <p:spPr>
+          <a:xfrm>
+            <a:off x="9298272" y="680208"/>
+            <a:ext cx="2572349" cy="2225081"/>
+          </a:xfrm>
+          <a:prstGeom prst="rect">
+            <a:avLst/>
+          </a:prstGeom>
+          <a:ln>
+            <a:solidFill>
+              <a:schemeClr val="bg1"/>
+            </a:solidFill>
+          </a:ln>
+        </p:spPr>
+      </p:pic>
+      <p:sp>
+        <p:nvSpPr>
+          <p:cNvPr id="123" name="Isosceles Triangle 22">
+            <a:extLst>
+              <a:ext uri="{FF2B5EF4-FFF2-40B4-BE49-F238E27FC236}">
+                <a16:creationId xmlns:a16="http://schemas.microsoft.com/office/drawing/2014/main" id="{7AFDCCA6-0059-4AD6-A4C5-2EC02B8777CA}"/>
+              </a:ext>
+              <a:ext uri="{C183D7F6-B498-43B3-948B-1728B52AA6E4}">
+                <adec:decorative xmlns:adec="http://schemas.microsoft.com/office/drawing/2017/decorative" val="1"/>
+              </a:ext>
+            </a:extLst>
+          </p:cNvPr>
+          <p:cNvSpPr>
+            <a:spLocks noGrp="1" noRot="1" noChangeAspect="1" noMove="1" noResize="1" noEditPoints="1" noAdjustHandles="1" noChangeArrowheads="1" noChangeShapeType="1" noTextEdit="1"/>
+          </p:cNvSpPr>
+          <p:nvPr>
+            <p:extLst>
+              <p:ext uri="{386F3935-93C4-4BCD-93E2-E3B085C9AB24}">
+                <p16:designElem xmlns:p16="http://schemas.microsoft.com/office/powerpoint/2015/main" val="1"/>
+              </p:ext>
+            </p:extLst>
+          </p:nvPr>
+        </p:nvSpPr>
+        <p:spPr>
+          <a:xfrm rot="10800000">
+            <a:off x="2875727" y="5546507"/>
+            <a:ext cx="315988" cy="272403"/>
+          </a:xfrm>
+          <a:prstGeom prst="triangle">
+            <a:avLst/>
+          </a:prstGeom>
+          <a:solidFill>
+            <a:schemeClr val="accent1"/>
+          </a:solidFill>
+          <a:ln>
+            <a:noFill/>
+          </a:ln>
+        </p:spPr>
+        <p:style>
+          <a:lnRef idx="2">
+            <a:schemeClr val="accent1">
+              <a:shade val="50000"/>
+            </a:schemeClr>
+          </a:lnRef>
+          <a:fillRef idx="1">
+            <a:schemeClr val="accent1"/>
+          </a:fillRef>
+          <a:effectRef idx="0">
+            <a:schemeClr val="accent1"/>
+          </a:effectRef>
+          <a:fontRef idx="minor">
+            <a:schemeClr val="lt1"/>
+          </a:fontRef>
+        </p:style>
+        <p:txBody>
+          <a:bodyPr rtlCol="0" anchor="ctr"/>
+          <a:lstStyle/>
+          <a:p>
+            <a:pPr algn="ctr"/>
+            <a:endParaRPr lang="en-US"/>
+          </a:p>
+        </p:txBody>
+      </p:sp>
+      <p:sp>
+        <p:nvSpPr>
+          <p:cNvPr id="124" name="Rectangle 98">
+            <a:extLst>
+              <a:ext uri="{FF2B5EF4-FFF2-40B4-BE49-F238E27FC236}">
+                <a16:creationId xmlns:a16="http://schemas.microsoft.com/office/drawing/2014/main" id="{CD36CCAC-B11A-45AC-AD69-53AB301EC7E1}"/>
+              </a:ext>
+              <a:ext uri="{C183D7F6-B498-43B3-948B-1728B52AA6E4}">
+                <adec:decorative xmlns:adec="http://schemas.microsoft.com/office/drawing/2017/decorative" val="1"/>
+              </a:ext>
+            </a:extLst>
+          </p:cNvPr>
+          <p:cNvSpPr>
+            <a:spLocks noGrp="1" noRot="1" noChangeAspect="1" noMove="1" noResize="1" noEditPoints="1" noAdjustHandles="1" noChangeArrowheads="1" noChangeShapeType="1" noTextEdit="1"/>
+          </p:cNvSpPr>
+          <p:nvPr>
+            <p:extLst>
+              <p:ext uri="{386F3935-93C4-4BCD-93E2-E3B085C9AB24}">
+                <p16:designElem xmlns:p16="http://schemas.microsoft.com/office/powerpoint/2015/main" val="1"/>
+              </p:ext>
+            </p:extLst>
+          </p:nvPr>
+        </p:nvSpPr>
+        <p:spPr>
+          <a:xfrm>
+            <a:off x="791682" y="1634393"/>
+            <a:ext cx="4483251" cy="3917307"/>
+          </a:xfrm>
+          <a:prstGeom prst="rect">
+            <a:avLst/>
+          </a:prstGeom>
+          <a:solidFill>
+            <a:schemeClr val="accent1"/>
+          </a:solidFill>
+          <a:ln>
+            <a:noFill/>
+          </a:ln>
+        </p:spPr>
+        <p:style>
+          <a:lnRef idx="2">
+            <a:schemeClr val="accent1">
+              <a:shade val="50000"/>
+            </a:schemeClr>
+          </a:lnRef>
+          <a:fillRef idx="1">
+            <a:schemeClr val="accent1"/>
+          </a:fillRef>
+          <a:effectRef idx="0">
+            <a:schemeClr val="accent1"/>
+          </a:effectRef>
+          <a:fontRef idx="minor">
+            <a:schemeClr val="lt1"/>
+          </a:fontRef>
+        </p:style>
+        <p:txBody>
+          <a:bodyPr rtlCol="0" anchor="ctr"/>
+          <a:lstStyle/>
+          <a:p>
+            <a:pPr algn="ctr"/>
+            <a:endParaRPr lang="en-US"/>
+          </a:p>
+        </p:txBody>
+      </p:sp>
+      <p:sp>
+        <p:nvSpPr>
+          <p:cNvPr id="2" name="Title 1">
+            <a:extLst>
+              <a:ext uri="{FF2B5EF4-FFF2-40B4-BE49-F238E27FC236}">
+                <a16:creationId xmlns:a16="http://schemas.microsoft.com/office/drawing/2014/main" id="{8087AB45-BC07-5F4F-8532-CC75FCFA93E0}"/>
+              </a:ext>
+            </a:extLst>
+          </p:cNvPr>
+          <p:cNvSpPr>
+            <a:spLocks noGrp="1"/>
+          </p:cNvSpPr>
+          <p:nvPr>
+            <p:ph type="title"/>
+          </p:nvPr>
+        </p:nvSpPr>
+        <p:spPr>
+          <a:xfrm>
+            <a:off x="873978" y="1718735"/>
+            <a:ext cx="4318879" cy="1072378"/>
+          </a:xfrm>
+        </p:spPr>
+        <p:txBody>
+          <a:bodyPr vert="horz" lIns="228600" tIns="228600" rIns="228600" bIns="0" rtlCol="0" anchor="ctr">
+            <a:normAutofit/>
+          </a:bodyPr>
+          <a:lstStyle/>
+          <a:p>
+            <a:r>
+              <a:rPr lang="en-US" sz="3600" dirty="0"/>
+              <a:t>Result Validation</a:t>
+            </a:r>
+          </a:p>
+        </p:txBody>
+      </p:sp>
+      <p:sp>
+        <p:nvSpPr>
+          <p:cNvPr id="65" name="Content Placeholder 64">
+            <a:extLst>
+              <a:ext uri="{FF2B5EF4-FFF2-40B4-BE49-F238E27FC236}">
+                <a16:creationId xmlns:a16="http://schemas.microsoft.com/office/drawing/2014/main" id="{B7FA4596-1DCF-45FA-A7A3-54B20E9B1132}"/>
+              </a:ext>
+            </a:extLst>
+          </p:cNvPr>
+          <p:cNvSpPr>
+            <a:spLocks noGrp="1"/>
+          </p:cNvSpPr>
+          <p:nvPr>
+            <p:ph idx="1"/>
+          </p:nvPr>
+        </p:nvSpPr>
+        <p:spPr>
+          <a:xfrm>
+            <a:off x="873102" y="2789239"/>
+            <a:ext cx="4319535" cy="2683606"/>
+          </a:xfrm>
+        </p:spPr>
+        <p:txBody>
+          <a:bodyPr>
+            <a:normAutofit/>
+          </a:bodyPr>
+          <a:lstStyle/>
+          <a:p>
+            <a:r>
+              <a:rPr lang="en-US" sz="1600" dirty="0">
+                <a:solidFill>
+                  <a:srgbClr val="FFFFFE"/>
+                </a:solidFill>
+              </a:rPr>
+              <a:t>ROC curve -&gt; How well were we able to recover the PPI network from the embedding?</a:t>
+            </a:r>
+          </a:p>
+          <a:p>
+            <a:r>
+              <a:rPr lang="en-US" sz="1600" dirty="0">
+                <a:solidFill>
+                  <a:srgbClr val="FFFFFE"/>
+                </a:solidFill>
+              </a:rPr>
+              <a:t>Using 10-d embedding, do comparisons with various methods to evaluate functional homogeneity and localization of top protein pairs</a:t>
+            </a:r>
+          </a:p>
+          <a:p>
+            <a:endParaRPr lang="en-US" sz="1600" dirty="0">
+              <a:solidFill>
+                <a:srgbClr val="FFFFFE"/>
+              </a:solidFill>
+            </a:endParaRPr>
+          </a:p>
+        </p:txBody>
+      </p:sp>
+      <p:pic>
+        <p:nvPicPr>
+          <p:cNvPr id="9" name="Picture 8" descr="Diagram&#10;&#10;Description automatically generated">
+            <a:extLst>
+              <a:ext uri="{FF2B5EF4-FFF2-40B4-BE49-F238E27FC236}">
+                <a16:creationId xmlns:a16="http://schemas.microsoft.com/office/drawing/2014/main" id="{B2ABFD58-DF95-414E-A892-2E29A42E4F99}"/>
+              </a:ext>
+            </a:extLst>
+          </p:cNvPr>
+          <p:cNvPicPr>
+            <a:picLocks noChangeAspect="1"/>
+          </p:cNvPicPr>
+          <p:nvPr/>
+        </p:nvPicPr>
+        <p:blipFill>
+          <a:blip r:embed="rId4"/>
+          <a:stretch>
+            <a:fillRect/>
+          </a:stretch>
+        </p:blipFill>
+        <p:spPr>
+          <a:xfrm>
+            <a:off x="7091932" y="3587191"/>
+            <a:ext cx="4097432" cy="2954879"/>
+          </a:xfrm>
+          <a:prstGeom prst="rect">
+            <a:avLst/>
+          </a:prstGeom>
+          <a:ln>
+            <a:solidFill>
+              <a:schemeClr val="bg1"/>
+            </a:solidFill>
+          </a:ln>
         </p:spPr>
       </p:pic>
     </p:spTree>
@@ -26948,7 +25754,7 @@
             <p:ph idx="1"/>
             <p:extLst>
               <p:ext uri="{D42A27DB-BD31-4B8C-83A1-F6EECF244321}">
-                <p14:modId xmlns:p14="http://schemas.microsoft.com/office/powerpoint/2010/main" val="1069102911"/>
+                <p14:modId xmlns:p14="http://schemas.microsoft.com/office/powerpoint/2010/main" val="213512321"/>
               </p:ext>
             </p:extLst>
           </p:nvPr>
@@ -27003,7 +25809,7 @@
       </p:grpSpPr>
       <p:grpSp>
         <p:nvGrpSpPr>
-          <p:cNvPr id="9" name="Group 8">
+          <p:cNvPr id="109" name="Group 108">
             <a:extLst>
               <a:ext uri="{FF2B5EF4-FFF2-40B4-BE49-F238E27FC236}">
                 <a16:creationId xmlns:a16="http://schemas.microsoft.com/office/drawing/2014/main" id="{17C4610E-9C18-467B-BF10-BE6A974CC364}"/>
@@ -27034,7 +25840,7 @@
         </p:grpSpPr>
         <p:sp>
           <p:nvSpPr>
-            <p:cNvPr id="10" name="Freeform 5">
+            <p:cNvPr id="110" name="Freeform 5">
               <a:extLst>
                 <a:ext uri="{FF2B5EF4-FFF2-40B4-BE49-F238E27FC236}">
                   <a16:creationId xmlns:a16="http://schemas.microsoft.com/office/drawing/2014/main" id="{296DF307-344E-4E9B-A7AA-8139E450D1BE}"/>
@@ -27117,7 +25923,7 @@
         </p:sp>
         <p:sp>
           <p:nvSpPr>
-            <p:cNvPr id="63" name="Freeform 6">
+            <p:cNvPr id="169" name="Freeform 6">
               <a:extLst>
                 <a:ext uri="{FF2B5EF4-FFF2-40B4-BE49-F238E27FC236}">
                   <a16:creationId xmlns:a16="http://schemas.microsoft.com/office/drawing/2014/main" id="{E263CC2D-ACFB-4EB3-ADF9-CD82BC8422F3}"/>
@@ -27200,7 +26006,7 @@
         </p:sp>
         <p:sp>
           <p:nvSpPr>
-            <p:cNvPr id="12" name="Freeform 7">
+            <p:cNvPr id="170" name="Freeform 7">
               <a:extLst>
                 <a:ext uri="{FF2B5EF4-FFF2-40B4-BE49-F238E27FC236}">
                   <a16:creationId xmlns:a16="http://schemas.microsoft.com/office/drawing/2014/main" id="{C5366E2F-9BA0-485A-B1CA-A5E6E2E379AF}"/>
@@ -27288,7 +26094,7 @@
         </p:sp>
         <p:sp>
           <p:nvSpPr>
-            <p:cNvPr id="65" name="Freeform 8">
+            <p:cNvPr id="171" name="Freeform 8">
               <a:extLst>
                 <a:ext uri="{FF2B5EF4-FFF2-40B4-BE49-F238E27FC236}">
                   <a16:creationId xmlns:a16="http://schemas.microsoft.com/office/drawing/2014/main" id="{1803051E-7C26-4F53-8293-B4EAED4212B9}"/>
@@ -27366,7 +26172,7 @@
         </p:sp>
         <p:sp>
           <p:nvSpPr>
-            <p:cNvPr id="66" name="Freeform 9">
+            <p:cNvPr id="172" name="Freeform 9">
               <a:extLst>
                 <a:ext uri="{FF2B5EF4-FFF2-40B4-BE49-F238E27FC236}">
                   <a16:creationId xmlns:a16="http://schemas.microsoft.com/office/drawing/2014/main" id="{D10888CD-E496-4116-9C45-CF4F17ADE644}"/>
@@ -27434,7 +26240,7 @@
         </p:sp>
         <p:sp>
           <p:nvSpPr>
-            <p:cNvPr id="67" name="Freeform 10">
+            <p:cNvPr id="173" name="Freeform 10">
               <a:extLst>
                 <a:ext uri="{FF2B5EF4-FFF2-40B4-BE49-F238E27FC236}">
                   <a16:creationId xmlns:a16="http://schemas.microsoft.com/office/drawing/2014/main" id="{0A42DA8F-DA3D-43E9-A184-E0F6C133A1D7}"/>
@@ -27512,7 +26318,7 @@
         </p:sp>
         <p:sp>
           <p:nvSpPr>
-            <p:cNvPr id="68" name="Freeform 11">
+            <p:cNvPr id="174" name="Freeform 11">
               <a:extLst>
                 <a:ext uri="{FF2B5EF4-FFF2-40B4-BE49-F238E27FC236}">
                   <a16:creationId xmlns:a16="http://schemas.microsoft.com/office/drawing/2014/main" id="{473EAD31-7AA3-49B7-ADD6-C13FF0F141A8}"/>
@@ -27585,7 +26391,7 @@
         </p:sp>
         <p:sp>
           <p:nvSpPr>
-            <p:cNvPr id="69" name="Freeform 12">
+            <p:cNvPr id="175" name="Freeform 12">
               <a:extLst>
                 <a:ext uri="{FF2B5EF4-FFF2-40B4-BE49-F238E27FC236}">
                   <a16:creationId xmlns:a16="http://schemas.microsoft.com/office/drawing/2014/main" id="{2BBB7CDF-BA2E-451F-9201-CF2B6FEAEAE8}"/>
@@ -27653,7 +26459,7 @@
         </p:sp>
         <p:sp>
           <p:nvSpPr>
-            <p:cNvPr id="70" name="Freeform 13">
+            <p:cNvPr id="176" name="Freeform 13">
               <a:extLst>
                 <a:ext uri="{FF2B5EF4-FFF2-40B4-BE49-F238E27FC236}">
                   <a16:creationId xmlns:a16="http://schemas.microsoft.com/office/drawing/2014/main" id="{84809EF2-CD0D-4BC3-ABC7-E7E312A1D741}"/>
@@ -27726,7 +26532,7 @@
         </p:sp>
         <p:sp>
           <p:nvSpPr>
-            <p:cNvPr id="71" name="Freeform 14">
+            <p:cNvPr id="177" name="Freeform 14">
               <a:extLst>
                 <a:ext uri="{FF2B5EF4-FFF2-40B4-BE49-F238E27FC236}">
                   <a16:creationId xmlns:a16="http://schemas.microsoft.com/office/drawing/2014/main" id="{11D2D6C5-637B-4AFE-97F4-D4E48A613487}"/>
@@ -27794,7 +26600,7 @@
         </p:sp>
         <p:sp>
           <p:nvSpPr>
-            <p:cNvPr id="72" name="Freeform 15">
+            <p:cNvPr id="178" name="Freeform 15">
               <a:extLst>
                 <a:ext uri="{FF2B5EF4-FFF2-40B4-BE49-F238E27FC236}">
                   <a16:creationId xmlns:a16="http://schemas.microsoft.com/office/drawing/2014/main" id="{F841B2C5-57F5-4FE6-B4D4-EBB3F3088119}"/>
@@ -27867,7 +26673,7 @@
         </p:sp>
         <p:sp>
           <p:nvSpPr>
-            <p:cNvPr id="73" name="Freeform 16">
+            <p:cNvPr id="179" name="Freeform 16">
               <a:extLst>
                 <a:ext uri="{FF2B5EF4-FFF2-40B4-BE49-F238E27FC236}">
                   <a16:creationId xmlns:a16="http://schemas.microsoft.com/office/drawing/2014/main" id="{B4822A39-2A52-4B2C-9319-BEFC526DB0AF}"/>
@@ -27935,7 +26741,7 @@
         </p:sp>
         <p:sp>
           <p:nvSpPr>
-            <p:cNvPr id="74" name="Freeform 17">
+            <p:cNvPr id="180" name="Freeform 17">
               <a:extLst>
                 <a:ext uri="{FF2B5EF4-FFF2-40B4-BE49-F238E27FC236}">
                   <a16:creationId xmlns:a16="http://schemas.microsoft.com/office/drawing/2014/main" id="{4E469692-E783-4950-8DEC-3A1FD3978B0C}"/>
@@ -28008,7 +26814,7 @@
         </p:sp>
         <p:sp>
           <p:nvSpPr>
-            <p:cNvPr id="75" name="Freeform 18">
+            <p:cNvPr id="181" name="Freeform 18">
               <a:extLst>
                 <a:ext uri="{FF2B5EF4-FFF2-40B4-BE49-F238E27FC236}">
                   <a16:creationId xmlns:a16="http://schemas.microsoft.com/office/drawing/2014/main" id="{012909CD-3254-41E5-B8BB-0F2D7CE0D89F}"/>
@@ -28081,7 +26887,7 @@
         </p:sp>
         <p:sp>
           <p:nvSpPr>
-            <p:cNvPr id="76" name="Freeform 19">
+            <p:cNvPr id="182" name="Freeform 19">
               <a:extLst>
                 <a:ext uri="{FF2B5EF4-FFF2-40B4-BE49-F238E27FC236}">
                   <a16:creationId xmlns:a16="http://schemas.microsoft.com/office/drawing/2014/main" id="{93E7648E-861E-4503-AEDC-56C4EC507297}"/>
@@ -28154,7 +26960,7 @@
         </p:sp>
         <p:sp>
           <p:nvSpPr>
-            <p:cNvPr id="77" name="Freeform 20">
+            <p:cNvPr id="183" name="Freeform 20">
               <a:extLst>
                 <a:ext uri="{FF2B5EF4-FFF2-40B4-BE49-F238E27FC236}">
                   <a16:creationId xmlns:a16="http://schemas.microsoft.com/office/drawing/2014/main" id="{F9C72257-EBD0-4D1C-A32C-D846446872CB}"/>
@@ -28222,7 +27028,7 @@
         </p:sp>
         <p:sp>
           <p:nvSpPr>
-            <p:cNvPr id="78" name="Freeform 21">
+            <p:cNvPr id="184" name="Freeform 21">
               <a:extLst>
                 <a:ext uri="{FF2B5EF4-FFF2-40B4-BE49-F238E27FC236}">
                   <a16:creationId xmlns:a16="http://schemas.microsoft.com/office/drawing/2014/main" id="{87BB2CBB-9C22-4E28-AB86-DC92AEE2DBD2}"/>
@@ -28290,7 +27096,7 @@
         </p:sp>
         <p:sp>
           <p:nvSpPr>
-            <p:cNvPr id="79" name="Freeform 22">
+            <p:cNvPr id="185" name="Freeform 22">
               <a:extLst>
                 <a:ext uri="{FF2B5EF4-FFF2-40B4-BE49-F238E27FC236}">
                   <a16:creationId xmlns:a16="http://schemas.microsoft.com/office/drawing/2014/main" id="{F85B3053-8D9F-410A-80C2-7960DDEA6A66}"/>
@@ -28358,7 +27164,7 @@
         </p:sp>
         <p:sp>
           <p:nvSpPr>
-            <p:cNvPr id="80" name="Freeform 23">
+            <p:cNvPr id="186" name="Freeform 23">
               <a:extLst>
                 <a:ext uri="{FF2B5EF4-FFF2-40B4-BE49-F238E27FC236}">
                   <a16:creationId xmlns:a16="http://schemas.microsoft.com/office/drawing/2014/main" id="{E8FF5DA7-6E72-41F1-A54C-EAF440A274F3}"/>
@@ -28427,7 +27233,7 @@
       </p:grpSp>
       <p:grpSp>
         <p:nvGrpSpPr>
-          <p:cNvPr id="81" name="Group 29">
+          <p:cNvPr id="130" name="Group 129">
             <a:extLst>
               <a:ext uri="{FF2B5EF4-FFF2-40B4-BE49-F238E27FC236}">
                 <a16:creationId xmlns:a16="http://schemas.microsoft.com/office/drawing/2014/main" id="{A899734C-500F-4274-9854-8BFA14A1D7EE}"/>
@@ -28458,7 +27264,7 @@
         </p:grpSpPr>
         <p:sp>
           <p:nvSpPr>
-            <p:cNvPr id="82" name="Rectangle 30">
+            <p:cNvPr id="187" name="Rectangle 130">
               <a:extLst>
                 <a:ext uri="{FF2B5EF4-FFF2-40B4-BE49-F238E27FC236}">
                   <a16:creationId xmlns:a16="http://schemas.microsoft.com/office/drawing/2014/main" id="{FF07BF51-2934-47AD-A415-7400882F1477}"/>
@@ -28511,7 +27317,7 @@
         </p:sp>
         <p:sp>
           <p:nvSpPr>
-            <p:cNvPr id="83" name="Isosceles Triangle 31">
+            <p:cNvPr id="188" name="Isosceles Triangle 131">
               <a:extLst>
                 <a:ext uri="{FF2B5EF4-FFF2-40B4-BE49-F238E27FC236}">
                   <a16:creationId xmlns:a16="http://schemas.microsoft.com/office/drawing/2014/main" id="{DD6E3DF0-EDC0-458B-9C5B-911814F0A681}"/>
@@ -28564,7 +27370,7 @@
         </p:sp>
         <p:sp>
           <p:nvSpPr>
-            <p:cNvPr id="84" name="Rectangle 32">
+            <p:cNvPr id="133" name="Rectangle 132">
               <a:extLst>
                 <a:ext uri="{FF2B5EF4-FFF2-40B4-BE49-F238E27FC236}">
                   <a16:creationId xmlns:a16="http://schemas.microsoft.com/office/drawing/2014/main" id="{5D0824B1-47C9-4504-99FB-CB15051979CA}"/>
@@ -28618,7 +27424,7 @@
       </p:grpSp>
       <p:sp>
         <p:nvSpPr>
-          <p:cNvPr id="35" name="Rectangle 34">
+          <p:cNvPr id="135" name="Rectangle 134">
             <a:extLst>
               <a:ext uri="{FF2B5EF4-FFF2-40B4-BE49-F238E27FC236}">
                 <a16:creationId xmlns:a16="http://schemas.microsoft.com/office/drawing/2014/main" id="{A3BAF07C-C39E-42EB-BB22-8D46691D9735}"/>
@@ -28681,7 +27487,7 @@
       </p:sp>
       <p:grpSp>
         <p:nvGrpSpPr>
-          <p:cNvPr id="85" name="Group 36">
+          <p:cNvPr id="137" name="Group 136">
             <a:extLst>
               <a:ext uri="{FF2B5EF4-FFF2-40B4-BE49-F238E27FC236}">
                 <a16:creationId xmlns:a16="http://schemas.microsoft.com/office/drawing/2014/main" id="{D8E9CF54-0466-4261-9E62-0249E60E1886}"/>
@@ -28712,7 +27518,7 @@
         </p:grpSpPr>
         <p:sp>
           <p:nvSpPr>
-            <p:cNvPr id="86" name="Freeform 5">
+            <p:cNvPr id="138" name="Freeform 5">
               <a:extLst>
                 <a:ext uri="{FF2B5EF4-FFF2-40B4-BE49-F238E27FC236}">
                   <a16:creationId xmlns:a16="http://schemas.microsoft.com/office/drawing/2014/main" id="{33E32106-E8B1-4F76-9EE6-58537738A3C4}"/>
@@ -28795,7 +27601,7 @@
         </p:sp>
         <p:sp>
           <p:nvSpPr>
-            <p:cNvPr id="87" name="Freeform 6">
+            <p:cNvPr id="139" name="Freeform 6">
               <a:extLst>
                 <a:ext uri="{FF2B5EF4-FFF2-40B4-BE49-F238E27FC236}">
                   <a16:creationId xmlns:a16="http://schemas.microsoft.com/office/drawing/2014/main" id="{C32C2C46-A045-44FB-8A74-5EBD650C2787}"/>
@@ -28878,7 +27684,7 @@
         </p:sp>
         <p:sp>
           <p:nvSpPr>
-            <p:cNvPr id="88" name="Freeform 7">
+            <p:cNvPr id="140" name="Freeform 7">
               <a:extLst>
                 <a:ext uri="{FF2B5EF4-FFF2-40B4-BE49-F238E27FC236}">
                   <a16:creationId xmlns:a16="http://schemas.microsoft.com/office/drawing/2014/main" id="{6A76F79C-6683-4940-BCF7-4BCCCEE40688}"/>
@@ -28966,7 +27772,7 @@
         </p:sp>
         <p:sp>
           <p:nvSpPr>
-            <p:cNvPr id="41" name="Freeform 8">
+            <p:cNvPr id="141" name="Freeform 8">
               <a:extLst>
                 <a:ext uri="{FF2B5EF4-FFF2-40B4-BE49-F238E27FC236}">
                   <a16:creationId xmlns:a16="http://schemas.microsoft.com/office/drawing/2014/main" id="{FF4675A3-6D07-4B1F-9BFC-AEBEA1AD067D}"/>
@@ -29044,7 +27850,7 @@
         </p:sp>
         <p:sp>
           <p:nvSpPr>
-            <p:cNvPr id="89" name="Freeform 9">
+            <p:cNvPr id="142" name="Freeform 9">
               <a:extLst>
                 <a:ext uri="{FF2B5EF4-FFF2-40B4-BE49-F238E27FC236}">
                   <a16:creationId xmlns:a16="http://schemas.microsoft.com/office/drawing/2014/main" id="{765E127A-B6B7-4B1D-B7BD-6C8C969D29C3}"/>
@@ -29112,7 +27918,7 @@
         </p:sp>
         <p:sp>
           <p:nvSpPr>
-            <p:cNvPr id="90" name="Freeform 10">
+            <p:cNvPr id="143" name="Freeform 10">
               <a:extLst>
                 <a:ext uri="{FF2B5EF4-FFF2-40B4-BE49-F238E27FC236}">
                   <a16:creationId xmlns:a16="http://schemas.microsoft.com/office/drawing/2014/main" id="{3BCA9D9E-C72C-4751-BFA9-10B85CACE3CA}"/>
@@ -29190,7 +27996,7 @@
         </p:sp>
         <p:sp>
           <p:nvSpPr>
-            <p:cNvPr id="91" name="Freeform 11">
+            <p:cNvPr id="144" name="Freeform 11">
               <a:extLst>
                 <a:ext uri="{FF2B5EF4-FFF2-40B4-BE49-F238E27FC236}">
                   <a16:creationId xmlns:a16="http://schemas.microsoft.com/office/drawing/2014/main" id="{080C708C-69BF-441B-AB75-C98160ED06DE}"/>
@@ -29263,7 +28069,7 @@
         </p:sp>
         <p:sp>
           <p:nvSpPr>
-            <p:cNvPr id="92" name="Freeform 12">
+            <p:cNvPr id="145" name="Freeform 12">
               <a:extLst>
                 <a:ext uri="{FF2B5EF4-FFF2-40B4-BE49-F238E27FC236}">
                   <a16:creationId xmlns:a16="http://schemas.microsoft.com/office/drawing/2014/main" id="{3E79964E-F8F1-4763-8892-7BC3DAE306E9}"/>
@@ -29331,7 +28137,7 @@
         </p:sp>
         <p:sp>
           <p:nvSpPr>
-            <p:cNvPr id="93" name="Freeform 13">
+            <p:cNvPr id="146" name="Freeform 13">
               <a:extLst>
                 <a:ext uri="{FF2B5EF4-FFF2-40B4-BE49-F238E27FC236}">
                   <a16:creationId xmlns:a16="http://schemas.microsoft.com/office/drawing/2014/main" id="{FE09592A-FCC9-4AE5-BA0B-730C6F3BBE95}"/>
@@ -29404,7 +28210,7 @@
         </p:sp>
         <p:sp>
           <p:nvSpPr>
-            <p:cNvPr id="94" name="Freeform 14">
+            <p:cNvPr id="147" name="Freeform 14">
               <a:extLst>
                 <a:ext uri="{FF2B5EF4-FFF2-40B4-BE49-F238E27FC236}">
                   <a16:creationId xmlns:a16="http://schemas.microsoft.com/office/drawing/2014/main" id="{96448994-820C-4BC1-ABF3-4579C6F99A63}"/>
@@ -29472,7 +28278,7 @@
         </p:sp>
         <p:sp>
           <p:nvSpPr>
-            <p:cNvPr id="95" name="Freeform 15">
+            <p:cNvPr id="148" name="Freeform 15">
               <a:extLst>
                 <a:ext uri="{FF2B5EF4-FFF2-40B4-BE49-F238E27FC236}">
                   <a16:creationId xmlns:a16="http://schemas.microsoft.com/office/drawing/2014/main" id="{9BB0D192-565A-42B9-B292-CC032D71A6A1}"/>
@@ -29545,7 +28351,7 @@
         </p:sp>
         <p:sp>
           <p:nvSpPr>
-            <p:cNvPr id="96" name="Freeform 16">
+            <p:cNvPr id="149" name="Freeform 16">
               <a:extLst>
                 <a:ext uri="{FF2B5EF4-FFF2-40B4-BE49-F238E27FC236}">
                   <a16:creationId xmlns:a16="http://schemas.microsoft.com/office/drawing/2014/main" id="{6D1CA09C-5F40-4E92-A7E9-D1FCEE51283D}"/>
@@ -29613,7 +28419,7 @@
         </p:sp>
         <p:sp>
           <p:nvSpPr>
-            <p:cNvPr id="97" name="Freeform 17">
+            <p:cNvPr id="150" name="Freeform 17">
               <a:extLst>
                 <a:ext uri="{FF2B5EF4-FFF2-40B4-BE49-F238E27FC236}">
                   <a16:creationId xmlns:a16="http://schemas.microsoft.com/office/drawing/2014/main" id="{379F5AA5-2E14-4880-A5A6-07AEF2AD89DB}"/>
@@ -29686,7 +28492,7 @@
         </p:sp>
         <p:sp>
           <p:nvSpPr>
-            <p:cNvPr id="98" name="Freeform 18">
+            <p:cNvPr id="151" name="Freeform 18">
               <a:extLst>
                 <a:ext uri="{FF2B5EF4-FFF2-40B4-BE49-F238E27FC236}">
                   <a16:creationId xmlns:a16="http://schemas.microsoft.com/office/drawing/2014/main" id="{EF14BD32-D239-4DA3-98B3-7752073657CC}"/>
@@ -29759,7 +28565,7 @@
         </p:sp>
         <p:sp>
           <p:nvSpPr>
-            <p:cNvPr id="99" name="Freeform 19">
+            <p:cNvPr id="152" name="Freeform 19">
               <a:extLst>
                 <a:ext uri="{FF2B5EF4-FFF2-40B4-BE49-F238E27FC236}">
                   <a16:creationId xmlns:a16="http://schemas.microsoft.com/office/drawing/2014/main" id="{CF07B250-E5E4-4624-9BD7-8D513A67B731}"/>
@@ -29832,7 +28638,7 @@
         </p:sp>
         <p:sp>
           <p:nvSpPr>
-            <p:cNvPr id="100" name="Freeform 20">
+            <p:cNvPr id="153" name="Freeform 20">
               <a:extLst>
                 <a:ext uri="{FF2B5EF4-FFF2-40B4-BE49-F238E27FC236}">
                   <a16:creationId xmlns:a16="http://schemas.microsoft.com/office/drawing/2014/main" id="{BCC5D120-7C8C-4290-865C-4EE6E4F245F9}"/>
@@ -29900,7 +28706,7 @@
         </p:sp>
         <p:sp>
           <p:nvSpPr>
-            <p:cNvPr id="101" name="Freeform 21">
+            <p:cNvPr id="154" name="Freeform 21">
               <a:extLst>
                 <a:ext uri="{FF2B5EF4-FFF2-40B4-BE49-F238E27FC236}">
                   <a16:creationId xmlns:a16="http://schemas.microsoft.com/office/drawing/2014/main" id="{C24688C6-CAE5-4EF2-B2BA-A138DA0A24B9}"/>
@@ -29968,7 +28774,7 @@
         </p:sp>
         <p:sp>
           <p:nvSpPr>
-            <p:cNvPr id="102" name="Freeform 22">
+            <p:cNvPr id="155" name="Freeform 22">
               <a:extLst>
                 <a:ext uri="{FF2B5EF4-FFF2-40B4-BE49-F238E27FC236}">
                   <a16:creationId xmlns:a16="http://schemas.microsoft.com/office/drawing/2014/main" id="{6BD31099-7C13-4901-A04F-632B1CD84627}"/>
@@ -30036,7 +28842,7 @@
         </p:sp>
         <p:sp>
           <p:nvSpPr>
-            <p:cNvPr id="103" name="Freeform 23">
+            <p:cNvPr id="156" name="Freeform 23">
               <a:extLst>
                 <a:ext uri="{FF2B5EF4-FFF2-40B4-BE49-F238E27FC236}">
                   <a16:creationId xmlns:a16="http://schemas.microsoft.com/office/drawing/2014/main" id="{679F5FF7-82B2-4033-8FBE-63170C937833}"/>
@@ -30137,7 +28943,7 @@
               </a:lnSpc>
             </a:pPr>
             <a:r>
-              <a:rPr lang="en-US">
+              <a:rPr lang="en-US" dirty="0">
                 <a:solidFill>
                   <a:schemeClr val="bg1"/>
                 </a:solidFill>
@@ -30149,7 +28955,7 @@
       </p:sp>
       <p:sp>
         <p:nvSpPr>
-          <p:cNvPr id="104" name="Freeform: Shape 57">
+          <p:cNvPr id="158" name="Freeform: Shape 157">
             <a:extLst>
               <a:ext uri="{FF2B5EF4-FFF2-40B4-BE49-F238E27FC236}">
                 <a16:creationId xmlns:a16="http://schemas.microsoft.com/office/drawing/2014/main" id="{A7795DFA-888F-47E2-B44E-DE1D3B3E46A4}"/>
@@ -30334,19 +29140,17 @@
       </p:sp>
       <p:pic>
         <p:nvPicPr>
-          <p:cNvPr id="4" name="Content Placeholder 3">
+          <p:cNvPr id="107" name="Picture 106">
             <a:extLst>
               <a:ext uri="{FF2B5EF4-FFF2-40B4-BE49-F238E27FC236}">
-                <a16:creationId xmlns:a16="http://schemas.microsoft.com/office/drawing/2014/main" id="{29AAF4AD-A619-7542-894B-088545D515A3}"/>
+                <a16:creationId xmlns:a16="http://schemas.microsoft.com/office/drawing/2014/main" id="{59CCB952-8CA4-FE43-B5B7-D7C000A7F4EC}"/>
               </a:ext>
             </a:extLst>
           </p:cNvPr>
           <p:cNvPicPr>
-            <a:picLocks noGrp="1" noChangeAspect="1"/>
+            <a:picLocks noChangeAspect="1"/>
           </p:cNvPicPr>
-          <p:nvPr>
-            <p:ph idx="1"/>
-          </p:nvPr>
+          <p:nvPr/>
         </p:nvPicPr>
         <p:blipFill>
           <a:blip r:embed="rId2"/>
@@ -30356,8 +29160,8 @@
         </p:blipFill>
         <p:spPr>
           <a:xfrm>
-            <a:off x="2300982" y="3765"/>
-            <a:ext cx="7994842" cy="4856865"/>
+            <a:off x="2188788" y="142382"/>
+            <a:ext cx="7845639" cy="4765933"/>
           </a:xfrm>
           <a:prstGeom prst="rect">
             <a:avLst/>
